--- a/IBM-Watson-Presentation.pptx
+++ b/IBM-Watson-Presentation.pptx
@@ -5,26 +5,30 @@
     <p:sldMasterId id="2147483666" r:id="rId4"/>
   </p:sldMasterIdLst>
   <p:notesMasterIdLst>
-    <p:notesMasterId r:id="rId19"/>
+    <p:notesMasterId r:id="rId23"/>
   </p:notesMasterIdLst>
   <p:handoutMasterIdLst>
-    <p:handoutMasterId r:id="rId20"/>
+    <p:handoutMasterId r:id="rId24"/>
   </p:handoutMasterIdLst>
   <p:sldIdLst>
     <p:sldId id="256" r:id="rId5"/>
-    <p:sldId id="277" r:id="rId6"/>
+    <p:sldId id="282" r:id="rId6"/>
     <p:sldId id="262" r:id="rId7"/>
     <p:sldId id="295" r:id="rId8"/>
     <p:sldId id="296" r:id="rId9"/>
     <p:sldId id="297" r:id="rId10"/>
     <p:sldId id="298" r:id="rId11"/>
     <p:sldId id="299" r:id="rId12"/>
-    <p:sldId id="300" r:id="rId13"/>
-    <p:sldId id="301" r:id="rId14"/>
-    <p:sldId id="302" r:id="rId15"/>
-    <p:sldId id="303" r:id="rId16"/>
-    <p:sldId id="282" r:id="rId17"/>
-    <p:sldId id="276" r:id="rId18"/>
+    <p:sldId id="304" r:id="rId13"/>
+    <p:sldId id="305" r:id="rId14"/>
+    <p:sldId id="306" r:id="rId15"/>
+    <p:sldId id="307" r:id="rId16"/>
+    <p:sldId id="308" r:id="rId17"/>
+    <p:sldId id="309" r:id="rId18"/>
+    <p:sldId id="310" r:id="rId19"/>
+    <p:sldId id="303" r:id="rId20"/>
+    <p:sldId id="302" r:id="rId21"/>
+    <p:sldId id="276" r:id="rId22"/>
   </p:sldIdLst>
   <p:sldSz cx="12192000" cy="6858000"/>
   <p:notesSz cx="6858000" cy="9144000"/>
@@ -160,6 +164,8 @@
 <file path=ppt/revisionInfo.xml><?xml version="1.0" encoding="utf-8"?>
 <p1510:revInfo xmlns:a="http://schemas.openxmlformats.org/drawingml/2006/main" xmlns:r="http://schemas.openxmlformats.org/officeDocument/2006/relationships" xmlns:p1510="http://schemas.microsoft.com/office/powerpoint/2015/10/main">
   <p1510:revLst>
+    <p1510:client id="{85F741F2-2510-44D5-AF8B-2373A010F755}" v="33" dt="2024-09-19T10:37:18.884"/>
+    <p1510:client id="{BE6FB4C6-1D1F-44D0-A320-56BCD2624943}" v="1" dt="2024-09-19T06:04:30.742"/>
     <p1510:client id="{DA72F9B2-C87B-41E6-84EF-245FC2ADC638}" v="16" dt="2024-09-18T12:33:14.314"/>
   </p1510:revLst>
 </p1510:revInfo>
@@ -170,7 +176,7 @@
   <pc:docChgLst>
     <pc:chgData name="Anirban Banerjee (IN92657)" userId="b82f5010-943b-4dbb-9251-0075e403d9fa" providerId="ADAL" clId="{DA72F9B2-C87B-41E6-84EF-245FC2ADC638}"/>
     <pc:docChg chg="undo redo custSel addSld delSld modSld">
-      <pc:chgData name="Anirban Banerjee (IN92657)" userId="b82f5010-943b-4dbb-9251-0075e403d9fa" providerId="ADAL" clId="{DA72F9B2-C87B-41E6-84EF-245FC2ADC638}" dt="2024-09-18T12:44:17.239" v="2793" actId="478"/>
+      <pc:chgData name="Anirban Banerjee (IN92657)" userId="b82f5010-943b-4dbb-9251-0075e403d9fa" providerId="ADAL" clId="{DA72F9B2-C87B-41E6-84EF-245FC2ADC638}" dt="2024-09-19T10:44:32.040" v="2794" actId="20577"/>
       <pc:docMkLst>
         <pc:docMk/>
       </pc:docMkLst>
@@ -291,7 +297,7 @@
         </pc:spChg>
       </pc:sldChg>
       <pc:sldChg chg="addSp delSp modSp mod">
-        <pc:chgData name="Anirban Banerjee (IN92657)" userId="b82f5010-943b-4dbb-9251-0075e403d9fa" providerId="ADAL" clId="{DA72F9B2-C87B-41E6-84EF-245FC2ADC638}" dt="2024-09-18T12:43:09.412" v="2769" actId="478"/>
+        <pc:chgData name="Anirban Banerjee (IN92657)" userId="b82f5010-943b-4dbb-9251-0075e403d9fa" providerId="ADAL" clId="{DA72F9B2-C87B-41E6-84EF-245FC2ADC638}" dt="2024-09-19T10:44:32.040" v="2794" actId="20577"/>
         <pc:sldMkLst>
           <pc:docMk/>
           <pc:sldMk cId="1593920805" sldId="262"/>
@@ -345,7 +351,7 @@
           </ac:spMkLst>
         </pc:spChg>
         <pc:spChg chg="mod">
-          <ac:chgData name="Anirban Banerjee (IN92657)" userId="b82f5010-943b-4dbb-9251-0075e403d9fa" providerId="ADAL" clId="{DA72F9B2-C87B-41E6-84EF-245FC2ADC638}" dt="2024-09-18T12:08:08.225" v="238" actId="27636"/>
+          <ac:chgData name="Anirban Banerjee (IN92657)" userId="b82f5010-943b-4dbb-9251-0075e403d9fa" providerId="ADAL" clId="{DA72F9B2-C87B-41E6-84EF-245FC2ADC638}" dt="2024-09-19T10:44:32.040" v="2794" actId="20577"/>
           <ac:spMkLst>
             <pc:docMk/>
             <pc:sldMk cId="1593920805" sldId="262"/>
@@ -1008,6 +1014,1049 @@
       </pc:sldMasterChg>
     </pc:docChg>
   </pc:docChgLst>
+  <pc:docChgLst>
+    <pc:chgData name="Ajoy Kumar Daga" userId="cbd5d37d-73b8-4ed7-8da0-fb794ee63b1f" providerId="ADAL" clId="{BE6FB4C6-1D1F-44D0-A320-56BCD2624943}"/>
+    <pc:docChg chg="undo custSel modSld sldOrd">
+      <pc:chgData name="Ajoy Kumar Daga" userId="cbd5d37d-73b8-4ed7-8da0-fb794ee63b1f" providerId="ADAL" clId="{BE6FB4C6-1D1F-44D0-A320-56BCD2624943}" dt="2024-09-19T06:28:56.016" v="660" actId="20577"/>
+      <pc:docMkLst>
+        <pc:docMk/>
+      </pc:docMkLst>
+      <pc:sldChg chg="modSp mod">
+        <pc:chgData name="Ajoy Kumar Daga" userId="cbd5d37d-73b8-4ed7-8da0-fb794ee63b1f" providerId="ADAL" clId="{BE6FB4C6-1D1F-44D0-A320-56BCD2624943}" dt="2024-09-19T05:54:00.476" v="47" actId="20577"/>
+        <pc:sldMkLst>
+          <pc:docMk/>
+          <pc:sldMk cId="1593920805" sldId="262"/>
+        </pc:sldMkLst>
+        <pc:spChg chg="mod">
+          <ac:chgData name="Ajoy Kumar Daga" userId="cbd5d37d-73b8-4ed7-8da0-fb794ee63b1f" providerId="ADAL" clId="{BE6FB4C6-1D1F-44D0-A320-56BCD2624943}" dt="2024-09-19T05:54:00.476" v="47" actId="20577"/>
+          <ac:spMkLst>
+            <pc:docMk/>
+            <pc:sldMk cId="1593920805" sldId="262"/>
+            <ac:spMk id="8" creationId="{51C26CE0-2506-4B44-A26F-C12BFA5B18B5}"/>
+          </ac:spMkLst>
+        </pc:spChg>
+      </pc:sldChg>
+      <pc:sldChg chg="modSp mod">
+        <pc:chgData name="Ajoy Kumar Daga" userId="cbd5d37d-73b8-4ed7-8da0-fb794ee63b1f" providerId="ADAL" clId="{BE6FB4C6-1D1F-44D0-A320-56BCD2624943}" dt="2024-09-19T05:49:23.190" v="2" actId="20577"/>
+        <pc:sldMkLst>
+          <pc:docMk/>
+          <pc:sldMk cId="2243494996" sldId="277"/>
+        </pc:sldMkLst>
+        <pc:spChg chg="mod">
+          <ac:chgData name="Ajoy Kumar Daga" userId="cbd5d37d-73b8-4ed7-8da0-fb794ee63b1f" providerId="ADAL" clId="{BE6FB4C6-1D1F-44D0-A320-56BCD2624943}" dt="2024-09-19T05:49:23.190" v="2" actId="20577"/>
+          <ac:spMkLst>
+            <pc:docMk/>
+            <pc:sldMk cId="2243494996" sldId="277"/>
+            <ac:spMk id="3" creationId="{35E3EA69-4E0E-41BD-8095-A124225A2647}"/>
+          </ac:spMkLst>
+        </pc:spChg>
+      </pc:sldChg>
+      <pc:sldChg chg="addSp delSp modSp mod">
+        <pc:chgData name="Ajoy Kumar Daga" userId="cbd5d37d-73b8-4ed7-8da0-fb794ee63b1f" providerId="ADAL" clId="{BE6FB4C6-1D1F-44D0-A320-56BCD2624943}" dt="2024-09-19T06:04:56.435" v="127" actId="478"/>
+        <pc:sldMkLst>
+          <pc:docMk/>
+          <pc:sldMk cId="3477453048" sldId="282"/>
+        </pc:sldMkLst>
+        <pc:spChg chg="add del mod">
+          <ac:chgData name="Ajoy Kumar Daga" userId="cbd5d37d-73b8-4ed7-8da0-fb794ee63b1f" providerId="ADAL" clId="{BE6FB4C6-1D1F-44D0-A320-56BCD2624943}" dt="2024-09-19T06:04:30.741" v="108" actId="931"/>
+          <ac:spMkLst>
+            <pc:docMk/>
+            <pc:sldMk cId="3477453048" sldId="282"/>
+            <ac:spMk id="4" creationId="{9F032444-835A-AEAE-584D-FD28CFBD370E}"/>
+          </ac:spMkLst>
+        </pc:spChg>
+        <pc:spChg chg="add del mod">
+          <ac:chgData name="Ajoy Kumar Daga" userId="cbd5d37d-73b8-4ed7-8da0-fb794ee63b1f" providerId="ADAL" clId="{BE6FB4C6-1D1F-44D0-A320-56BCD2624943}" dt="2024-09-19T06:04:56.435" v="127" actId="478"/>
+          <ac:spMkLst>
+            <pc:docMk/>
+            <pc:sldMk cId="3477453048" sldId="282"/>
+            <ac:spMk id="9" creationId="{31D6843D-EF53-B465-1051-671B7D24FB1A}"/>
+          </ac:spMkLst>
+        </pc:spChg>
+        <pc:spChg chg="mod">
+          <ac:chgData name="Ajoy Kumar Daga" userId="cbd5d37d-73b8-4ed7-8da0-fb794ee63b1f" providerId="ADAL" clId="{BE6FB4C6-1D1F-44D0-A320-56BCD2624943}" dt="2024-09-19T06:04:43.234" v="125" actId="20577"/>
+          <ac:spMkLst>
+            <pc:docMk/>
+            <pc:sldMk cId="3477453048" sldId="282"/>
+            <ac:spMk id="24" creationId="{7BAD1FFF-8B97-4CD1-85E7-B7738EAD28CD}"/>
+          </ac:spMkLst>
+        </pc:spChg>
+        <pc:spChg chg="del">
+          <ac:chgData name="Ajoy Kumar Daga" userId="cbd5d37d-73b8-4ed7-8da0-fb794ee63b1f" providerId="ADAL" clId="{BE6FB4C6-1D1F-44D0-A320-56BCD2624943}" dt="2024-09-19T06:04:52.733" v="126" actId="478"/>
+          <ac:spMkLst>
+            <pc:docMk/>
+            <pc:sldMk cId="3477453048" sldId="282"/>
+            <ac:spMk id="36" creationId="{B76FA389-A54D-4E4B-81DA-DBA175D78FEC}"/>
+          </ac:spMkLst>
+        </pc:spChg>
+        <pc:picChg chg="add mod">
+          <ac:chgData name="Ajoy Kumar Daga" userId="cbd5d37d-73b8-4ed7-8da0-fb794ee63b1f" providerId="ADAL" clId="{BE6FB4C6-1D1F-44D0-A320-56BCD2624943}" dt="2024-09-19T06:04:37.637" v="109" actId="27614"/>
+          <ac:picMkLst>
+            <pc:docMk/>
+            <pc:sldMk cId="3477453048" sldId="282"/>
+            <ac:picMk id="7" creationId="{F96A1906-6CB6-B4F5-4135-1747192C8F94}"/>
+          </ac:picMkLst>
+        </pc:picChg>
+        <pc:picChg chg="del">
+          <ac:chgData name="Ajoy Kumar Daga" userId="cbd5d37d-73b8-4ed7-8da0-fb794ee63b1f" providerId="ADAL" clId="{BE6FB4C6-1D1F-44D0-A320-56BCD2624943}" dt="2024-09-19T06:04:23.038" v="107" actId="478"/>
+          <ac:picMkLst>
+            <pc:docMk/>
+            <pc:sldMk cId="3477453048" sldId="282"/>
+            <ac:picMk id="26" creationId="{E287A61C-B7FB-4B69-97E7-7B7AFC8A5D33}"/>
+          </ac:picMkLst>
+        </pc:picChg>
+      </pc:sldChg>
+      <pc:sldChg chg="modSp mod">
+        <pc:chgData name="Ajoy Kumar Daga" userId="cbd5d37d-73b8-4ed7-8da0-fb794ee63b1f" providerId="ADAL" clId="{BE6FB4C6-1D1F-44D0-A320-56BCD2624943}" dt="2024-09-19T05:56:24.652" v="67" actId="27636"/>
+        <pc:sldMkLst>
+          <pc:docMk/>
+          <pc:sldMk cId="2537869113" sldId="295"/>
+        </pc:sldMkLst>
+        <pc:spChg chg="mod">
+          <ac:chgData name="Ajoy Kumar Daga" userId="cbd5d37d-73b8-4ed7-8da0-fb794ee63b1f" providerId="ADAL" clId="{BE6FB4C6-1D1F-44D0-A320-56BCD2624943}" dt="2024-09-19T05:56:24.652" v="67" actId="27636"/>
+          <ac:spMkLst>
+            <pc:docMk/>
+            <pc:sldMk cId="2537869113" sldId="295"/>
+            <ac:spMk id="8" creationId="{51C26CE0-2506-4B44-A26F-C12BFA5B18B5}"/>
+          </ac:spMkLst>
+        </pc:spChg>
+      </pc:sldChg>
+      <pc:sldChg chg="modSp mod">
+        <pc:chgData name="Ajoy Kumar Daga" userId="cbd5d37d-73b8-4ed7-8da0-fb794ee63b1f" providerId="ADAL" clId="{BE6FB4C6-1D1F-44D0-A320-56BCD2624943}" dt="2024-09-19T05:57:27.614" v="78" actId="255"/>
+        <pc:sldMkLst>
+          <pc:docMk/>
+          <pc:sldMk cId="1368850691" sldId="296"/>
+        </pc:sldMkLst>
+        <pc:spChg chg="mod">
+          <ac:chgData name="Ajoy Kumar Daga" userId="cbd5d37d-73b8-4ed7-8da0-fb794ee63b1f" providerId="ADAL" clId="{BE6FB4C6-1D1F-44D0-A320-56BCD2624943}" dt="2024-09-19T05:57:27.614" v="78" actId="255"/>
+          <ac:spMkLst>
+            <pc:docMk/>
+            <pc:sldMk cId="1368850691" sldId="296"/>
+            <ac:spMk id="8" creationId="{51C26CE0-2506-4B44-A26F-C12BFA5B18B5}"/>
+          </ac:spMkLst>
+        </pc:spChg>
+      </pc:sldChg>
+      <pc:sldChg chg="modSp mod">
+        <pc:chgData name="Ajoy Kumar Daga" userId="cbd5d37d-73b8-4ed7-8da0-fb794ee63b1f" providerId="ADAL" clId="{BE6FB4C6-1D1F-44D0-A320-56BCD2624943}" dt="2024-09-19T05:58:02.527" v="90" actId="20577"/>
+        <pc:sldMkLst>
+          <pc:docMk/>
+          <pc:sldMk cId="3794388865" sldId="297"/>
+        </pc:sldMkLst>
+        <pc:spChg chg="mod">
+          <ac:chgData name="Ajoy Kumar Daga" userId="cbd5d37d-73b8-4ed7-8da0-fb794ee63b1f" providerId="ADAL" clId="{BE6FB4C6-1D1F-44D0-A320-56BCD2624943}" dt="2024-09-19T05:58:02.527" v="90" actId="20577"/>
+          <ac:spMkLst>
+            <pc:docMk/>
+            <pc:sldMk cId="3794388865" sldId="297"/>
+            <ac:spMk id="8" creationId="{51C26CE0-2506-4B44-A26F-C12BFA5B18B5}"/>
+          </ac:spMkLst>
+        </pc:spChg>
+      </pc:sldChg>
+      <pc:sldChg chg="modSp mod">
+        <pc:chgData name="Ajoy Kumar Daga" userId="cbd5d37d-73b8-4ed7-8da0-fb794ee63b1f" providerId="ADAL" clId="{BE6FB4C6-1D1F-44D0-A320-56BCD2624943}" dt="2024-09-19T05:59:29.002" v="106" actId="27636"/>
+        <pc:sldMkLst>
+          <pc:docMk/>
+          <pc:sldMk cId="3637083660" sldId="302"/>
+        </pc:sldMkLst>
+        <pc:spChg chg="mod">
+          <ac:chgData name="Ajoy Kumar Daga" userId="cbd5d37d-73b8-4ed7-8da0-fb794ee63b1f" providerId="ADAL" clId="{BE6FB4C6-1D1F-44D0-A320-56BCD2624943}" dt="2024-09-19T05:59:29.002" v="106" actId="27636"/>
+          <ac:spMkLst>
+            <pc:docMk/>
+            <pc:sldMk cId="3637083660" sldId="302"/>
+            <ac:spMk id="3" creationId="{E047004A-0AD6-74D3-6185-38C7811A235C}"/>
+          </ac:spMkLst>
+        </pc:spChg>
+      </pc:sldChg>
+      <pc:sldChg chg="modSp mod ord">
+        <pc:chgData name="Ajoy Kumar Daga" userId="cbd5d37d-73b8-4ed7-8da0-fb794ee63b1f" providerId="ADAL" clId="{BE6FB4C6-1D1F-44D0-A320-56BCD2624943}" dt="2024-09-19T06:28:56.016" v="660" actId="20577"/>
+        <pc:sldMkLst>
+          <pc:docMk/>
+          <pc:sldMk cId="2516776324" sldId="303"/>
+        </pc:sldMkLst>
+        <pc:spChg chg="mod">
+          <ac:chgData name="Ajoy Kumar Daga" userId="cbd5d37d-73b8-4ed7-8da0-fb794ee63b1f" providerId="ADAL" clId="{BE6FB4C6-1D1F-44D0-A320-56BCD2624943}" dt="2024-09-19T06:28:56.016" v="660" actId="20577"/>
+          <ac:spMkLst>
+            <pc:docMk/>
+            <pc:sldMk cId="2516776324" sldId="303"/>
+            <ac:spMk id="8" creationId="{51C26CE0-2506-4B44-A26F-C12BFA5B18B5}"/>
+          </ac:spMkLst>
+        </pc:spChg>
+      </pc:sldChg>
+    </pc:docChg>
+  </pc:docChgLst>
+  <pc:docChgLst>
+    <pc:chgData name="Anirban Banerjee (IN92657)" userId="b82f5010-943b-4dbb-9251-0075e403d9fa" providerId="ADAL" clId="{85F741F2-2510-44D5-AF8B-2373A010F755}"/>
+    <pc:docChg chg="undo custSel addSld delSld modSld">
+      <pc:chgData name="Anirban Banerjee (IN92657)" userId="b82f5010-943b-4dbb-9251-0075e403d9fa" providerId="ADAL" clId="{85F741F2-2510-44D5-AF8B-2373A010F755}" dt="2024-09-19T10:37:50.572" v="864" actId="1076"/>
+      <pc:docMkLst>
+        <pc:docMk/>
+      </pc:docMkLst>
+      <pc:sldChg chg="modSp mod">
+        <pc:chgData name="Anirban Banerjee (IN92657)" userId="b82f5010-943b-4dbb-9251-0075e403d9fa" providerId="ADAL" clId="{85F741F2-2510-44D5-AF8B-2373A010F755}" dt="2024-09-19T07:33:26.927" v="158" actId="20577"/>
+        <pc:sldMkLst>
+          <pc:docMk/>
+          <pc:sldMk cId="1642425379" sldId="256"/>
+        </pc:sldMkLst>
+        <pc:spChg chg="mod">
+          <ac:chgData name="Anirban Banerjee (IN92657)" userId="b82f5010-943b-4dbb-9251-0075e403d9fa" providerId="ADAL" clId="{85F741F2-2510-44D5-AF8B-2373A010F755}" dt="2024-09-19T07:33:26.927" v="158" actId="20577"/>
+          <ac:spMkLst>
+            <pc:docMk/>
+            <pc:sldMk cId="1642425379" sldId="256"/>
+            <ac:spMk id="3" creationId="{1901B20D-4C28-4DA3-ABBD-718C22A5E58B}"/>
+          </ac:spMkLst>
+        </pc:spChg>
+      </pc:sldChg>
+      <pc:sldChg chg="addSp modSp mod">
+        <pc:chgData name="Anirban Banerjee (IN92657)" userId="b82f5010-943b-4dbb-9251-0075e403d9fa" providerId="ADAL" clId="{85F741F2-2510-44D5-AF8B-2373A010F755}" dt="2024-09-19T10:35:57.490" v="819" actId="113"/>
+        <pc:sldMkLst>
+          <pc:docMk/>
+          <pc:sldMk cId="1593920805" sldId="262"/>
+        </pc:sldMkLst>
+        <pc:spChg chg="add mod">
+          <ac:chgData name="Anirban Banerjee (IN92657)" userId="b82f5010-943b-4dbb-9251-0075e403d9fa" providerId="ADAL" clId="{85F741F2-2510-44D5-AF8B-2373A010F755}" dt="2024-09-19T10:35:57.490" v="819" actId="113"/>
+          <ac:spMkLst>
+            <pc:docMk/>
+            <pc:sldMk cId="1593920805" sldId="262"/>
+            <ac:spMk id="3" creationId="{57712F88-8108-0DCB-D00B-70E181E483E9}"/>
+          </ac:spMkLst>
+        </pc:spChg>
+      </pc:sldChg>
+      <pc:sldChg chg="modSp mod">
+        <pc:chgData name="Anirban Banerjee (IN92657)" userId="b82f5010-943b-4dbb-9251-0075e403d9fa" providerId="ADAL" clId="{85F741F2-2510-44D5-AF8B-2373A010F755}" dt="2024-09-19T10:37:50.572" v="864" actId="1076"/>
+        <pc:sldMkLst>
+          <pc:docMk/>
+          <pc:sldMk cId="2436493926" sldId="276"/>
+        </pc:sldMkLst>
+        <pc:spChg chg="mod">
+          <ac:chgData name="Anirban Banerjee (IN92657)" userId="b82f5010-943b-4dbb-9251-0075e403d9fa" providerId="ADAL" clId="{85F741F2-2510-44D5-AF8B-2373A010F755}" dt="2024-09-19T10:37:50.572" v="864" actId="1076"/>
+          <ac:spMkLst>
+            <pc:docMk/>
+            <pc:sldMk cId="2436493926" sldId="276"/>
+            <ac:spMk id="2" creationId="{BCCAEE93-8585-46D4-A7EC-F184E317CB2E}"/>
+          </ac:spMkLst>
+        </pc:spChg>
+      </pc:sldChg>
+      <pc:sldChg chg="addSp modSp del mod">
+        <pc:chgData name="Anirban Banerjee (IN92657)" userId="b82f5010-943b-4dbb-9251-0075e403d9fa" providerId="ADAL" clId="{85F741F2-2510-44D5-AF8B-2373A010F755}" dt="2024-09-19T07:32:55.282" v="150" actId="47"/>
+        <pc:sldMkLst>
+          <pc:docMk/>
+          <pc:sldMk cId="2243494996" sldId="277"/>
+        </pc:sldMkLst>
+        <pc:picChg chg="add mod">
+          <ac:chgData name="Anirban Banerjee (IN92657)" userId="b82f5010-943b-4dbb-9251-0075e403d9fa" providerId="ADAL" clId="{85F741F2-2510-44D5-AF8B-2373A010F755}" dt="2024-09-19T07:31:30.181" v="88" actId="1076"/>
+          <ac:picMkLst>
+            <pc:docMk/>
+            <pc:sldMk cId="2243494996" sldId="277"/>
+            <ac:picMk id="5" creationId="{122069CE-BD3E-4E78-EEFC-C46F767E9BF3}"/>
+          </ac:picMkLst>
+        </pc:picChg>
+        <pc:picChg chg="add mod">
+          <ac:chgData name="Anirban Banerjee (IN92657)" userId="b82f5010-943b-4dbb-9251-0075e403d9fa" providerId="ADAL" clId="{85F741F2-2510-44D5-AF8B-2373A010F755}" dt="2024-09-19T07:31:29.679" v="87" actId="1076"/>
+          <ac:picMkLst>
+            <pc:docMk/>
+            <pc:sldMk cId="2243494996" sldId="277"/>
+            <ac:picMk id="6" creationId="{67904777-ED96-37D2-51B9-2087026B55DB}"/>
+          </ac:picMkLst>
+        </pc:picChg>
+      </pc:sldChg>
+      <pc:sldChg chg="addSp delSp modSp add mod">
+        <pc:chgData name="Anirban Banerjee (IN92657)" userId="b82f5010-943b-4dbb-9251-0075e403d9fa" providerId="ADAL" clId="{85F741F2-2510-44D5-AF8B-2373A010F755}" dt="2024-09-19T07:33:50.667" v="163" actId="1035"/>
+        <pc:sldMkLst>
+          <pc:docMk/>
+          <pc:sldMk cId="546627634" sldId="282"/>
+        </pc:sldMkLst>
+        <pc:spChg chg="mod">
+          <ac:chgData name="Anirban Banerjee (IN92657)" userId="b82f5010-943b-4dbb-9251-0075e403d9fa" providerId="ADAL" clId="{85F741F2-2510-44D5-AF8B-2373A010F755}" dt="2024-09-19T07:32:39.032" v="144" actId="1076"/>
+          <ac:spMkLst>
+            <pc:docMk/>
+            <pc:sldMk cId="546627634" sldId="282"/>
+            <ac:spMk id="2" creationId="{27A6F7BB-30A8-4980-AD4A-2FB0B53FA6C9}"/>
+          </ac:spMkLst>
+        </pc:spChg>
+        <pc:spChg chg="add del mod">
+          <ac:chgData name="Anirban Banerjee (IN92657)" userId="b82f5010-943b-4dbb-9251-0075e403d9fa" providerId="ADAL" clId="{85F741F2-2510-44D5-AF8B-2373A010F755}" dt="2024-09-19T07:31:06.400" v="76" actId="21"/>
+          <ac:spMkLst>
+            <pc:docMk/>
+            <pc:sldMk cId="546627634" sldId="282"/>
+            <ac:spMk id="4" creationId="{A7E878F9-9ECB-582B-3361-DC05610D9346}"/>
+          </ac:spMkLst>
+        </pc:spChg>
+        <pc:spChg chg="add mod">
+          <ac:chgData name="Anirban Banerjee (IN92657)" userId="b82f5010-943b-4dbb-9251-0075e403d9fa" providerId="ADAL" clId="{85F741F2-2510-44D5-AF8B-2373A010F755}" dt="2024-09-19T07:33:19.303" v="155" actId="20577"/>
+          <ac:spMkLst>
+            <pc:docMk/>
+            <pc:sldMk cId="546627634" sldId="282"/>
+            <ac:spMk id="8" creationId="{19784BA0-BEAF-4242-78F2-86A693D73E3A}"/>
+          </ac:spMkLst>
+        </pc:spChg>
+        <pc:spChg chg="mod">
+          <ac:chgData name="Anirban Banerjee (IN92657)" userId="b82f5010-943b-4dbb-9251-0075e403d9fa" providerId="ADAL" clId="{85F741F2-2510-44D5-AF8B-2373A010F755}" dt="2024-09-19T07:32:26.204" v="130" actId="1036"/>
+          <ac:spMkLst>
+            <pc:docMk/>
+            <pc:sldMk cId="546627634" sldId="282"/>
+            <ac:spMk id="24" creationId="{7BAD1FFF-8B97-4CD1-85E7-B7738EAD28CD}"/>
+          </ac:spMkLst>
+        </pc:spChg>
+        <pc:spChg chg="mod">
+          <ac:chgData name="Anirban Banerjee (IN92657)" userId="b82f5010-943b-4dbb-9251-0075e403d9fa" providerId="ADAL" clId="{85F741F2-2510-44D5-AF8B-2373A010F755}" dt="2024-09-19T07:32:35.473" v="143" actId="1036"/>
+          <ac:spMkLst>
+            <pc:docMk/>
+            <pc:sldMk cId="546627634" sldId="282"/>
+            <ac:spMk id="33" creationId="{10C8C8C1-99D8-4034-A628-DECEB703BA1D}"/>
+          </ac:spMkLst>
+        </pc:spChg>
+        <pc:picChg chg="mod">
+          <ac:chgData name="Anirban Banerjee (IN92657)" userId="b82f5010-943b-4dbb-9251-0075e403d9fa" providerId="ADAL" clId="{85F741F2-2510-44D5-AF8B-2373A010F755}" dt="2024-09-19T07:33:50.667" v="163" actId="1035"/>
+          <ac:picMkLst>
+            <pc:docMk/>
+            <pc:sldMk cId="546627634" sldId="282"/>
+            <ac:picMk id="7" creationId="{F96A1906-6CB6-B4F5-4135-1747192C8F94}"/>
+          </ac:picMkLst>
+        </pc:picChg>
+        <pc:picChg chg="add del mod">
+          <ac:chgData name="Anirban Banerjee (IN92657)" userId="b82f5010-943b-4dbb-9251-0075e403d9fa" providerId="ADAL" clId="{85F741F2-2510-44D5-AF8B-2373A010F755}" dt="2024-09-19T07:33:02.434" v="151" actId="1076"/>
+          <ac:picMkLst>
+            <pc:docMk/>
+            <pc:sldMk cId="546627634" sldId="282"/>
+            <ac:picMk id="12" creationId="{F4810850-C404-5159-6A55-240903F701D7}"/>
+          </ac:picMkLst>
+        </pc:picChg>
+      </pc:sldChg>
+      <pc:sldChg chg="addSp delSp modSp del mod">
+        <pc:chgData name="Anirban Banerjee (IN92657)" userId="b82f5010-943b-4dbb-9251-0075e403d9fa" providerId="ADAL" clId="{85F741F2-2510-44D5-AF8B-2373A010F755}" dt="2024-09-19T07:30:43.684" v="69" actId="2696"/>
+        <pc:sldMkLst>
+          <pc:docMk/>
+          <pc:sldMk cId="3477453048" sldId="282"/>
+        </pc:sldMkLst>
+        <pc:spChg chg="mod">
+          <ac:chgData name="Anirban Banerjee (IN92657)" userId="b82f5010-943b-4dbb-9251-0075e403d9fa" providerId="ADAL" clId="{85F741F2-2510-44D5-AF8B-2373A010F755}" dt="2024-09-19T07:30:14.627" v="65" actId="113"/>
+          <ac:spMkLst>
+            <pc:docMk/>
+            <pc:sldMk cId="3477453048" sldId="282"/>
+            <ac:spMk id="2" creationId="{27A6F7BB-30A8-4980-AD4A-2FB0B53FA6C9}"/>
+          </ac:spMkLst>
+        </pc:spChg>
+        <pc:spChg chg="add del mod">
+          <ac:chgData name="Anirban Banerjee (IN92657)" userId="b82f5010-943b-4dbb-9251-0075e403d9fa" providerId="ADAL" clId="{85F741F2-2510-44D5-AF8B-2373A010F755}" dt="2024-09-19T07:29:05.583" v="5" actId="478"/>
+          <ac:spMkLst>
+            <pc:docMk/>
+            <pc:sldMk cId="3477453048" sldId="282"/>
+            <ac:spMk id="4" creationId="{F3D87F49-2155-73BD-6B5F-0160A2073EDA}"/>
+          </ac:spMkLst>
+        </pc:spChg>
+        <pc:spChg chg="mod">
+          <ac:chgData name="Anirban Banerjee (IN92657)" userId="b82f5010-943b-4dbb-9251-0075e403d9fa" providerId="ADAL" clId="{85F741F2-2510-44D5-AF8B-2373A010F755}" dt="2024-09-19T07:30:14.627" v="65" actId="113"/>
+          <ac:spMkLst>
+            <pc:docMk/>
+            <pc:sldMk cId="3477453048" sldId="282"/>
+            <ac:spMk id="5" creationId="{46868410-BE8A-4C98-9C72-20D0A2A6A8B9}"/>
+          </ac:spMkLst>
+        </pc:spChg>
+        <pc:spChg chg="add del mod">
+          <ac:chgData name="Anirban Banerjee (IN92657)" userId="b82f5010-943b-4dbb-9251-0075e403d9fa" providerId="ADAL" clId="{85F741F2-2510-44D5-AF8B-2373A010F755}" dt="2024-09-19T07:29:02.414" v="4" actId="478"/>
+          <ac:spMkLst>
+            <pc:docMk/>
+            <pc:sldMk cId="3477453048" sldId="282"/>
+            <ac:spMk id="8" creationId="{44501DC9-1A33-A292-3FA1-23901F6BE232}"/>
+          </ac:spMkLst>
+        </pc:spChg>
+        <pc:spChg chg="add del mod">
+          <ac:chgData name="Anirban Banerjee (IN92657)" userId="b82f5010-943b-4dbb-9251-0075e403d9fa" providerId="ADAL" clId="{85F741F2-2510-44D5-AF8B-2373A010F755}" dt="2024-09-19T07:29:00.287" v="3"/>
+          <ac:spMkLst>
+            <pc:docMk/>
+            <pc:sldMk cId="3477453048" sldId="282"/>
+            <ac:spMk id="10" creationId="{CB3AA25D-42C7-B5A1-FA5D-2E63B640EE58}"/>
+          </ac:spMkLst>
+        </pc:spChg>
+        <pc:spChg chg="add del mod">
+          <ac:chgData name="Anirban Banerjee (IN92657)" userId="b82f5010-943b-4dbb-9251-0075e403d9fa" providerId="ADAL" clId="{85F741F2-2510-44D5-AF8B-2373A010F755}" dt="2024-09-19T07:29:15.185" v="11" actId="478"/>
+          <ac:spMkLst>
+            <pc:docMk/>
+            <pc:sldMk cId="3477453048" sldId="282"/>
+            <ac:spMk id="14" creationId="{4C39F432-34E7-F317-0CF5-6041CCCDC547}"/>
+          </ac:spMkLst>
+        </pc:spChg>
+        <pc:spChg chg="add del mod">
+          <ac:chgData name="Anirban Banerjee (IN92657)" userId="b82f5010-943b-4dbb-9251-0075e403d9fa" providerId="ADAL" clId="{85F741F2-2510-44D5-AF8B-2373A010F755}" dt="2024-09-19T07:29:18.829" v="13" actId="478"/>
+          <ac:spMkLst>
+            <pc:docMk/>
+            <pc:sldMk cId="3477453048" sldId="282"/>
+            <ac:spMk id="16" creationId="{3DAA75CC-0330-035D-BE3F-E972B522E2F9}"/>
+          </ac:spMkLst>
+        </pc:spChg>
+        <pc:spChg chg="add del mod">
+          <ac:chgData name="Anirban Banerjee (IN92657)" userId="b82f5010-943b-4dbb-9251-0075e403d9fa" providerId="ADAL" clId="{85F741F2-2510-44D5-AF8B-2373A010F755}" dt="2024-09-19T07:29:23.845" v="15" actId="478"/>
+          <ac:spMkLst>
+            <pc:docMk/>
+            <pc:sldMk cId="3477453048" sldId="282"/>
+            <ac:spMk id="18" creationId="{8C191BEA-CAB3-FB1A-CA36-D75C5190FC9A}"/>
+          </ac:spMkLst>
+        </pc:spChg>
+        <pc:spChg chg="add del mod">
+          <ac:chgData name="Anirban Banerjee (IN92657)" userId="b82f5010-943b-4dbb-9251-0075e403d9fa" providerId="ADAL" clId="{85F741F2-2510-44D5-AF8B-2373A010F755}" dt="2024-09-19T07:29:53.173" v="58" actId="478"/>
+          <ac:spMkLst>
+            <pc:docMk/>
+            <pc:sldMk cId="3477453048" sldId="282"/>
+            <ac:spMk id="20" creationId="{3B1FDD46-0490-4C88-9D78-969EB1C157B8}"/>
+          </ac:spMkLst>
+        </pc:spChg>
+        <pc:spChg chg="mod">
+          <ac:chgData name="Anirban Banerjee (IN92657)" userId="b82f5010-943b-4dbb-9251-0075e403d9fa" providerId="ADAL" clId="{85F741F2-2510-44D5-AF8B-2373A010F755}" dt="2024-09-19T07:30:19.518" v="67" actId="113"/>
+          <ac:spMkLst>
+            <pc:docMk/>
+            <pc:sldMk cId="3477453048" sldId="282"/>
+            <ac:spMk id="24" creationId="{7BAD1FFF-8B97-4CD1-85E7-B7738EAD28CD}"/>
+          </ac:spMkLst>
+        </pc:spChg>
+        <pc:spChg chg="mod">
+          <ac:chgData name="Anirban Banerjee (IN92657)" userId="b82f5010-943b-4dbb-9251-0075e403d9fa" providerId="ADAL" clId="{85F741F2-2510-44D5-AF8B-2373A010F755}" dt="2024-09-19T07:30:21.236" v="68" actId="113"/>
+          <ac:spMkLst>
+            <pc:docMk/>
+            <pc:sldMk cId="3477453048" sldId="282"/>
+            <ac:spMk id="33" creationId="{10C8C8C1-99D8-4034-A628-DECEB703BA1D}"/>
+          </ac:spMkLst>
+        </pc:spChg>
+        <pc:spChg chg="del">
+          <ac:chgData name="Anirban Banerjee (IN92657)" userId="b82f5010-943b-4dbb-9251-0075e403d9fa" providerId="ADAL" clId="{85F741F2-2510-44D5-AF8B-2373A010F755}" dt="2024-09-19T07:29:16.803" v="12" actId="478"/>
+          <ac:spMkLst>
+            <pc:docMk/>
+            <pc:sldMk cId="3477453048" sldId="282"/>
+            <ac:spMk id="34" creationId="{08CA58D6-00FD-4D81-A0F6-215C4D558912}"/>
+          </ac:spMkLst>
+        </pc:spChg>
+        <pc:spChg chg="del mod">
+          <ac:chgData name="Anirban Banerjee (IN92657)" userId="b82f5010-943b-4dbb-9251-0075e403d9fa" providerId="ADAL" clId="{85F741F2-2510-44D5-AF8B-2373A010F755}" dt="2024-09-19T07:29:13.659" v="10" actId="478"/>
+          <ac:spMkLst>
+            <pc:docMk/>
+            <pc:sldMk cId="3477453048" sldId="282"/>
+            <ac:spMk id="35" creationId="{60D37431-6A3A-47F6-A367-B5ADCF66AE37}"/>
+          </ac:spMkLst>
+        </pc:spChg>
+        <pc:spChg chg="del">
+          <ac:chgData name="Anirban Banerjee (IN92657)" userId="b82f5010-943b-4dbb-9251-0075e403d9fa" providerId="ADAL" clId="{85F741F2-2510-44D5-AF8B-2373A010F755}" dt="2024-09-19T07:29:32.182" v="34" actId="478"/>
+          <ac:spMkLst>
+            <pc:docMk/>
+            <pc:sldMk cId="3477453048" sldId="282"/>
+            <ac:spMk id="37" creationId="{65786675-BFC6-4743-BFD3-D64691F771D8}"/>
+          </ac:spMkLst>
+        </pc:spChg>
+        <pc:spChg chg="del">
+          <ac:chgData name="Anirban Banerjee (IN92657)" userId="b82f5010-943b-4dbb-9251-0075e403d9fa" providerId="ADAL" clId="{85F741F2-2510-44D5-AF8B-2373A010F755}" dt="2024-09-19T07:29:20.414" v="14" actId="478"/>
+          <ac:spMkLst>
+            <pc:docMk/>
+            <pc:sldMk cId="3477453048" sldId="282"/>
+            <ac:spMk id="38" creationId="{97062F49-F468-4EA6-B6BF-94BFF89FDCB7}"/>
+          </ac:spMkLst>
+        </pc:spChg>
+        <pc:spChg chg="del">
+          <ac:chgData name="Anirban Banerjee (IN92657)" userId="b82f5010-943b-4dbb-9251-0075e403d9fa" providerId="ADAL" clId="{85F741F2-2510-44D5-AF8B-2373A010F755}" dt="2024-09-19T07:29:12.071" v="9" actId="478"/>
+          <ac:spMkLst>
+            <pc:docMk/>
+            <pc:sldMk cId="3477453048" sldId="282"/>
+            <ac:spMk id="39" creationId="{59D9F00A-8CF0-41E8-9BB6-3B8ECDA55D49}"/>
+          </ac:spMkLst>
+        </pc:spChg>
+        <pc:picChg chg="mod">
+          <ac:chgData name="Anirban Banerjee (IN92657)" userId="b82f5010-943b-4dbb-9251-0075e403d9fa" providerId="ADAL" clId="{85F741F2-2510-44D5-AF8B-2373A010F755}" dt="2024-09-19T07:30:01.464" v="60" actId="1076"/>
+          <ac:picMkLst>
+            <pc:docMk/>
+            <pc:sldMk cId="3477453048" sldId="282"/>
+            <ac:picMk id="7" creationId="{F96A1906-6CB6-B4F5-4135-1747192C8F94}"/>
+          </ac:picMkLst>
+        </pc:picChg>
+        <pc:picChg chg="add mod">
+          <ac:chgData name="Anirban Banerjee (IN92657)" userId="b82f5010-943b-4dbb-9251-0075e403d9fa" providerId="ADAL" clId="{85F741F2-2510-44D5-AF8B-2373A010F755}" dt="2024-09-19T07:30:03.601" v="61" actId="1076"/>
+          <ac:picMkLst>
+            <pc:docMk/>
+            <pc:sldMk cId="3477453048" sldId="282"/>
+            <ac:picMk id="12" creationId="{F4810850-C404-5159-6A55-240903F701D7}"/>
+          </ac:picMkLst>
+        </pc:picChg>
+        <pc:picChg chg="add mod">
+          <ac:chgData name="Anirban Banerjee (IN92657)" userId="b82f5010-943b-4dbb-9251-0075e403d9fa" providerId="ADAL" clId="{85F741F2-2510-44D5-AF8B-2373A010F755}" dt="2024-09-19T07:30:16.732" v="66"/>
+          <ac:picMkLst>
+            <pc:docMk/>
+            <pc:sldMk cId="3477453048" sldId="282"/>
+            <ac:picMk id="22" creationId="{CD9DB901-76B3-C502-0985-3AF37FA810DB}"/>
+          </ac:picMkLst>
+        </pc:picChg>
+        <pc:picChg chg="del">
+          <ac:chgData name="Anirban Banerjee (IN92657)" userId="b82f5010-943b-4dbb-9251-0075e403d9fa" providerId="ADAL" clId="{85F741F2-2510-44D5-AF8B-2373A010F755}" dt="2024-09-19T07:28:39.698" v="0" actId="478"/>
+          <ac:picMkLst>
+            <pc:docMk/>
+            <pc:sldMk cId="3477453048" sldId="282"/>
+            <ac:picMk id="43" creationId="{F328CD15-EA0E-49AD-A3C6-5798A372AA53}"/>
+          </ac:picMkLst>
+        </pc:picChg>
+        <pc:picChg chg="del">
+          <ac:chgData name="Anirban Banerjee (IN92657)" userId="b82f5010-943b-4dbb-9251-0075e403d9fa" providerId="ADAL" clId="{85F741F2-2510-44D5-AF8B-2373A010F755}" dt="2024-09-19T07:28:40.675" v="1" actId="478"/>
+          <ac:picMkLst>
+            <pc:docMk/>
+            <pc:sldMk cId="3477453048" sldId="282"/>
+            <ac:picMk id="45" creationId="{4442FA67-BF04-4E45-BFD9-78BF43789E09}"/>
+          </ac:picMkLst>
+        </pc:picChg>
+        <pc:picChg chg="del">
+          <ac:chgData name="Anirban Banerjee (IN92657)" userId="b82f5010-943b-4dbb-9251-0075e403d9fa" providerId="ADAL" clId="{85F741F2-2510-44D5-AF8B-2373A010F755}" dt="2024-09-19T07:28:41.355" v="2" actId="478"/>
+          <ac:picMkLst>
+            <pc:docMk/>
+            <pc:sldMk cId="3477453048" sldId="282"/>
+            <ac:picMk id="47" creationId="{8AF5260A-2860-4F88-BA4D-70530D3E14AA}"/>
+          </ac:picMkLst>
+        </pc:picChg>
+      </pc:sldChg>
+      <pc:sldChg chg="addSp modSp mod">
+        <pc:chgData name="Anirban Banerjee (IN92657)" userId="b82f5010-943b-4dbb-9251-0075e403d9fa" providerId="ADAL" clId="{85F741F2-2510-44D5-AF8B-2373A010F755}" dt="2024-09-19T10:35:54.399" v="818" actId="113"/>
+        <pc:sldMkLst>
+          <pc:docMk/>
+          <pc:sldMk cId="2537869113" sldId="295"/>
+        </pc:sldMkLst>
+        <pc:spChg chg="add mod">
+          <ac:chgData name="Anirban Banerjee (IN92657)" userId="b82f5010-943b-4dbb-9251-0075e403d9fa" providerId="ADAL" clId="{85F741F2-2510-44D5-AF8B-2373A010F755}" dt="2024-09-19T10:35:54.399" v="818" actId="113"/>
+          <ac:spMkLst>
+            <pc:docMk/>
+            <pc:sldMk cId="2537869113" sldId="295"/>
+            <ac:spMk id="3" creationId="{D660D30A-927C-EE50-D4BC-38CA8F8F5416}"/>
+          </ac:spMkLst>
+        </pc:spChg>
+      </pc:sldChg>
+      <pc:sldChg chg="modSp mod">
+        <pc:chgData name="Anirban Banerjee (IN92657)" userId="b82f5010-943b-4dbb-9251-0075e403d9fa" providerId="ADAL" clId="{85F741F2-2510-44D5-AF8B-2373A010F755}" dt="2024-09-19T07:39:06.156" v="227" actId="20577"/>
+        <pc:sldMkLst>
+          <pc:docMk/>
+          <pc:sldMk cId="1368850691" sldId="296"/>
+        </pc:sldMkLst>
+        <pc:spChg chg="mod">
+          <ac:chgData name="Anirban Banerjee (IN92657)" userId="b82f5010-943b-4dbb-9251-0075e403d9fa" providerId="ADAL" clId="{85F741F2-2510-44D5-AF8B-2373A010F755}" dt="2024-09-19T07:39:06.156" v="227" actId="20577"/>
+          <ac:spMkLst>
+            <pc:docMk/>
+            <pc:sldMk cId="1368850691" sldId="296"/>
+            <ac:spMk id="8" creationId="{51C26CE0-2506-4B44-A26F-C12BFA5B18B5}"/>
+          </ac:spMkLst>
+        </pc:spChg>
+      </pc:sldChg>
+      <pc:sldChg chg="modSp mod">
+        <pc:chgData name="Anirban Banerjee (IN92657)" userId="b82f5010-943b-4dbb-9251-0075e403d9fa" providerId="ADAL" clId="{85F741F2-2510-44D5-AF8B-2373A010F755}" dt="2024-09-19T07:45:49.922" v="270" actId="20577"/>
+        <pc:sldMkLst>
+          <pc:docMk/>
+          <pc:sldMk cId="3794388865" sldId="297"/>
+        </pc:sldMkLst>
+        <pc:spChg chg="mod">
+          <ac:chgData name="Anirban Banerjee (IN92657)" userId="b82f5010-943b-4dbb-9251-0075e403d9fa" providerId="ADAL" clId="{85F741F2-2510-44D5-AF8B-2373A010F755}" dt="2024-09-19T07:45:49.922" v="270" actId="20577"/>
+          <ac:spMkLst>
+            <pc:docMk/>
+            <pc:sldMk cId="3794388865" sldId="297"/>
+            <ac:spMk id="8" creationId="{51C26CE0-2506-4B44-A26F-C12BFA5B18B5}"/>
+          </ac:spMkLst>
+        </pc:spChg>
+      </pc:sldChg>
+      <pc:sldChg chg="addSp delSp modSp mod">
+        <pc:chgData name="Anirban Banerjee (IN92657)" userId="b82f5010-943b-4dbb-9251-0075e403d9fa" providerId="ADAL" clId="{85F741F2-2510-44D5-AF8B-2373A010F755}" dt="2024-09-19T10:33:44.871" v="797" actId="20577"/>
+        <pc:sldMkLst>
+          <pc:docMk/>
+          <pc:sldMk cId="1400859836" sldId="298"/>
+        </pc:sldMkLst>
+        <pc:spChg chg="mod">
+          <ac:chgData name="Anirban Banerjee (IN92657)" userId="b82f5010-943b-4dbb-9251-0075e403d9fa" providerId="ADAL" clId="{85F741F2-2510-44D5-AF8B-2373A010F755}" dt="2024-09-19T10:33:44.871" v="797" actId="20577"/>
+          <ac:spMkLst>
+            <pc:docMk/>
+            <pc:sldMk cId="1400859836" sldId="298"/>
+            <ac:spMk id="2" creationId="{75031FE9-9059-4FE8-B4AC-9771F23A1B89}"/>
+          </ac:spMkLst>
+        </pc:spChg>
+        <pc:picChg chg="add del mod">
+          <ac:chgData name="Anirban Banerjee (IN92657)" userId="b82f5010-943b-4dbb-9251-0075e403d9fa" providerId="ADAL" clId="{85F741F2-2510-44D5-AF8B-2373A010F755}" dt="2024-09-19T10:33:16.139" v="782" actId="478"/>
+          <ac:picMkLst>
+            <pc:docMk/>
+            <pc:sldMk cId="1400859836" sldId="298"/>
+            <ac:picMk id="4" creationId="{68D8AF9D-BF03-434D-9631-BF2FE72B6116}"/>
+          </ac:picMkLst>
+        </pc:picChg>
+        <pc:picChg chg="add mod">
+          <ac:chgData name="Anirban Banerjee (IN92657)" userId="b82f5010-943b-4dbb-9251-0075e403d9fa" providerId="ADAL" clId="{85F741F2-2510-44D5-AF8B-2373A010F755}" dt="2024-09-19T10:33:42.578" v="796" actId="1076"/>
+          <ac:picMkLst>
+            <pc:docMk/>
+            <pc:sldMk cId="1400859836" sldId="298"/>
+            <ac:picMk id="6" creationId="{E14C745A-DF94-10EE-D7E5-FE530EB31656}"/>
+          </ac:picMkLst>
+        </pc:picChg>
+      </pc:sldChg>
+      <pc:sldChg chg="addSp delSp modSp mod">
+        <pc:chgData name="Anirban Banerjee (IN92657)" userId="b82f5010-943b-4dbb-9251-0075e403d9fa" providerId="ADAL" clId="{85F741F2-2510-44D5-AF8B-2373A010F755}" dt="2024-09-19T10:36:36.915" v="849" actId="1076"/>
+        <pc:sldMkLst>
+          <pc:docMk/>
+          <pc:sldMk cId="2712101251" sldId="299"/>
+        </pc:sldMkLst>
+        <pc:spChg chg="add del mod">
+          <ac:chgData name="Anirban Banerjee (IN92657)" userId="b82f5010-943b-4dbb-9251-0075e403d9fa" providerId="ADAL" clId="{85F741F2-2510-44D5-AF8B-2373A010F755}" dt="2024-09-19T09:54:57.823" v="283" actId="478"/>
+          <ac:spMkLst>
+            <pc:docMk/>
+            <pc:sldMk cId="2712101251" sldId="299"/>
+            <ac:spMk id="3" creationId="{56E6D697-22EC-17A6-B078-FFF27EE62BD5}"/>
+          </ac:spMkLst>
+        </pc:spChg>
+        <pc:spChg chg="add mod">
+          <ac:chgData name="Anirban Banerjee (IN92657)" userId="b82f5010-943b-4dbb-9251-0075e403d9fa" providerId="ADAL" clId="{85F741F2-2510-44D5-AF8B-2373A010F755}" dt="2024-09-19T10:11:57.791" v="684" actId="27636"/>
+          <ac:spMkLst>
+            <pc:docMk/>
+            <pc:sldMk cId="2712101251" sldId="299"/>
+            <ac:spMk id="4" creationId="{D0157036-1F41-7B05-C6B8-E7F5D95E6721}"/>
+          </ac:spMkLst>
+        </pc:spChg>
+        <pc:spChg chg="add mod">
+          <ac:chgData name="Anirban Banerjee (IN92657)" userId="b82f5010-943b-4dbb-9251-0075e403d9fa" providerId="ADAL" clId="{85F741F2-2510-44D5-AF8B-2373A010F755}" dt="2024-09-19T10:36:36.915" v="849" actId="1076"/>
+          <ac:spMkLst>
+            <pc:docMk/>
+            <pc:sldMk cId="2712101251" sldId="299"/>
+            <ac:spMk id="12" creationId="{447ADA16-DA99-5619-3299-64B19302E6C5}"/>
+          </ac:spMkLst>
+        </pc:spChg>
+        <pc:picChg chg="add mod">
+          <ac:chgData name="Anirban Banerjee (IN92657)" userId="b82f5010-943b-4dbb-9251-0075e403d9fa" providerId="ADAL" clId="{85F741F2-2510-44D5-AF8B-2373A010F755}" dt="2024-09-19T10:06:25.812" v="666" actId="1076"/>
+          <ac:picMkLst>
+            <pc:docMk/>
+            <pc:sldMk cId="2712101251" sldId="299"/>
+            <ac:picMk id="6" creationId="{9A94FB19-27F0-F3BF-3F5F-EA9203969A20}"/>
+          </ac:picMkLst>
+        </pc:picChg>
+        <pc:picChg chg="add del">
+          <ac:chgData name="Anirban Banerjee (IN92657)" userId="b82f5010-943b-4dbb-9251-0075e403d9fa" providerId="ADAL" clId="{85F741F2-2510-44D5-AF8B-2373A010F755}" dt="2024-09-19T10:05:59.854" v="662" actId="22"/>
+          <ac:picMkLst>
+            <pc:docMk/>
+            <pc:sldMk cId="2712101251" sldId="299"/>
+            <ac:picMk id="9" creationId="{374F567D-457C-D277-8D61-1C4F36E187CB}"/>
+          </ac:picMkLst>
+        </pc:picChg>
+        <pc:picChg chg="add del mod">
+          <ac:chgData name="Anirban Banerjee (IN92657)" userId="b82f5010-943b-4dbb-9251-0075e403d9fa" providerId="ADAL" clId="{85F741F2-2510-44D5-AF8B-2373A010F755}" dt="2024-09-19T10:06:23.216" v="665" actId="478"/>
+          <ac:picMkLst>
+            <pc:docMk/>
+            <pc:sldMk cId="2712101251" sldId="299"/>
+            <ac:picMk id="11" creationId="{74E38E03-48B3-6D1A-642A-02AD7BDBE0A4}"/>
+          </ac:picMkLst>
+        </pc:picChg>
+      </pc:sldChg>
+      <pc:sldChg chg="del">
+        <pc:chgData name="Anirban Banerjee (IN92657)" userId="b82f5010-943b-4dbb-9251-0075e403d9fa" providerId="ADAL" clId="{85F741F2-2510-44D5-AF8B-2373A010F755}" dt="2024-09-19T10:01:14.929" v="506" actId="47"/>
+        <pc:sldMkLst>
+          <pc:docMk/>
+          <pc:sldMk cId="3287471128" sldId="300"/>
+        </pc:sldMkLst>
+      </pc:sldChg>
+      <pc:sldChg chg="del">
+        <pc:chgData name="Anirban Banerjee (IN92657)" userId="b82f5010-943b-4dbb-9251-0075e403d9fa" providerId="ADAL" clId="{85F741F2-2510-44D5-AF8B-2373A010F755}" dt="2024-09-19T10:01:16.460" v="507" actId="47"/>
+        <pc:sldMkLst>
+          <pc:docMk/>
+          <pc:sldMk cId="4164136473" sldId="301"/>
+        </pc:sldMkLst>
+      </pc:sldChg>
+      <pc:sldChg chg="modSp mod">
+        <pc:chgData name="Anirban Banerjee (IN92657)" userId="b82f5010-943b-4dbb-9251-0075e403d9fa" providerId="ADAL" clId="{85F741F2-2510-44D5-AF8B-2373A010F755}" dt="2024-09-19T10:17:31.266" v="762" actId="20577"/>
+        <pc:sldMkLst>
+          <pc:docMk/>
+          <pc:sldMk cId="2516776324" sldId="303"/>
+        </pc:sldMkLst>
+        <pc:spChg chg="mod">
+          <ac:chgData name="Anirban Banerjee (IN92657)" userId="b82f5010-943b-4dbb-9251-0075e403d9fa" providerId="ADAL" clId="{85F741F2-2510-44D5-AF8B-2373A010F755}" dt="2024-09-19T10:17:31.266" v="762" actId="20577"/>
+          <ac:spMkLst>
+            <pc:docMk/>
+            <pc:sldMk cId="2516776324" sldId="303"/>
+            <ac:spMk id="8" creationId="{51C26CE0-2506-4B44-A26F-C12BFA5B18B5}"/>
+          </ac:spMkLst>
+        </pc:spChg>
+      </pc:sldChg>
+      <pc:sldChg chg="modSp new del mod">
+        <pc:chgData name="Anirban Banerjee (IN92657)" userId="b82f5010-943b-4dbb-9251-0075e403d9fa" providerId="ADAL" clId="{85F741F2-2510-44D5-AF8B-2373A010F755}" dt="2024-09-19T09:55:03.204" v="286" actId="47"/>
+        <pc:sldMkLst>
+          <pc:docMk/>
+          <pc:sldMk cId="2841012765" sldId="304"/>
+        </pc:sldMkLst>
+        <pc:spChg chg="mod">
+          <ac:chgData name="Anirban Banerjee (IN92657)" userId="b82f5010-943b-4dbb-9251-0075e403d9fa" providerId="ADAL" clId="{85F741F2-2510-44D5-AF8B-2373A010F755}" dt="2024-09-19T09:54:54.155" v="279" actId="27636"/>
+          <ac:spMkLst>
+            <pc:docMk/>
+            <pc:sldMk cId="2841012765" sldId="304"/>
+            <ac:spMk id="3" creationId="{3FCEA1C3-D1A1-1DDB-9D91-DE36F055DE59}"/>
+          </ac:spMkLst>
+        </pc:spChg>
+        <pc:spChg chg="mod">
+          <ac:chgData name="Anirban Banerjee (IN92657)" userId="b82f5010-943b-4dbb-9251-0075e403d9fa" providerId="ADAL" clId="{85F741F2-2510-44D5-AF8B-2373A010F755}" dt="2024-09-19T09:54:54.157" v="281" actId="27636"/>
+          <ac:spMkLst>
+            <pc:docMk/>
+            <pc:sldMk cId="2841012765" sldId="304"/>
+            <ac:spMk id="5" creationId="{F74FEE3C-F6A3-69C7-C8D3-A35BC0D800BC}"/>
+          </ac:spMkLst>
+        </pc:spChg>
+        <pc:spChg chg="mod">
+          <ac:chgData name="Anirban Banerjee (IN92657)" userId="b82f5010-943b-4dbb-9251-0075e403d9fa" providerId="ADAL" clId="{85F741F2-2510-44D5-AF8B-2373A010F755}" dt="2024-09-19T09:54:54.156" v="280" actId="27636"/>
+          <ac:spMkLst>
+            <pc:docMk/>
+            <pc:sldMk cId="2841012765" sldId="304"/>
+            <ac:spMk id="7" creationId="{9BF15968-2822-F7A9-3518-003C75BC53CA}"/>
+          </ac:spMkLst>
+        </pc:spChg>
+        <pc:spChg chg="mod">
+          <ac:chgData name="Anirban Banerjee (IN92657)" userId="b82f5010-943b-4dbb-9251-0075e403d9fa" providerId="ADAL" clId="{85F741F2-2510-44D5-AF8B-2373A010F755}" dt="2024-09-19T09:54:54.157" v="282" actId="27636"/>
+          <ac:spMkLst>
+            <pc:docMk/>
+            <pc:sldMk cId="2841012765" sldId="304"/>
+            <ac:spMk id="9" creationId="{A6E47D1F-7474-FC2B-50A6-1FC4F2F4FBC1}"/>
+          </ac:spMkLst>
+        </pc:spChg>
+      </pc:sldChg>
+      <pc:sldChg chg="addSp delSp modSp add mod">
+        <pc:chgData name="Anirban Banerjee (IN92657)" userId="b82f5010-943b-4dbb-9251-0075e403d9fa" providerId="ADAL" clId="{85F741F2-2510-44D5-AF8B-2373A010F755}" dt="2024-09-19T10:36:31.501" v="848" actId="1076"/>
+        <pc:sldMkLst>
+          <pc:docMk/>
+          <pc:sldMk cId="3523733207" sldId="304"/>
+        </pc:sldMkLst>
+        <pc:spChg chg="add mod">
+          <ac:chgData name="Anirban Banerjee (IN92657)" userId="b82f5010-943b-4dbb-9251-0075e403d9fa" providerId="ADAL" clId="{85F741F2-2510-44D5-AF8B-2373A010F755}" dt="2024-09-19T10:36:31.501" v="848" actId="1076"/>
+          <ac:spMkLst>
+            <pc:docMk/>
+            <pc:sldMk cId="3523733207" sldId="304"/>
+            <ac:spMk id="3" creationId="{6C49868A-4BC3-A478-466B-BE7F2CF7CD0A}"/>
+          </ac:spMkLst>
+        </pc:spChg>
+        <pc:spChg chg="mod">
+          <ac:chgData name="Anirban Banerjee (IN92657)" userId="b82f5010-943b-4dbb-9251-0075e403d9fa" providerId="ADAL" clId="{85F741F2-2510-44D5-AF8B-2373A010F755}" dt="2024-09-19T10:12:02.724" v="686" actId="27636"/>
+          <ac:spMkLst>
+            <pc:docMk/>
+            <pc:sldMk cId="3523733207" sldId="304"/>
+            <ac:spMk id="4" creationId="{D0157036-1F41-7B05-C6B8-E7F5D95E6721}"/>
+          </ac:spMkLst>
+        </pc:spChg>
+        <pc:picChg chg="add mod">
+          <ac:chgData name="Anirban Banerjee (IN92657)" userId="b82f5010-943b-4dbb-9251-0075e403d9fa" providerId="ADAL" clId="{85F741F2-2510-44D5-AF8B-2373A010F755}" dt="2024-09-19T10:12:07.892" v="694" actId="1037"/>
+          <ac:picMkLst>
+            <pc:docMk/>
+            <pc:sldMk cId="3523733207" sldId="304"/>
+            <ac:picMk id="5" creationId="{37EE608F-9149-CDC4-7EA7-997F8F49429B}"/>
+          </ac:picMkLst>
+        </pc:picChg>
+        <pc:picChg chg="del">
+          <ac:chgData name="Anirban Banerjee (IN92657)" userId="b82f5010-943b-4dbb-9251-0075e403d9fa" providerId="ADAL" clId="{85F741F2-2510-44D5-AF8B-2373A010F755}" dt="2024-09-19T09:58:32.526" v="377" actId="478"/>
+          <ac:picMkLst>
+            <pc:docMk/>
+            <pc:sldMk cId="3523733207" sldId="304"/>
+            <ac:picMk id="6" creationId="{9A94FB19-27F0-F3BF-3F5F-EA9203969A20}"/>
+          </ac:picMkLst>
+        </pc:picChg>
+        <pc:picChg chg="add mod">
+          <ac:chgData name="Anirban Banerjee (IN92657)" userId="b82f5010-943b-4dbb-9251-0075e403d9fa" providerId="ADAL" clId="{85F741F2-2510-44D5-AF8B-2373A010F755}" dt="2024-09-19T10:12:07.892" v="694" actId="1037"/>
+          <ac:picMkLst>
+            <pc:docMk/>
+            <pc:sldMk cId="3523733207" sldId="304"/>
+            <ac:picMk id="7" creationId="{D137F1BA-CF85-BDB3-EEED-22B1D67DEE8B}"/>
+          </ac:picMkLst>
+        </pc:picChg>
+      </pc:sldChg>
+      <pc:sldChg chg="addSp modSp add mod">
+        <pc:chgData name="Anirban Banerjee (IN92657)" userId="b82f5010-943b-4dbb-9251-0075e403d9fa" providerId="ADAL" clId="{85F741F2-2510-44D5-AF8B-2373A010F755}" dt="2024-09-19T10:36:49.650" v="853" actId="1076"/>
+        <pc:sldMkLst>
+          <pc:docMk/>
+          <pc:sldMk cId="2045483743" sldId="305"/>
+        </pc:sldMkLst>
+        <pc:spChg chg="mod">
+          <ac:chgData name="Anirban Banerjee (IN92657)" userId="b82f5010-943b-4dbb-9251-0075e403d9fa" providerId="ADAL" clId="{85F741F2-2510-44D5-AF8B-2373A010F755}" dt="2024-09-19T10:12:45.862" v="706" actId="27636"/>
+          <ac:spMkLst>
+            <pc:docMk/>
+            <pc:sldMk cId="2045483743" sldId="305"/>
+            <ac:spMk id="4" creationId="{D0157036-1F41-7B05-C6B8-E7F5D95E6721}"/>
+          </ac:spMkLst>
+        </pc:spChg>
+        <pc:spChg chg="add mod">
+          <ac:chgData name="Anirban Banerjee (IN92657)" userId="b82f5010-943b-4dbb-9251-0075e403d9fa" providerId="ADAL" clId="{85F741F2-2510-44D5-AF8B-2373A010F755}" dt="2024-09-19T10:36:49.650" v="853" actId="1076"/>
+          <ac:spMkLst>
+            <pc:docMk/>
+            <pc:sldMk cId="2045483743" sldId="305"/>
+            <ac:spMk id="9" creationId="{BB7ABCA7-0201-5128-4405-0DF1BAF81A6F}"/>
+          </ac:spMkLst>
+        </pc:spChg>
+        <pc:picChg chg="add mod">
+          <ac:chgData name="Anirban Banerjee (IN92657)" userId="b82f5010-943b-4dbb-9251-0075e403d9fa" providerId="ADAL" clId="{85F741F2-2510-44D5-AF8B-2373A010F755}" dt="2024-09-19T10:36:42.541" v="850" actId="1076"/>
+          <ac:picMkLst>
+            <pc:docMk/>
+            <pc:sldMk cId="2045483743" sldId="305"/>
+            <ac:picMk id="5" creationId="{A92A3065-8A2C-374C-7BBD-D7F1E5A5D205}"/>
+          </ac:picMkLst>
+        </pc:picChg>
+        <pc:picChg chg="add mod">
+          <ac:chgData name="Anirban Banerjee (IN92657)" userId="b82f5010-943b-4dbb-9251-0075e403d9fa" providerId="ADAL" clId="{85F741F2-2510-44D5-AF8B-2373A010F755}" dt="2024-09-19T10:36:44.175" v="851" actId="1076"/>
+          <ac:picMkLst>
+            <pc:docMk/>
+            <pc:sldMk cId="2045483743" sldId="305"/>
+            <ac:picMk id="7" creationId="{35002489-3765-E5B3-D03F-C10AE28C0E2B}"/>
+          </ac:picMkLst>
+        </pc:picChg>
+      </pc:sldChg>
+      <pc:sldChg chg="addSp modSp add mod">
+        <pc:chgData name="Anirban Banerjee (IN92657)" userId="b82f5010-943b-4dbb-9251-0075e403d9fa" providerId="ADAL" clId="{85F741F2-2510-44D5-AF8B-2373A010F755}" dt="2024-09-19T10:36:58.297" v="855" actId="1076"/>
+        <pc:sldMkLst>
+          <pc:docMk/>
+          <pc:sldMk cId="375745645" sldId="306"/>
+        </pc:sldMkLst>
+        <pc:spChg chg="mod">
+          <ac:chgData name="Anirban Banerjee (IN92657)" userId="b82f5010-943b-4dbb-9251-0075e403d9fa" providerId="ADAL" clId="{85F741F2-2510-44D5-AF8B-2373A010F755}" dt="2024-09-19T10:12:55.844" v="710" actId="403"/>
+          <ac:spMkLst>
+            <pc:docMk/>
+            <pc:sldMk cId="375745645" sldId="306"/>
+            <ac:spMk id="4" creationId="{D0157036-1F41-7B05-C6B8-E7F5D95E6721}"/>
+          </ac:spMkLst>
+        </pc:spChg>
+        <pc:spChg chg="add mod">
+          <ac:chgData name="Anirban Banerjee (IN92657)" userId="b82f5010-943b-4dbb-9251-0075e403d9fa" providerId="ADAL" clId="{85F741F2-2510-44D5-AF8B-2373A010F755}" dt="2024-09-19T10:36:58.297" v="855" actId="1076"/>
+          <ac:spMkLst>
+            <pc:docMk/>
+            <pc:sldMk cId="375745645" sldId="306"/>
+            <ac:spMk id="9" creationId="{E8C98449-951B-637E-FCEC-318D7C969243}"/>
+          </ac:spMkLst>
+        </pc:spChg>
+        <pc:picChg chg="add mod">
+          <ac:chgData name="Anirban Banerjee (IN92657)" userId="b82f5010-943b-4dbb-9251-0075e403d9fa" providerId="ADAL" clId="{85F741F2-2510-44D5-AF8B-2373A010F755}" dt="2024-09-19T10:11:23.895" v="674" actId="1076"/>
+          <ac:picMkLst>
+            <pc:docMk/>
+            <pc:sldMk cId="375745645" sldId="306"/>
+            <ac:picMk id="5" creationId="{6C913674-5236-63AA-C093-2C996B04E241}"/>
+          </ac:picMkLst>
+        </pc:picChg>
+        <pc:picChg chg="add mod">
+          <ac:chgData name="Anirban Banerjee (IN92657)" userId="b82f5010-943b-4dbb-9251-0075e403d9fa" providerId="ADAL" clId="{85F741F2-2510-44D5-AF8B-2373A010F755}" dt="2024-09-19T10:31:45.716" v="781" actId="1076"/>
+          <ac:picMkLst>
+            <pc:docMk/>
+            <pc:sldMk cId="375745645" sldId="306"/>
+            <ac:picMk id="7" creationId="{B1C2994E-E03B-5869-65C0-F328B4A789C9}"/>
+          </ac:picMkLst>
+        </pc:picChg>
+      </pc:sldChg>
+      <pc:sldChg chg="addSp delSp modSp add mod">
+        <pc:chgData name="Anirban Banerjee (IN92657)" userId="b82f5010-943b-4dbb-9251-0075e403d9fa" providerId="ADAL" clId="{85F741F2-2510-44D5-AF8B-2373A010F755}" dt="2024-09-19T10:37:05.745" v="857" actId="1076"/>
+        <pc:sldMkLst>
+          <pc:docMk/>
+          <pc:sldMk cId="2607282640" sldId="307"/>
+        </pc:sldMkLst>
+        <pc:spChg chg="mod">
+          <ac:chgData name="Anirban Banerjee (IN92657)" userId="b82f5010-943b-4dbb-9251-0075e403d9fa" providerId="ADAL" clId="{85F741F2-2510-44D5-AF8B-2373A010F755}" dt="2024-09-19T10:02:30.518" v="568" actId="20577"/>
+          <ac:spMkLst>
+            <pc:docMk/>
+            <pc:sldMk cId="2607282640" sldId="307"/>
+            <ac:spMk id="4" creationId="{D0157036-1F41-7B05-C6B8-E7F5D95E6721}"/>
+          </ac:spMkLst>
+        </pc:spChg>
+        <pc:spChg chg="add mod">
+          <ac:chgData name="Anirban Banerjee (IN92657)" userId="b82f5010-943b-4dbb-9251-0075e403d9fa" providerId="ADAL" clId="{85F741F2-2510-44D5-AF8B-2373A010F755}" dt="2024-09-19T10:37:05.745" v="857" actId="1076"/>
+          <ac:spMkLst>
+            <pc:docMk/>
+            <pc:sldMk cId="2607282640" sldId="307"/>
+            <ac:spMk id="11" creationId="{9DBA8483-396A-0D04-8D4D-5782611493C4}"/>
+          </ac:spMkLst>
+        </pc:spChg>
+        <pc:picChg chg="add del mod">
+          <ac:chgData name="Anirban Banerjee (IN92657)" userId="b82f5010-943b-4dbb-9251-0075e403d9fa" providerId="ADAL" clId="{85F741F2-2510-44D5-AF8B-2373A010F755}" dt="2024-09-19T10:13:36.178" v="714" actId="22"/>
+          <ac:picMkLst>
+            <pc:docMk/>
+            <pc:sldMk cId="2607282640" sldId="307"/>
+            <ac:picMk id="5" creationId="{E8949796-D971-87E9-E8FC-22D5B8015897}"/>
+          </ac:picMkLst>
+        </pc:picChg>
+        <pc:picChg chg="add del">
+          <ac:chgData name="Anirban Banerjee (IN92657)" userId="b82f5010-943b-4dbb-9251-0075e403d9fa" providerId="ADAL" clId="{85F741F2-2510-44D5-AF8B-2373A010F755}" dt="2024-09-19T10:14:01.169" v="724" actId="22"/>
+          <ac:picMkLst>
+            <pc:docMk/>
+            <pc:sldMk cId="2607282640" sldId="307"/>
+            <ac:picMk id="7" creationId="{9A5F13EA-D6CD-F438-FDB9-698E1BCCE49F}"/>
+          </ac:picMkLst>
+        </pc:picChg>
+        <pc:picChg chg="add mod">
+          <ac:chgData name="Anirban Banerjee (IN92657)" userId="b82f5010-943b-4dbb-9251-0075e403d9fa" providerId="ADAL" clId="{85F741F2-2510-44D5-AF8B-2373A010F755}" dt="2024-09-19T10:14:38.438" v="727" actId="14100"/>
+          <ac:picMkLst>
+            <pc:docMk/>
+            <pc:sldMk cId="2607282640" sldId="307"/>
+            <ac:picMk id="10" creationId="{2BDD68FB-13C6-865F-BB62-C8FF75EE4D85}"/>
+          </ac:picMkLst>
+        </pc:picChg>
+      </pc:sldChg>
+      <pc:sldChg chg="addSp delSp modSp add mod">
+        <pc:chgData name="Anirban Banerjee (IN92657)" userId="b82f5010-943b-4dbb-9251-0075e403d9fa" providerId="ADAL" clId="{85F741F2-2510-44D5-AF8B-2373A010F755}" dt="2024-09-19T10:37:11.889" v="859" actId="1076"/>
+        <pc:sldMkLst>
+          <pc:docMk/>
+          <pc:sldMk cId="3158649411" sldId="308"/>
+        </pc:sldMkLst>
+        <pc:spChg chg="mod">
+          <ac:chgData name="Anirban Banerjee (IN92657)" userId="b82f5010-943b-4dbb-9251-0075e403d9fa" providerId="ADAL" clId="{85F741F2-2510-44D5-AF8B-2373A010F755}" dt="2024-09-19T10:02:06.172" v="566" actId="313"/>
+          <ac:spMkLst>
+            <pc:docMk/>
+            <pc:sldMk cId="3158649411" sldId="308"/>
+            <ac:spMk id="4" creationId="{D0157036-1F41-7B05-C6B8-E7F5D95E6721}"/>
+          </ac:spMkLst>
+        </pc:spChg>
+        <pc:spChg chg="add mod">
+          <ac:chgData name="Anirban Banerjee (IN92657)" userId="b82f5010-943b-4dbb-9251-0075e403d9fa" providerId="ADAL" clId="{85F741F2-2510-44D5-AF8B-2373A010F755}" dt="2024-09-19T10:37:11.889" v="859" actId="1076"/>
+          <ac:spMkLst>
+            <pc:docMk/>
+            <pc:sldMk cId="3158649411" sldId="308"/>
+            <ac:spMk id="9" creationId="{05AE8AE1-411B-61EE-1515-2E03A9A3E437}"/>
+          </ac:spMkLst>
+        </pc:spChg>
+        <pc:picChg chg="add del mod">
+          <ac:chgData name="Anirban Banerjee (IN92657)" userId="b82f5010-943b-4dbb-9251-0075e403d9fa" providerId="ADAL" clId="{85F741F2-2510-44D5-AF8B-2373A010F755}" dt="2024-09-19T10:30:59.470" v="772" actId="478"/>
+          <ac:picMkLst>
+            <pc:docMk/>
+            <pc:sldMk cId="3158649411" sldId="308"/>
+            <ac:picMk id="5" creationId="{BD53BB31-5376-7507-3DE1-397F13084C9E}"/>
+          </ac:picMkLst>
+        </pc:picChg>
+        <pc:picChg chg="add mod">
+          <ac:chgData name="Anirban Banerjee (IN92657)" userId="b82f5010-943b-4dbb-9251-0075e403d9fa" providerId="ADAL" clId="{85F741F2-2510-44D5-AF8B-2373A010F755}" dt="2024-09-19T10:31:01.528" v="774" actId="1076"/>
+          <ac:picMkLst>
+            <pc:docMk/>
+            <pc:sldMk cId="3158649411" sldId="308"/>
+            <ac:picMk id="7" creationId="{A9D9D5A1-003E-D40E-CF43-3171C948561C}"/>
+          </ac:picMkLst>
+        </pc:picChg>
+      </pc:sldChg>
+      <pc:sldChg chg="addSp delSp modSp add mod">
+        <pc:chgData name="Anirban Banerjee (IN92657)" userId="b82f5010-943b-4dbb-9251-0075e403d9fa" providerId="ADAL" clId="{85F741F2-2510-44D5-AF8B-2373A010F755}" dt="2024-09-19T10:37:16.831" v="861" actId="1076"/>
+        <pc:sldMkLst>
+          <pc:docMk/>
+          <pc:sldMk cId="2222590134" sldId="309"/>
+        </pc:sldMkLst>
+        <pc:spChg chg="mod">
+          <ac:chgData name="Anirban Banerjee (IN92657)" userId="b82f5010-943b-4dbb-9251-0075e403d9fa" providerId="ADAL" clId="{85F741F2-2510-44D5-AF8B-2373A010F755}" dt="2024-09-19T10:15:39.413" v="754" actId="27636"/>
+          <ac:spMkLst>
+            <pc:docMk/>
+            <pc:sldMk cId="2222590134" sldId="309"/>
+            <ac:spMk id="4" creationId="{D0157036-1F41-7B05-C6B8-E7F5D95E6721}"/>
+          </ac:spMkLst>
+        </pc:spChg>
+        <pc:spChg chg="add mod">
+          <ac:chgData name="Anirban Banerjee (IN92657)" userId="b82f5010-943b-4dbb-9251-0075e403d9fa" providerId="ADAL" clId="{85F741F2-2510-44D5-AF8B-2373A010F755}" dt="2024-09-19T10:37:16.831" v="861" actId="1076"/>
+          <ac:spMkLst>
+            <pc:docMk/>
+            <pc:sldMk cId="2222590134" sldId="309"/>
+            <ac:spMk id="13" creationId="{3E164341-B4A5-438F-67A7-E2BAC8F58DF0}"/>
+          </ac:spMkLst>
+        </pc:spChg>
+        <pc:picChg chg="add del mod">
+          <ac:chgData name="Anirban Banerjee (IN92657)" userId="b82f5010-943b-4dbb-9251-0075e403d9fa" providerId="ADAL" clId="{85F741F2-2510-44D5-AF8B-2373A010F755}" dt="2024-09-19T10:05:16.461" v="655" actId="21"/>
+          <ac:picMkLst>
+            <pc:docMk/>
+            <pc:sldMk cId="2222590134" sldId="309"/>
+            <ac:picMk id="5" creationId="{37EE608F-9149-CDC4-7EA7-997F8F49429B}"/>
+          </ac:picMkLst>
+        </pc:picChg>
+        <pc:picChg chg="add del mod">
+          <ac:chgData name="Anirban Banerjee (IN92657)" userId="b82f5010-943b-4dbb-9251-0075e403d9fa" providerId="ADAL" clId="{85F741F2-2510-44D5-AF8B-2373A010F755}" dt="2024-09-19T10:05:23.960" v="657" actId="21"/>
+          <ac:picMkLst>
+            <pc:docMk/>
+            <pc:sldMk cId="2222590134" sldId="309"/>
+            <ac:picMk id="7" creationId="{D137F1BA-CF85-BDB3-EEED-22B1D67DEE8B}"/>
+          </ac:picMkLst>
+        </pc:picChg>
+        <pc:picChg chg="add del mod">
+          <ac:chgData name="Anirban Banerjee (IN92657)" userId="b82f5010-943b-4dbb-9251-0075e403d9fa" providerId="ADAL" clId="{85F741F2-2510-44D5-AF8B-2373A010F755}" dt="2024-09-19T10:31:18.489" v="775" actId="478"/>
+          <ac:picMkLst>
+            <pc:docMk/>
+            <pc:sldMk cId="2222590134" sldId="309"/>
+            <ac:picMk id="10" creationId="{4A52D4A6-1F9A-120F-21F2-50859F8E32DE}"/>
+          </ac:picMkLst>
+        </pc:picChg>
+        <pc:picChg chg="add mod">
+          <ac:chgData name="Anirban Banerjee (IN92657)" userId="b82f5010-943b-4dbb-9251-0075e403d9fa" providerId="ADAL" clId="{85F741F2-2510-44D5-AF8B-2373A010F755}" dt="2024-09-19T10:31:26.776" v="779" actId="1076"/>
+          <ac:picMkLst>
+            <pc:docMk/>
+            <pc:sldMk cId="2222590134" sldId="309"/>
+            <ac:picMk id="12" creationId="{4A524DB5-2751-8DA8-BA2B-7FE35917BA53}"/>
+          </ac:picMkLst>
+        </pc:picChg>
+      </pc:sldChg>
+      <pc:sldChg chg="addSp delSp modSp add mod">
+        <pc:chgData name="Anirban Banerjee (IN92657)" userId="b82f5010-943b-4dbb-9251-0075e403d9fa" providerId="ADAL" clId="{85F741F2-2510-44D5-AF8B-2373A010F755}" dt="2024-09-19T10:37:23.993" v="863" actId="1076"/>
+        <pc:sldMkLst>
+          <pc:docMk/>
+          <pc:sldMk cId="3041834179" sldId="310"/>
+        </pc:sldMkLst>
+        <pc:spChg chg="mod">
+          <ac:chgData name="Anirban Banerjee (IN92657)" userId="b82f5010-943b-4dbb-9251-0075e403d9fa" providerId="ADAL" clId="{85F741F2-2510-44D5-AF8B-2373A010F755}" dt="2024-09-19T10:03:52.767" v="650" actId="20577"/>
+          <ac:spMkLst>
+            <pc:docMk/>
+            <pc:sldMk cId="3041834179" sldId="310"/>
+            <ac:spMk id="4" creationId="{D0157036-1F41-7B05-C6B8-E7F5D95E6721}"/>
+          </ac:spMkLst>
+        </pc:spChg>
+        <pc:spChg chg="add mod">
+          <ac:chgData name="Anirban Banerjee (IN92657)" userId="b82f5010-943b-4dbb-9251-0075e403d9fa" providerId="ADAL" clId="{85F741F2-2510-44D5-AF8B-2373A010F755}" dt="2024-09-19T10:37:23.993" v="863" actId="1076"/>
+          <ac:spMkLst>
+            <pc:docMk/>
+            <pc:sldMk cId="3041834179" sldId="310"/>
+            <ac:spMk id="9" creationId="{52C1F77A-DA77-89DF-8AF7-FE9477425885}"/>
+          </ac:spMkLst>
+        </pc:spChg>
+        <pc:picChg chg="add del mod">
+          <ac:chgData name="Anirban Banerjee (IN92657)" userId="b82f5010-943b-4dbb-9251-0075e403d9fa" providerId="ADAL" clId="{85F741F2-2510-44D5-AF8B-2373A010F755}" dt="2024-09-19T10:30:20.261" v="769" actId="478"/>
+          <ac:picMkLst>
+            <pc:docMk/>
+            <pc:sldMk cId="3041834179" sldId="310"/>
+            <ac:picMk id="5" creationId="{FE70B4CD-CC76-5C5C-6F13-038AD721ECEB}"/>
+          </ac:picMkLst>
+        </pc:picChg>
+        <pc:picChg chg="add mod">
+          <ac:chgData name="Anirban Banerjee (IN92657)" userId="b82f5010-943b-4dbb-9251-0075e403d9fa" providerId="ADAL" clId="{85F741F2-2510-44D5-AF8B-2373A010F755}" dt="2024-09-19T10:30:23.556" v="771" actId="1076"/>
+          <ac:picMkLst>
+            <pc:docMk/>
+            <pc:sldMk cId="3041834179" sldId="310"/>
+            <ac:picMk id="7" creationId="{87C73837-4D69-2D75-FF85-9FA1FEAC22C7}"/>
+          </ac:picMkLst>
+        </pc:picChg>
+      </pc:sldChg>
+      <pc:sldChg chg="modSp new del mod">
+        <pc:chgData name="Anirban Banerjee (IN92657)" userId="b82f5010-943b-4dbb-9251-0075e403d9fa" providerId="ADAL" clId="{85F741F2-2510-44D5-AF8B-2373A010F755}" dt="2024-09-19T10:35:40.987" v="815" actId="47"/>
+        <pc:sldMkLst>
+          <pc:docMk/>
+          <pc:sldMk cId="306537952" sldId="311"/>
+        </pc:sldMkLst>
+        <pc:spChg chg="mod">
+          <ac:chgData name="Anirban Banerjee (IN92657)" userId="b82f5010-943b-4dbb-9251-0075e403d9fa" providerId="ADAL" clId="{85F741F2-2510-44D5-AF8B-2373A010F755}" dt="2024-09-19T10:35:27.667" v="811" actId="27636"/>
+          <ac:spMkLst>
+            <pc:docMk/>
+            <pc:sldMk cId="306537952" sldId="311"/>
+            <ac:spMk id="3" creationId="{B4AC4667-E604-814B-77DE-9A184A245C10}"/>
+          </ac:spMkLst>
+        </pc:spChg>
+        <pc:spChg chg="mod">
+          <ac:chgData name="Anirban Banerjee (IN92657)" userId="b82f5010-943b-4dbb-9251-0075e403d9fa" providerId="ADAL" clId="{85F741F2-2510-44D5-AF8B-2373A010F755}" dt="2024-09-19T10:35:27.666" v="810" actId="27636"/>
+          <ac:spMkLst>
+            <pc:docMk/>
+            <pc:sldMk cId="306537952" sldId="311"/>
+            <ac:spMk id="5" creationId="{100C4A9E-E1D9-71B1-8046-10C5AA148E1C}"/>
+          </ac:spMkLst>
+        </pc:spChg>
+        <pc:spChg chg="mod">
+          <ac:chgData name="Anirban Banerjee (IN92657)" userId="b82f5010-943b-4dbb-9251-0075e403d9fa" providerId="ADAL" clId="{85F741F2-2510-44D5-AF8B-2373A010F755}" dt="2024-09-19T10:35:27.665" v="809" actId="27636"/>
+          <ac:spMkLst>
+            <pc:docMk/>
+            <pc:sldMk cId="306537952" sldId="311"/>
+            <ac:spMk id="7" creationId="{40D00207-A463-3713-A9F2-ABB857001799}"/>
+          </ac:spMkLst>
+        </pc:spChg>
+        <pc:spChg chg="mod">
+          <ac:chgData name="Anirban Banerjee (IN92657)" userId="b82f5010-943b-4dbb-9251-0075e403d9fa" providerId="ADAL" clId="{85F741F2-2510-44D5-AF8B-2373A010F755}" dt="2024-09-19T10:35:23.852" v="808" actId="14100"/>
+          <ac:spMkLst>
+            <pc:docMk/>
+            <pc:sldMk cId="306537952" sldId="311"/>
+            <ac:spMk id="8" creationId="{2711E4F7-6592-D407-8020-D478C101CF3D}"/>
+          </ac:spMkLst>
+        </pc:spChg>
+        <pc:spChg chg="mod">
+          <ac:chgData name="Anirban Banerjee (IN92657)" userId="b82f5010-943b-4dbb-9251-0075e403d9fa" providerId="ADAL" clId="{85F741F2-2510-44D5-AF8B-2373A010F755}" dt="2024-09-19T10:35:27.670" v="812" actId="27636"/>
+          <ac:spMkLst>
+            <pc:docMk/>
+            <pc:sldMk cId="306537952" sldId="311"/>
+            <ac:spMk id="9" creationId="{9AEBE3CE-23C5-4377-6413-08D2F85975C0}"/>
+          </ac:spMkLst>
+        </pc:spChg>
+      </pc:sldChg>
+    </pc:docChg>
+  </pc:docChgLst>
 </pc:chgInfo>
 </file>
 
@@ -1105,7 +2154,7 @@
           <a:p>
             <a:fld id="{F352A77B-D33C-49B3-A83C-450AA2ED72B3}" type="datetimeFigureOut">
               <a:rPr lang="en-US" smtClean="0"/>
-              <a:t>9/18/2024</a:t>
+              <a:t>9/19/2024</a:t>
             </a:fld>
             <a:endParaRPr lang="en-US" dirty="0"/>
           </a:p>
@@ -1282,7 +2331,7 @@
           <a:p>
             <a:fld id="{E38D8F9A-F5CB-4EF8-A859-ED5E107B9763}" type="datetimeFigureOut">
               <a:rPr lang="en-US" smtClean="0"/>
-              <a:t>9/18/2024</a:t>
+              <a:t>9/19/2024</a:t>
             </a:fld>
             <a:endParaRPr lang="en-US" dirty="0"/>
           </a:p>
@@ -16852,11 +17901,11 @@
               <a:t>Team – </a:t>
             </a:r>
             <a:r>
-              <a:rPr lang="en-US" b="1" i="0" dirty="0" err="1">
+              <a:rPr lang="en-US" b="1" i="0" dirty="0">
                 <a:effectLst/>
                 <a:latin typeface="IBM Plex Sans" panose="020B0503050203000203" pitchFamily="34" charset="0"/>
               </a:rPr>
-              <a:t>TechMaverick</a:t>
+              <a:t>Tech Maverick</a:t>
             </a:r>
             <a:br>
               <a:rPr lang="en-US" i="0" dirty="0">
@@ -17300,10 +18349,319 @@
           </a:p>
         </p:txBody>
       </p:sp>
+      <p:sp>
+        <p:nvSpPr>
+          <p:cNvPr id="4" name="Text Placeholder 2">
+            <a:extLst>
+              <a:ext uri="{FF2B5EF4-FFF2-40B4-BE49-F238E27FC236}">
+                <a16:creationId xmlns:a16="http://schemas.microsoft.com/office/drawing/2014/main" id="{D0157036-1F41-7B05-C6B8-E7F5D95E6721}"/>
+              </a:ext>
+            </a:extLst>
+          </p:cNvPr>
+          <p:cNvSpPr>
+            <a:spLocks noGrp="1"/>
+          </p:cNvSpPr>
+          <p:nvPr>
+            <p:ph type="body" sz="quarter" idx="13"/>
+          </p:nvPr>
+        </p:nvSpPr>
+        <p:spPr>
+          <a:xfrm>
+            <a:off x="670559" y="1449613"/>
+            <a:ext cx="5795555" cy="411844"/>
+          </a:xfrm>
+        </p:spPr>
+        <p:txBody>
+          <a:bodyPr>
+            <a:normAutofit/>
+          </a:bodyPr>
+          <a:lstStyle/>
+          <a:p>
+            <a:r>
+              <a:rPr lang="en-US" sz="1600" b="1" dirty="0"/>
+              <a:t>Text Summarization (Model - granite-13b-chat-v2)</a:t>
+            </a:r>
+          </a:p>
+        </p:txBody>
+      </p:sp>
+      <p:pic>
+        <p:nvPicPr>
+          <p:cNvPr id="5" name="Picture 4">
+            <a:extLst>
+              <a:ext uri="{FF2B5EF4-FFF2-40B4-BE49-F238E27FC236}">
+                <a16:creationId xmlns:a16="http://schemas.microsoft.com/office/drawing/2014/main" id="{A92A3065-8A2C-374C-7BBD-D7F1E5A5D205}"/>
+              </a:ext>
+            </a:extLst>
+          </p:cNvPr>
+          <p:cNvPicPr>
+            <a:picLocks noChangeAspect="1"/>
+          </p:cNvPicPr>
+          <p:nvPr/>
+        </p:nvPicPr>
+        <p:blipFill>
+          <a:blip r:embed="rId2"/>
+          <a:stretch>
+            <a:fillRect/>
+          </a:stretch>
+        </p:blipFill>
+        <p:spPr>
+          <a:xfrm>
+            <a:off x="616125" y="1793225"/>
+            <a:ext cx="11106721" cy="1797142"/>
+          </a:xfrm>
+          <a:prstGeom prst="rect">
+            <a:avLst/>
+          </a:prstGeom>
+        </p:spPr>
+      </p:pic>
+      <p:pic>
+        <p:nvPicPr>
+          <p:cNvPr id="7" name="Picture 6">
+            <a:extLst>
+              <a:ext uri="{FF2B5EF4-FFF2-40B4-BE49-F238E27FC236}">
+                <a16:creationId xmlns:a16="http://schemas.microsoft.com/office/drawing/2014/main" id="{35002489-3765-E5B3-D03F-C10AE28C0E2B}"/>
+              </a:ext>
+            </a:extLst>
+          </p:cNvPr>
+          <p:cNvPicPr>
+            <a:picLocks noChangeAspect="1"/>
+          </p:cNvPicPr>
+          <p:nvPr/>
+        </p:nvPicPr>
+        <p:blipFill>
+          <a:blip r:embed="rId3"/>
+          <a:stretch>
+            <a:fillRect/>
+          </a:stretch>
+        </p:blipFill>
+        <p:spPr>
+          <a:xfrm>
+            <a:off x="616125" y="3556074"/>
+            <a:ext cx="11068619" cy="2883048"/>
+          </a:xfrm>
+          <a:prstGeom prst="rect">
+            <a:avLst/>
+          </a:prstGeom>
+        </p:spPr>
+      </p:pic>
+      <p:sp>
+        <p:nvSpPr>
+          <p:cNvPr id="9" name="Text Placeholder 7">
+            <a:extLst>
+              <a:ext uri="{FF2B5EF4-FFF2-40B4-BE49-F238E27FC236}">
+                <a16:creationId xmlns:a16="http://schemas.microsoft.com/office/drawing/2014/main" id="{BB7ABCA7-0201-5128-4405-0DF1BAF81A6F}"/>
+              </a:ext>
+            </a:extLst>
+          </p:cNvPr>
+          <p:cNvSpPr txBox="1">
+            <a:spLocks/>
+          </p:cNvSpPr>
+          <p:nvPr/>
+        </p:nvSpPr>
+        <p:spPr>
+          <a:xfrm>
+            <a:off x="9862690" y="6415156"/>
+            <a:ext cx="1104388" cy="330286"/>
+          </a:xfrm>
+          <a:prstGeom prst="rect">
+            <a:avLst/>
+          </a:prstGeom>
+        </p:spPr>
+        <p:txBody>
+          <a:bodyPr vert="horz" lIns="91440" tIns="45720" rIns="91440" bIns="45720" rtlCol="0">
+            <a:normAutofit/>
+          </a:bodyPr>
+          <a:lstStyle>
+            <a:lvl1pPr marL="0" indent="0" algn="ctr" defTabSz="914400" rtl="0" eaLnBrk="1" latinLnBrk="0" hangingPunct="1">
+              <a:lnSpc>
+                <a:spcPct val="100000"/>
+              </a:lnSpc>
+              <a:spcBef>
+                <a:spcPts val="1000"/>
+              </a:spcBef>
+              <a:buFont typeface="Arial" panose="020B0604020202020204" pitchFamily="34" charset="0"/>
+              <a:buNone/>
+              <a:defRPr sz="1400" kern="1200">
+                <a:solidFill>
+                  <a:schemeClr val="tx1">
+                    <a:lumMod val="75000"/>
+                    <a:lumOff val="25000"/>
+                  </a:schemeClr>
+                </a:solidFill>
+                <a:latin typeface="+mn-lt"/>
+                <a:ea typeface="+mn-ea"/>
+                <a:cs typeface="+mn-cs"/>
+              </a:defRPr>
+            </a:lvl1pPr>
+            <a:lvl2pPr marL="685800" indent="-228600" algn="l" defTabSz="914400" rtl="0" eaLnBrk="1" latinLnBrk="0" hangingPunct="1">
+              <a:lnSpc>
+                <a:spcPct val="90000"/>
+              </a:lnSpc>
+              <a:spcBef>
+                <a:spcPts val="500"/>
+              </a:spcBef>
+              <a:buFont typeface="Arial" panose="020B0604020202020204" pitchFamily="34" charset="0"/>
+              <a:buChar char="•"/>
+              <a:defRPr sz="2400" kern="1200">
+                <a:solidFill>
+                  <a:schemeClr val="tx1">
+                    <a:lumMod val="75000"/>
+                    <a:lumOff val="25000"/>
+                  </a:schemeClr>
+                </a:solidFill>
+                <a:latin typeface="+mn-lt"/>
+                <a:ea typeface="+mn-ea"/>
+                <a:cs typeface="+mn-cs"/>
+              </a:defRPr>
+            </a:lvl2pPr>
+            <a:lvl3pPr marL="1143000" indent="-228600" algn="l" defTabSz="914400" rtl="0" eaLnBrk="1" latinLnBrk="0" hangingPunct="1">
+              <a:lnSpc>
+                <a:spcPct val="90000"/>
+              </a:lnSpc>
+              <a:spcBef>
+                <a:spcPts val="500"/>
+              </a:spcBef>
+              <a:buFont typeface="Arial" panose="020B0604020202020204" pitchFamily="34" charset="0"/>
+              <a:buChar char="•"/>
+              <a:defRPr sz="2000" kern="1200">
+                <a:solidFill>
+                  <a:schemeClr val="tx1">
+                    <a:lumMod val="75000"/>
+                    <a:lumOff val="25000"/>
+                  </a:schemeClr>
+                </a:solidFill>
+                <a:latin typeface="+mn-lt"/>
+                <a:ea typeface="+mn-ea"/>
+                <a:cs typeface="+mn-cs"/>
+              </a:defRPr>
+            </a:lvl3pPr>
+            <a:lvl4pPr marL="1600200" indent="-228600" algn="l" defTabSz="914400" rtl="0" eaLnBrk="1" latinLnBrk="0" hangingPunct="1">
+              <a:lnSpc>
+                <a:spcPct val="90000"/>
+              </a:lnSpc>
+              <a:spcBef>
+                <a:spcPts val="500"/>
+              </a:spcBef>
+              <a:buFont typeface="Arial" panose="020B0604020202020204" pitchFamily="34" charset="0"/>
+              <a:buChar char="•"/>
+              <a:defRPr sz="1800" kern="1200">
+                <a:solidFill>
+                  <a:schemeClr val="tx1">
+                    <a:lumMod val="75000"/>
+                    <a:lumOff val="25000"/>
+                  </a:schemeClr>
+                </a:solidFill>
+                <a:latin typeface="+mn-lt"/>
+                <a:ea typeface="+mn-ea"/>
+                <a:cs typeface="+mn-cs"/>
+              </a:defRPr>
+            </a:lvl4pPr>
+            <a:lvl5pPr marL="2057400" indent="-228600" algn="l" defTabSz="914400" rtl="0" eaLnBrk="1" latinLnBrk="0" hangingPunct="1">
+              <a:lnSpc>
+                <a:spcPct val="90000"/>
+              </a:lnSpc>
+              <a:spcBef>
+                <a:spcPts val="500"/>
+              </a:spcBef>
+              <a:buFont typeface="Arial" panose="020B0604020202020204" pitchFamily="34" charset="0"/>
+              <a:buChar char="•"/>
+              <a:defRPr sz="1800" kern="1200">
+                <a:solidFill>
+                  <a:schemeClr val="tx1">
+                    <a:lumMod val="75000"/>
+                    <a:lumOff val="25000"/>
+                  </a:schemeClr>
+                </a:solidFill>
+                <a:latin typeface="+mn-lt"/>
+                <a:ea typeface="+mn-ea"/>
+                <a:cs typeface="+mn-cs"/>
+              </a:defRPr>
+            </a:lvl5pPr>
+            <a:lvl6pPr marL="2514600" indent="-228600" algn="l" defTabSz="914400" rtl="0" eaLnBrk="1" latinLnBrk="0" hangingPunct="1">
+              <a:lnSpc>
+                <a:spcPct val="90000"/>
+              </a:lnSpc>
+              <a:spcBef>
+                <a:spcPts val="500"/>
+              </a:spcBef>
+              <a:buFont typeface="Arial" panose="020B0604020202020204" pitchFamily="34" charset="0"/>
+              <a:buChar char="•"/>
+              <a:defRPr sz="1800" kern="1200">
+                <a:solidFill>
+                  <a:schemeClr val="tx1"/>
+                </a:solidFill>
+                <a:latin typeface="+mn-lt"/>
+                <a:ea typeface="+mn-ea"/>
+                <a:cs typeface="+mn-cs"/>
+              </a:defRPr>
+            </a:lvl6pPr>
+            <a:lvl7pPr marL="2971800" indent="-228600" algn="l" defTabSz="914400" rtl="0" eaLnBrk="1" latinLnBrk="0" hangingPunct="1">
+              <a:lnSpc>
+                <a:spcPct val="90000"/>
+              </a:lnSpc>
+              <a:spcBef>
+                <a:spcPts val="500"/>
+              </a:spcBef>
+              <a:buFont typeface="Arial" panose="020B0604020202020204" pitchFamily="34" charset="0"/>
+              <a:buChar char="•"/>
+              <a:defRPr sz="1800" kern="1200">
+                <a:solidFill>
+                  <a:schemeClr val="tx1"/>
+                </a:solidFill>
+                <a:latin typeface="+mn-lt"/>
+                <a:ea typeface="+mn-ea"/>
+                <a:cs typeface="+mn-cs"/>
+              </a:defRPr>
+            </a:lvl7pPr>
+            <a:lvl8pPr marL="3429000" indent="-228600" algn="l" defTabSz="914400" rtl="0" eaLnBrk="1" latinLnBrk="0" hangingPunct="1">
+              <a:lnSpc>
+                <a:spcPct val="90000"/>
+              </a:lnSpc>
+              <a:spcBef>
+                <a:spcPts val="500"/>
+              </a:spcBef>
+              <a:buFont typeface="Arial" panose="020B0604020202020204" pitchFamily="34" charset="0"/>
+              <a:buChar char="•"/>
+              <a:defRPr sz="1800" kern="1200">
+                <a:solidFill>
+                  <a:schemeClr val="tx1"/>
+                </a:solidFill>
+                <a:latin typeface="+mn-lt"/>
+                <a:ea typeface="+mn-ea"/>
+                <a:cs typeface="+mn-cs"/>
+              </a:defRPr>
+            </a:lvl8pPr>
+            <a:lvl9pPr marL="3886200" indent="-228600" algn="l" defTabSz="914400" rtl="0" eaLnBrk="1" latinLnBrk="0" hangingPunct="1">
+              <a:lnSpc>
+                <a:spcPct val="90000"/>
+              </a:lnSpc>
+              <a:spcBef>
+                <a:spcPts val="500"/>
+              </a:spcBef>
+              <a:buFont typeface="Arial" panose="020B0604020202020204" pitchFamily="34" charset="0"/>
+              <a:buChar char="•"/>
+              <a:defRPr sz="1800" kern="1200">
+                <a:solidFill>
+                  <a:schemeClr val="tx1"/>
+                </a:solidFill>
+                <a:latin typeface="+mn-lt"/>
+                <a:ea typeface="+mn-ea"/>
+                <a:cs typeface="+mn-cs"/>
+              </a:defRPr>
+            </a:lvl9pPr>
+          </a:lstStyle>
+          <a:p>
+            <a:r>
+              <a:rPr lang="en-US" b="1" dirty="0"/>
+              <a:t>Contd…</a:t>
+            </a:r>
+          </a:p>
+        </p:txBody>
+      </p:sp>
     </p:spTree>
     <p:extLst>
       <p:ext uri="{BB962C8B-B14F-4D97-AF65-F5344CB8AC3E}">
-        <p14:creationId xmlns:p14="http://schemas.microsoft.com/office/powerpoint/2010/main" val="4164136473"/>
+        <p14:creationId xmlns:p14="http://schemas.microsoft.com/office/powerpoint/2010/main" val="2045483743"/>
       </p:ext>
     </p:extLst>
   </p:cSld>
@@ -17358,7 +18716,7 @@
           <a:p>
             <a:r>
               <a:rPr lang="en-US" dirty="0"/>
-              <a:t>WAY Forward</a:t>
+              <a:t>walkthrough</a:t>
             </a:r>
           </a:p>
         </p:txBody>
@@ -17461,30 +18819,125 @@
       </p:sp>
       <p:sp>
         <p:nvSpPr>
-          <p:cNvPr id="3" name="Text Placeholder 7">
-            <a:extLst>
-              <a:ext uri="{FF2B5EF4-FFF2-40B4-BE49-F238E27FC236}">
-                <a16:creationId xmlns:a16="http://schemas.microsoft.com/office/drawing/2014/main" id="{E047004A-0AD6-74D3-6185-38C7811A235C}"/>
-              </a:ext>
-            </a:extLst>
-          </p:cNvPr>
-          <p:cNvSpPr txBox="1">
-            <a:spLocks/>
-          </p:cNvSpPr>
+          <p:cNvPr id="4" name="Text Placeholder 2">
+            <a:extLst>
+              <a:ext uri="{FF2B5EF4-FFF2-40B4-BE49-F238E27FC236}">
+                <a16:creationId xmlns:a16="http://schemas.microsoft.com/office/drawing/2014/main" id="{D0157036-1F41-7B05-C6B8-E7F5D95E6721}"/>
+              </a:ext>
+            </a:extLst>
+          </p:cNvPr>
+          <p:cNvSpPr>
+            <a:spLocks noGrp="1"/>
+          </p:cNvSpPr>
+          <p:nvPr>
+            <p:ph type="body" sz="quarter" idx="13"/>
+          </p:nvPr>
+        </p:nvSpPr>
+        <p:spPr>
+          <a:xfrm>
+            <a:off x="659668" y="1327606"/>
+            <a:ext cx="5251275" cy="379186"/>
+          </a:xfrm>
+        </p:spPr>
+        <p:txBody>
+          <a:bodyPr>
+            <a:normAutofit fontScale="92500"/>
+          </a:bodyPr>
+          <a:lstStyle/>
+          <a:p>
+            <a:r>
+              <a:rPr lang="en-US" sz="1600" b="1" dirty="0"/>
+              <a:t>Feature Extraction(Model - granite-13b-chat-v2)</a:t>
+            </a:r>
+          </a:p>
+        </p:txBody>
+      </p:sp>
+      <p:pic>
+        <p:nvPicPr>
+          <p:cNvPr id="5" name="Picture 4">
+            <a:extLst>
+              <a:ext uri="{FF2B5EF4-FFF2-40B4-BE49-F238E27FC236}">
+                <a16:creationId xmlns:a16="http://schemas.microsoft.com/office/drawing/2014/main" id="{6C913674-5236-63AA-C093-2C996B04E241}"/>
+              </a:ext>
+            </a:extLst>
+          </p:cNvPr>
+          <p:cNvPicPr>
+            <a:picLocks noChangeAspect="1"/>
+          </p:cNvPicPr>
           <p:nvPr/>
-        </p:nvSpPr>
-        <p:spPr>
-          <a:xfrm>
-            <a:off x="359229" y="1786164"/>
-            <a:ext cx="11658600" cy="4070350"/>
+        </p:nvPicPr>
+        <p:blipFill>
+          <a:blip r:embed="rId2"/>
+          <a:stretch>
+            <a:fillRect/>
+          </a:stretch>
+        </p:blipFill>
+        <p:spPr>
+          <a:xfrm>
+            <a:off x="796645" y="1706792"/>
+            <a:ext cx="10903510" cy="2076557"/>
           </a:xfrm>
           <a:prstGeom prst="rect">
             <a:avLst/>
           </a:prstGeom>
         </p:spPr>
+      </p:pic>
+      <p:pic>
+        <p:nvPicPr>
+          <p:cNvPr id="7" name="Picture 6">
+            <a:extLst>
+              <a:ext uri="{FF2B5EF4-FFF2-40B4-BE49-F238E27FC236}">
+                <a16:creationId xmlns:a16="http://schemas.microsoft.com/office/drawing/2014/main" id="{B1C2994E-E03B-5869-65C0-F328B4A789C9}"/>
+              </a:ext>
+            </a:extLst>
+          </p:cNvPr>
+          <p:cNvPicPr>
+            <a:picLocks noChangeAspect="1"/>
+          </p:cNvPicPr>
+          <p:nvPr/>
+        </p:nvPicPr>
+        <p:blipFill>
+          <a:blip r:embed="rId3"/>
+          <a:stretch>
+            <a:fillRect/>
+          </a:stretch>
+        </p:blipFill>
+        <p:spPr>
+          <a:xfrm>
+            <a:off x="796810" y="3971784"/>
+            <a:ext cx="11068619" cy="2749691"/>
+          </a:xfrm>
+          <a:prstGeom prst="rect">
+            <a:avLst/>
+          </a:prstGeom>
+        </p:spPr>
+      </p:pic>
+      <p:sp>
+        <p:nvSpPr>
+          <p:cNvPr id="9" name="Text Placeholder 7">
+            <a:extLst>
+              <a:ext uri="{FF2B5EF4-FFF2-40B4-BE49-F238E27FC236}">
+                <a16:creationId xmlns:a16="http://schemas.microsoft.com/office/drawing/2014/main" id="{E8C98449-951B-637E-FCEC-318D7C969243}"/>
+              </a:ext>
+            </a:extLst>
+          </p:cNvPr>
+          <p:cNvSpPr txBox="1">
+            <a:spLocks/>
+          </p:cNvSpPr>
+          <p:nvPr/>
+        </p:nvSpPr>
+        <p:spPr>
+          <a:xfrm>
+            <a:off x="10290802" y="6527714"/>
+            <a:ext cx="1104388" cy="330286"/>
+          </a:xfrm>
+          <a:prstGeom prst="rect">
+            <a:avLst/>
+          </a:prstGeom>
+        </p:spPr>
         <p:txBody>
           <a:bodyPr vert="horz" lIns="91440" tIns="45720" rIns="91440" bIns="45720" rtlCol="0">
-            <a:normAutofit fontScale="62500" lnSpcReduction="20000"/>
+            <a:normAutofit/>
           </a:bodyPr>
           <a:lstStyle>
             <a:lvl1pPr marL="0" indent="0" algn="ctr" defTabSz="914400" rtl="0" eaLnBrk="1" latinLnBrk="0" hangingPunct="1">
@@ -17666,117 +19119,17 @@
             </a:lvl9pPr>
           </a:lstStyle>
           <a:p>
-            <a:pPr algn="l"/>
-            <a:r>
-              <a:rPr lang="en-US" sz="3800" b="1" dirty="0">
-                <a:solidFill>
-                  <a:schemeClr val="tx2"/>
-                </a:solidFill>
-                <a:latin typeface="+mj-lt"/>
-              </a:rPr>
-              <a:t>Improved Productivity &amp; Efficiency:</a:t>
-            </a:r>
-          </a:p>
-          <a:p>
-            <a:pPr lvl="1"/>
-            <a:r>
-              <a:rPr lang="en-US" sz="3800" dirty="0">
-                <a:solidFill>
-                  <a:schemeClr val="tx2"/>
-                </a:solidFill>
-                <a:latin typeface="+mj-lt"/>
-              </a:rPr>
-              <a:t>Call summary analysis can enhance both call center productivity and overall efficiency.</a:t>
-            </a:r>
-          </a:p>
-          <a:p>
-            <a:pPr algn="l"/>
-            <a:r>
-              <a:rPr lang="en-US" sz="3800" b="1" dirty="0">
-                <a:solidFill>
-                  <a:schemeClr val="tx2"/>
-                </a:solidFill>
-                <a:latin typeface="+mj-lt"/>
-              </a:rPr>
-              <a:t>Performance-Based Compensation:</a:t>
-            </a:r>
-          </a:p>
-          <a:p>
-            <a:pPr lvl="1"/>
-            <a:r>
-              <a:rPr lang="en-US" sz="3800" dirty="0">
-                <a:solidFill>
-                  <a:schemeClr val="tx2"/>
-                </a:solidFill>
-                <a:latin typeface="+mj-lt"/>
-              </a:rPr>
-              <a:t>Streamlined operations could lead to improved pay structures based on performance and growth metrics.</a:t>
-            </a:r>
-          </a:p>
-          <a:p>
-            <a:pPr algn="l"/>
-            <a:r>
-              <a:rPr lang="en-US" sz="3800" b="1" dirty="0">
-                <a:solidFill>
-                  <a:schemeClr val="tx2"/>
-                </a:solidFill>
-                <a:latin typeface="+mj-lt"/>
-              </a:rPr>
-              <a:t>Real-Time Implementation:</a:t>
-            </a:r>
-          </a:p>
-          <a:p>
-            <a:pPr lvl="1"/>
-            <a:r>
-              <a:rPr lang="en-US" sz="3800" dirty="0">
-                <a:solidFill>
-                  <a:schemeClr val="tx2"/>
-                </a:solidFill>
-                <a:latin typeface="+mj-lt"/>
-              </a:rPr>
-              <a:t>The entire process can be deployed in real time by integrating with an event hub, pipeline orchestration layer, and data transformation layer.</a:t>
-            </a:r>
-          </a:p>
-          <a:p>
-            <a:pPr algn="l"/>
-            <a:r>
-              <a:rPr lang="en-US" sz="3800" b="1" dirty="0">
-                <a:solidFill>
-                  <a:schemeClr val="tx2"/>
-                </a:solidFill>
-                <a:latin typeface="+mj-lt"/>
-              </a:rPr>
-              <a:t>Cloud Integration Flexibility:</a:t>
-            </a:r>
-          </a:p>
-          <a:p>
-            <a:pPr lvl="1"/>
-            <a:r>
-              <a:rPr lang="en-US" sz="3800" dirty="0">
-                <a:solidFill>
-                  <a:schemeClr val="tx2"/>
-                </a:solidFill>
-                <a:latin typeface="+mj-lt"/>
-              </a:rPr>
-              <a:t>The solution can seamlessly integrate with cloud platforms such as AWS, Azure, and GCP, ensuring scalability and flexibility.</a:t>
-            </a:r>
-            <a:endParaRPr lang="en-US" sz="3800" dirty="0">
-              <a:solidFill>
-                <a:srgbClr val="CCCCCC"/>
-              </a:solidFill>
-              <a:latin typeface="+mj-lt"/>
-            </a:endParaRPr>
-          </a:p>
-          <a:p>
-            <a:pPr algn="l"/>
-            <a:endParaRPr lang="en-US" sz="2000" dirty="0"/>
+            <a:r>
+              <a:rPr lang="en-US" b="1" dirty="0"/>
+              <a:t>Contd…</a:t>
+            </a:r>
           </a:p>
         </p:txBody>
       </p:sp>
     </p:spTree>
     <p:extLst>
       <p:ext uri="{BB962C8B-B14F-4D97-AF65-F5344CB8AC3E}">
-        <p14:creationId xmlns:p14="http://schemas.microsoft.com/office/powerpoint/2010/main" val="3637083660"/>
+        <p14:creationId xmlns:p14="http://schemas.microsoft.com/office/powerpoint/2010/main" val="375745645"/>
       </p:ext>
     </p:extLst>
   </p:cSld>
@@ -17831,7 +19184,7 @@
           <a:p>
             <a:r>
               <a:rPr lang="en-US" dirty="0"/>
-              <a:t>Challenges</a:t>
+              <a:t>walkthrough</a:t>
             </a:r>
           </a:p>
         </p:txBody>
@@ -17873,68 +19226,13 @@
             </a:endParaRPr>
           </a:p>
           <a:p>
-            <a:pPr marL="514350" indent="-514350" algn="l">
-              <a:buAutoNum type="arabicPeriod"/>
-            </a:pPr>
-            <a:r>
-              <a:rPr lang="en-US" sz="2400" dirty="0">
-                <a:solidFill>
-                  <a:schemeClr val="tx1"/>
-                </a:solidFill>
-                <a:latin typeface="Consolas" panose="020B0609020204030204" pitchFamily="49" charset="0"/>
-              </a:rPr>
-              <a:t>For certain cases the IBM </a:t>
-            </a:r>
-            <a:r>
-              <a:rPr lang="en-US" sz="2400" dirty="0" err="1">
-                <a:solidFill>
-                  <a:schemeClr val="tx1"/>
-                </a:solidFill>
-                <a:latin typeface="Consolas" panose="020B0609020204030204" pitchFamily="49" charset="0"/>
-              </a:rPr>
-              <a:t>Granaite</a:t>
-            </a:r>
-            <a:r>
-              <a:rPr lang="en-US" sz="2400" dirty="0">
-                <a:solidFill>
-                  <a:schemeClr val="tx1"/>
-                </a:solidFill>
-                <a:latin typeface="Consolas" panose="020B0609020204030204" pitchFamily="49" charset="0"/>
-              </a:rPr>
-              <a:t> model’s was given incorrect/no response while using sentiment analysis Compared to Llama model. </a:t>
-            </a:r>
-          </a:p>
-          <a:p>
-            <a:pPr marL="514350" indent="-514350" algn="l">
-              <a:buAutoNum type="arabicPeriod"/>
-            </a:pPr>
-            <a:r>
-              <a:rPr lang="en-US" sz="2400" dirty="0">
-                <a:solidFill>
-                  <a:schemeClr val="tx1"/>
-                </a:solidFill>
-                <a:latin typeface="Consolas" panose="020B0609020204030204" pitchFamily="49" charset="0"/>
-              </a:rPr>
-              <a:t>Even though prompts are well written </a:t>
-            </a:r>
-            <a:r>
-              <a:rPr lang="en-US" sz="2400" dirty="0" err="1">
-                <a:solidFill>
-                  <a:schemeClr val="tx1"/>
-                </a:solidFill>
-                <a:latin typeface="Consolas" panose="020B0609020204030204" pitchFamily="49" charset="0"/>
-              </a:rPr>
-              <a:t>Granaite</a:t>
-            </a:r>
-            <a:r>
-              <a:rPr lang="en-US" sz="2400" dirty="0">
-                <a:solidFill>
-                  <a:schemeClr val="tx1"/>
-                </a:solidFill>
-                <a:latin typeface="Consolas" panose="020B0609020204030204" pitchFamily="49" charset="0"/>
-              </a:rPr>
-              <a:t> model provides redundant information while comparing with Llama or Open AI, GPT models. </a:t>
-            </a:r>
+            <a:pPr algn="l"/>
+            <a:endParaRPr lang="en-US" sz="2800" dirty="0">
+              <a:solidFill>
+                <a:srgbClr val="CE9178"/>
+              </a:solidFill>
+              <a:latin typeface="Consolas" panose="020B0609020204030204" pitchFamily="49" charset="0"/>
+            </a:endParaRPr>
           </a:p>
           <a:p>
             <a:pPr algn="l"/>
@@ -17987,10 +19285,289 @@
           </a:p>
         </p:txBody>
       </p:sp>
+      <p:sp>
+        <p:nvSpPr>
+          <p:cNvPr id="4" name="Text Placeholder 2">
+            <a:extLst>
+              <a:ext uri="{FF2B5EF4-FFF2-40B4-BE49-F238E27FC236}">
+                <a16:creationId xmlns:a16="http://schemas.microsoft.com/office/drawing/2014/main" id="{D0157036-1F41-7B05-C6B8-E7F5D95E6721}"/>
+              </a:ext>
+            </a:extLst>
+          </p:cNvPr>
+          <p:cNvSpPr>
+            <a:spLocks noGrp="1"/>
+          </p:cNvSpPr>
+          <p:nvPr>
+            <p:ph type="body" sz="quarter" idx="13"/>
+          </p:nvPr>
+        </p:nvSpPr>
+        <p:spPr>
+          <a:xfrm>
+            <a:off x="616125" y="1623785"/>
+            <a:ext cx="5251275" cy="379186"/>
+          </a:xfrm>
+        </p:spPr>
+        <p:txBody>
+          <a:bodyPr>
+            <a:normAutofit/>
+          </a:bodyPr>
+          <a:lstStyle/>
+          <a:p>
+            <a:r>
+              <a:rPr lang="en-US" dirty="0"/>
+              <a:t>Customer Sentiment by Day (Plotly)</a:t>
+            </a:r>
+          </a:p>
+        </p:txBody>
+      </p:sp>
+      <p:pic>
+        <p:nvPicPr>
+          <p:cNvPr id="10" name="Picture 9">
+            <a:extLst>
+              <a:ext uri="{FF2B5EF4-FFF2-40B4-BE49-F238E27FC236}">
+                <a16:creationId xmlns:a16="http://schemas.microsoft.com/office/drawing/2014/main" id="{2BDD68FB-13C6-865F-BB62-C8FF75EE4D85}"/>
+              </a:ext>
+            </a:extLst>
+          </p:cNvPr>
+          <p:cNvPicPr>
+            <a:picLocks noChangeAspect="1"/>
+          </p:cNvPicPr>
+          <p:nvPr/>
+        </p:nvPicPr>
+        <p:blipFill>
+          <a:blip r:embed="rId2"/>
+          <a:stretch>
+            <a:fillRect/>
+          </a:stretch>
+        </p:blipFill>
+        <p:spPr>
+          <a:xfrm>
+            <a:off x="983787" y="2123525"/>
+            <a:ext cx="9967241" cy="4121950"/>
+          </a:xfrm>
+          <a:prstGeom prst="rect">
+            <a:avLst/>
+          </a:prstGeom>
+        </p:spPr>
+      </p:pic>
+      <p:sp>
+        <p:nvSpPr>
+          <p:cNvPr id="11" name="Text Placeholder 7">
+            <a:extLst>
+              <a:ext uri="{FF2B5EF4-FFF2-40B4-BE49-F238E27FC236}">
+                <a16:creationId xmlns:a16="http://schemas.microsoft.com/office/drawing/2014/main" id="{9DBA8483-396A-0D04-8D4D-5782611493C4}"/>
+              </a:ext>
+            </a:extLst>
+          </p:cNvPr>
+          <p:cNvSpPr txBox="1">
+            <a:spLocks/>
+          </p:cNvSpPr>
+          <p:nvPr/>
+        </p:nvSpPr>
+        <p:spPr>
+          <a:xfrm>
+            <a:off x="9751647" y="6356350"/>
+            <a:ext cx="1104388" cy="330286"/>
+          </a:xfrm>
+          <a:prstGeom prst="rect">
+            <a:avLst/>
+          </a:prstGeom>
+        </p:spPr>
+        <p:txBody>
+          <a:bodyPr vert="horz" lIns="91440" tIns="45720" rIns="91440" bIns="45720" rtlCol="0">
+            <a:normAutofit/>
+          </a:bodyPr>
+          <a:lstStyle>
+            <a:lvl1pPr marL="0" indent="0" algn="ctr" defTabSz="914400" rtl="0" eaLnBrk="1" latinLnBrk="0" hangingPunct="1">
+              <a:lnSpc>
+                <a:spcPct val="100000"/>
+              </a:lnSpc>
+              <a:spcBef>
+                <a:spcPts val="1000"/>
+              </a:spcBef>
+              <a:buFont typeface="Arial" panose="020B0604020202020204" pitchFamily="34" charset="0"/>
+              <a:buNone/>
+              <a:defRPr sz="1400" kern="1200">
+                <a:solidFill>
+                  <a:schemeClr val="tx1">
+                    <a:lumMod val="75000"/>
+                    <a:lumOff val="25000"/>
+                  </a:schemeClr>
+                </a:solidFill>
+                <a:latin typeface="+mn-lt"/>
+                <a:ea typeface="+mn-ea"/>
+                <a:cs typeface="+mn-cs"/>
+              </a:defRPr>
+            </a:lvl1pPr>
+            <a:lvl2pPr marL="685800" indent="-228600" algn="l" defTabSz="914400" rtl="0" eaLnBrk="1" latinLnBrk="0" hangingPunct="1">
+              <a:lnSpc>
+                <a:spcPct val="90000"/>
+              </a:lnSpc>
+              <a:spcBef>
+                <a:spcPts val="500"/>
+              </a:spcBef>
+              <a:buFont typeface="Arial" panose="020B0604020202020204" pitchFamily="34" charset="0"/>
+              <a:buChar char="•"/>
+              <a:defRPr sz="2400" kern="1200">
+                <a:solidFill>
+                  <a:schemeClr val="tx1">
+                    <a:lumMod val="75000"/>
+                    <a:lumOff val="25000"/>
+                  </a:schemeClr>
+                </a:solidFill>
+                <a:latin typeface="+mn-lt"/>
+                <a:ea typeface="+mn-ea"/>
+                <a:cs typeface="+mn-cs"/>
+              </a:defRPr>
+            </a:lvl2pPr>
+            <a:lvl3pPr marL="1143000" indent="-228600" algn="l" defTabSz="914400" rtl="0" eaLnBrk="1" latinLnBrk="0" hangingPunct="1">
+              <a:lnSpc>
+                <a:spcPct val="90000"/>
+              </a:lnSpc>
+              <a:spcBef>
+                <a:spcPts val="500"/>
+              </a:spcBef>
+              <a:buFont typeface="Arial" panose="020B0604020202020204" pitchFamily="34" charset="0"/>
+              <a:buChar char="•"/>
+              <a:defRPr sz="2000" kern="1200">
+                <a:solidFill>
+                  <a:schemeClr val="tx1">
+                    <a:lumMod val="75000"/>
+                    <a:lumOff val="25000"/>
+                  </a:schemeClr>
+                </a:solidFill>
+                <a:latin typeface="+mn-lt"/>
+                <a:ea typeface="+mn-ea"/>
+                <a:cs typeface="+mn-cs"/>
+              </a:defRPr>
+            </a:lvl3pPr>
+            <a:lvl4pPr marL="1600200" indent="-228600" algn="l" defTabSz="914400" rtl="0" eaLnBrk="1" latinLnBrk="0" hangingPunct="1">
+              <a:lnSpc>
+                <a:spcPct val="90000"/>
+              </a:lnSpc>
+              <a:spcBef>
+                <a:spcPts val="500"/>
+              </a:spcBef>
+              <a:buFont typeface="Arial" panose="020B0604020202020204" pitchFamily="34" charset="0"/>
+              <a:buChar char="•"/>
+              <a:defRPr sz="1800" kern="1200">
+                <a:solidFill>
+                  <a:schemeClr val="tx1">
+                    <a:lumMod val="75000"/>
+                    <a:lumOff val="25000"/>
+                  </a:schemeClr>
+                </a:solidFill>
+                <a:latin typeface="+mn-lt"/>
+                <a:ea typeface="+mn-ea"/>
+                <a:cs typeface="+mn-cs"/>
+              </a:defRPr>
+            </a:lvl4pPr>
+            <a:lvl5pPr marL="2057400" indent="-228600" algn="l" defTabSz="914400" rtl="0" eaLnBrk="1" latinLnBrk="0" hangingPunct="1">
+              <a:lnSpc>
+                <a:spcPct val="90000"/>
+              </a:lnSpc>
+              <a:spcBef>
+                <a:spcPts val="500"/>
+              </a:spcBef>
+              <a:buFont typeface="Arial" panose="020B0604020202020204" pitchFamily="34" charset="0"/>
+              <a:buChar char="•"/>
+              <a:defRPr sz="1800" kern="1200">
+                <a:solidFill>
+                  <a:schemeClr val="tx1">
+                    <a:lumMod val="75000"/>
+                    <a:lumOff val="25000"/>
+                  </a:schemeClr>
+                </a:solidFill>
+                <a:latin typeface="+mn-lt"/>
+                <a:ea typeface="+mn-ea"/>
+                <a:cs typeface="+mn-cs"/>
+              </a:defRPr>
+            </a:lvl5pPr>
+            <a:lvl6pPr marL="2514600" indent="-228600" algn="l" defTabSz="914400" rtl="0" eaLnBrk="1" latinLnBrk="0" hangingPunct="1">
+              <a:lnSpc>
+                <a:spcPct val="90000"/>
+              </a:lnSpc>
+              <a:spcBef>
+                <a:spcPts val="500"/>
+              </a:spcBef>
+              <a:buFont typeface="Arial" panose="020B0604020202020204" pitchFamily="34" charset="0"/>
+              <a:buChar char="•"/>
+              <a:defRPr sz="1800" kern="1200">
+                <a:solidFill>
+                  <a:schemeClr val="tx1"/>
+                </a:solidFill>
+                <a:latin typeface="+mn-lt"/>
+                <a:ea typeface="+mn-ea"/>
+                <a:cs typeface="+mn-cs"/>
+              </a:defRPr>
+            </a:lvl6pPr>
+            <a:lvl7pPr marL="2971800" indent="-228600" algn="l" defTabSz="914400" rtl="0" eaLnBrk="1" latinLnBrk="0" hangingPunct="1">
+              <a:lnSpc>
+                <a:spcPct val="90000"/>
+              </a:lnSpc>
+              <a:spcBef>
+                <a:spcPts val="500"/>
+              </a:spcBef>
+              <a:buFont typeface="Arial" panose="020B0604020202020204" pitchFamily="34" charset="0"/>
+              <a:buChar char="•"/>
+              <a:defRPr sz="1800" kern="1200">
+                <a:solidFill>
+                  <a:schemeClr val="tx1"/>
+                </a:solidFill>
+                <a:latin typeface="+mn-lt"/>
+                <a:ea typeface="+mn-ea"/>
+                <a:cs typeface="+mn-cs"/>
+              </a:defRPr>
+            </a:lvl7pPr>
+            <a:lvl8pPr marL="3429000" indent="-228600" algn="l" defTabSz="914400" rtl="0" eaLnBrk="1" latinLnBrk="0" hangingPunct="1">
+              <a:lnSpc>
+                <a:spcPct val="90000"/>
+              </a:lnSpc>
+              <a:spcBef>
+                <a:spcPts val="500"/>
+              </a:spcBef>
+              <a:buFont typeface="Arial" panose="020B0604020202020204" pitchFamily="34" charset="0"/>
+              <a:buChar char="•"/>
+              <a:defRPr sz="1800" kern="1200">
+                <a:solidFill>
+                  <a:schemeClr val="tx1"/>
+                </a:solidFill>
+                <a:latin typeface="+mn-lt"/>
+                <a:ea typeface="+mn-ea"/>
+                <a:cs typeface="+mn-cs"/>
+              </a:defRPr>
+            </a:lvl8pPr>
+            <a:lvl9pPr marL="3886200" indent="-228600" algn="l" defTabSz="914400" rtl="0" eaLnBrk="1" latinLnBrk="0" hangingPunct="1">
+              <a:lnSpc>
+                <a:spcPct val="90000"/>
+              </a:lnSpc>
+              <a:spcBef>
+                <a:spcPts val="500"/>
+              </a:spcBef>
+              <a:buFont typeface="Arial" panose="020B0604020202020204" pitchFamily="34" charset="0"/>
+              <a:buChar char="•"/>
+              <a:defRPr sz="1800" kern="1200">
+                <a:solidFill>
+                  <a:schemeClr val="tx1"/>
+                </a:solidFill>
+                <a:latin typeface="+mn-lt"/>
+                <a:ea typeface="+mn-ea"/>
+                <a:cs typeface="+mn-cs"/>
+              </a:defRPr>
+            </a:lvl9pPr>
+          </a:lstStyle>
+          <a:p>
+            <a:r>
+              <a:rPr lang="en-US" b="1" dirty="0"/>
+              <a:t>Contd…</a:t>
+            </a:r>
+          </a:p>
+        </p:txBody>
+      </p:sp>
     </p:spTree>
     <p:extLst>
       <p:ext uri="{BB962C8B-B14F-4D97-AF65-F5344CB8AC3E}">
-        <p14:creationId xmlns:p14="http://schemas.microsoft.com/office/powerpoint/2010/main" val="2516776324"/>
+        <p14:creationId xmlns:p14="http://schemas.microsoft.com/office/powerpoint/2010/main" val="2607282640"/>
       </p:ext>
     </p:extLst>
   </p:cSld>
@@ -18022,7 +19599,7 @@
           <p:cNvPr id="2" name="Title 1">
             <a:extLst>
               <a:ext uri="{FF2B5EF4-FFF2-40B4-BE49-F238E27FC236}">
-                <a16:creationId xmlns:a16="http://schemas.microsoft.com/office/drawing/2014/main" id="{27A6F7BB-30A8-4980-AD4A-2FB0B53FA6C9}"/>
+                <a16:creationId xmlns:a16="http://schemas.microsoft.com/office/drawing/2014/main" id="{75031FE9-9059-4FE8-B4AC-9771F23A1B89}"/>
               </a:ext>
             </a:extLst>
           </p:cNvPr>
@@ -18035,7 +19612,7 @@
         </p:nvSpPr>
         <p:spPr>
           <a:xfrm>
-            <a:off x="1885156" y="892177"/>
+            <a:off x="1825285" y="308201"/>
             <a:ext cx="8421688" cy="1325563"/>
           </a:xfrm>
         </p:spPr>
@@ -18045,431 +19622,86 @@
           <a:p>
             <a:r>
               <a:rPr lang="en-US" dirty="0"/>
-              <a:t>MEET THE TEAM</a:t>
-            </a:r>
-          </a:p>
-        </p:txBody>
-      </p:sp>
-      <p:pic>
-        <p:nvPicPr>
-          <p:cNvPr id="26" name="Picture Placeholder 25" descr="Team member headshot">
-            <a:extLst>
-              <a:ext uri="{FF2B5EF4-FFF2-40B4-BE49-F238E27FC236}">
-                <a16:creationId xmlns:a16="http://schemas.microsoft.com/office/drawing/2014/main" id="{E287A61C-B7FB-4B69-97E7-7B7AFC8A5D33}"/>
-              </a:ext>
-            </a:extLst>
-          </p:cNvPr>
-          <p:cNvPicPr>
-            <a:picLocks noGrp="1" noChangeAspect="1"/>
-          </p:cNvPicPr>
-          <p:nvPr>
-            <p:ph type="pic" sz="quarter" idx="14"/>
-          </p:nvPr>
-        </p:nvPicPr>
-        <p:blipFill rotWithShape="1">
-          <a:blip r:embed="rId2">
-            <a:extLst>
-              <a:ext uri="{28A0092B-C50C-407E-A947-70E740481C1C}">
-                <a14:useLocalDpi xmlns:a14="http://schemas.microsoft.com/office/drawing/2010/main" val="0"/>
-              </a:ext>
-            </a:extLst>
-          </a:blip>
-          <a:srcRect/>
-          <a:stretch/>
-        </p:blipFill>
-        <p:spPr>
-          <a:xfrm>
-            <a:off x="1487181" y="2886074"/>
-            <a:ext cx="1845511" cy="1845511"/>
-          </a:xfrm>
-        </p:spPr>
-      </p:pic>
-      <p:pic>
-        <p:nvPicPr>
-          <p:cNvPr id="47" name="Picture Placeholder 46" descr="Team member headshot">
-            <a:extLst>
-              <a:ext uri="{FF2B5EF4-FFF2-40B4-BE49-F238E27FC236}">
-                <a16:creationId xmlns:a16="http://schemas.microsoft.com/office/drawing/2014/main" id="{8AF5260A-2860-4F88-BA4D-70530D3E14AA}"/>
-              </a:ext>
-            </a:extLst>
-          </p:cNvPr>
-          <p:cNvPicPr>
-            <a:picLocks noGrp="1" noChangeAspect="1"/>
-          </p:cNvPicPr>
-          <p:nvPr>
-            <p:ph type="pic" sz="quarter" idx="15"/>
-          </p:nvPr>
-        </p:nvPicPr>
-        <p:blipFill rotWithShape="1">
-          <a:blip r:embed="rId3">
-            <a:extLst>
-              <a:ext uri="{28A0092B-C50C-407E-A947-70E740481C1C}">
-                <a14:useLocalDpi xmlns:a14="http://schemas.microsoft.com/office/drawing/2010/main" val="0"/>
-              </a:ext>
-            </a:extLst>
-          </a:blip>
-          <a:srcRect/>
-          <a:stretch/>
-        </p:blipFill>
-        <p:spPr>
-          <a:xfrm>
-            <a:off x="3836914" y="2886074"/>
-            <a:ext cx="1845511" cy="1845511"/>
-          </a:xfrm>
-        </p:spPr>
-      </p:pic>
-      <p:pic>
-        <p:nvPicPr>
-          <p:cNvPr id="45" name="Picture Placeholder 44" descr="Team member headshot">
-            <a:extLst>
-              <a:ext uri="{FF2B5EF4-FFF2-40B4-BE49-F238E27FC236}">
-                <a16:creationId xmlns:a16="http://schemas.microsoft.com/office/drawing/2014/main" id="{4442FA67-BF04-4E45-BFD9-78BF43789E09}"/>
-              </a:ext>
-            </a:extLst>
-          </p:cNvPr>
-          <p:cNvPicPr>
-            <a:picLocks noGrp="1" noChangeAspect="1"/>
-          </p:cNvPicPr>
-          <p:nvPr>
-            <p:ph type="pic" sz="quarter" idx="16"/>
-          </p:nvPr>
-        </p:nvPicPr>
-        <p:blipFill rotWithShape="1">
-          <a:blip r:embed="rId4">
-            <a:extLst>
-              <a:ext uri="{28A0092B-C50C-407E-A947-70E740481C1C}">
-                <a14:useLocalDpi xmlns:a14="http://schemas.microsoft.com/office/drawing/2010/main" val="0"/>
-              </a:ext>
-            </a:extLst>
-          </a:blip>
-          <a:srcRect/>
-          <a:stretch/>
-        </p:blipFill>
-        <p:spPr>
-          <a:xfrm>
-            <a:off x="6327578" y="2886074"/>
-            <a:ext cx="1845511" cy="1845511"/>
-          </a:xfrm>
-        </p:spPr>
-      </p:pic>
-      <p:pic>
-        <p:nvPicPr>
-          <p:cNvPr id="43" name="Picture Placeholder 42" descr="Team member headshot">
-            <a:extLst>
-              <a:ext uri="{FF2B5EF4-FFF2-40B4-BE49-F238E27FC236}">
-                <a16:creationId xmlns:a16="http://schemas.microsoft.com/office/drawing/2014/main" id="{F328CD15-EA0E-49AD-A3C6-5798A372AA53}"/>
-              </a:ext>
-            </a:extLst>
-          </p:cNvPr>
-          <p:cNvPicPr>
-            <a:picLocks noGrp="1" noChangeAspect="1"/>
-          </p:cNvPicPr>
-          <p:nvPr>
-            <p:ph type="pic" sz="quarter" idx="17"/>
-          </p:nvPr>
-        </p:nvPicPr>
-        <p:blipFill rotWithShape="1">
-          <a:blip r:embed="rId5">
-            <a:extLst>
-              <a:ext uri="{28A0092B-C50C-407E-A947-70E740481C1C}">
-                <a14:useLocalDpi xmlns:a14="http://schemas.microsoft.com/office/drawing/2010/main" val="0"/>
-              </a:ext>
-            </a:extLst>
-          </a:blip>
-          <a:srcRect/>
-          <a:stretch/>
-        </p:blipFill>
-        <p:spPr>
-          <a:xfrm>
-            <a:off x="8747458" y="2886074"/>
-            <a:ext cx="1845511" cy="1845511"/>
-          </a:xfrm>
-        </p:spPr>
-      </p:pic>
-      <p:sp>
-        <p:nvSpPr>
-          <p:cNvPr id="24" name="Text Placeholder 23">
-            <a:extLst>
-              <a:ext uri="{FF2B5EF4-FFF2-40B4-BE49-F238E27FC236}">
-                <a16:creationId xmlns:a16="http://schemas.microsoft.com/office/drawing/2014/main" id="{7BAD1FFF-8B97-4CD1-85E7-B7738EAD28CD}"/>
-              </a:ext>
-            </a:extLst>
-          </p:cNvPr>
-          <p:cNvSpPr>
-            <a:spLocks noGrp="1"/>
-          </p:cNvSpPr>
-          <p:nvPr>
-            <p:ph type="body" idx="1"/>
-          </p:nvPr>
-        </p:nvSpPr>
-        <p:spPr>
-          <a:xfrm>
-            <a:off x="1343248" y="5084524"/>
-            <a:ext cx="2123743" cy="343061"/>
-          </a:xfrm>
-        </p:spPr>
-        <p:txBody>
-          <a:bodyPr/>
+              <a:t>walkthrough</a:t>
+            </a:r>
+          </a:p>
+        </p:txBody>
+      </p:sp>
+      <p:sp>
+        <p:nvSpPr>
+          <p:cNvPr id="8" name="Text Placeholder 7">
+            <a:extLst>
+              <a:ext uri="{FF2B5EF4-FFF2-40B4-BE49-F238E27FC236}">
+                <a16:creationId xmlns:a16="http://schemas.microsoft.com/office/drawing/2014/main" id="{51C26CE0-2506-4B44-A26F-C12BFA5B18B5}"/>
+              </a:ext>
+            </a:extLst>
+          </p:cNvPr>
+          <p:cNvSpPr>
+            <a:spLocks noGrp="1"/>
+          </p:cNvSpPr>
+          <p:nvPr>
+            <p:ph type="body" sz="quarter" idx="19"/>
+          </p:nvPr>
+        </p:nvSpPr>
+        <p:spPr>
+          <a:xfrm>
+            <a:off x="206829" y="1633764"/>
+            <a:ext cx="11658600" cy="3941080"/>
+          </a:xfrm>
+        </p:spPr>
+        <p:txBody>
+          <a:bodyPr>
+            <a:normAutofit/>
+          </a:bodyPr>
           <a:lstStyle/>
           <a:p>
-            <a:r>
-              <a:rPr lang="en-US" dirty="0"/>
-              <a:t>TAKUMA HAYASHI​</a:t>
-            </a:r>
-          </a:p>
-        </p:txBody>
-      </p:sp>
-      <p:sp>
-        <p:nvSpPr>
-          <p:cNvPr id="33" name="Text Placeholder 32">
-            <a:extLst>
-              <a:ext uri="{FF2B5EF4-FFF2-40B4-BE49-F238E27FC236}">
-                <a16:creationId xmlns:a16="http://schemas.microsoft.com/office/drawing/2014/main" id="{10C8C8C1-99D8-4034-A628-DECEB703BA1D}"/>
-              </a:ext>
-            </a:extLst>
-          </p:cNvPr>
-          <p:cNvSpPr>
-            <a:spLocks noGrp="1"/>
-          </p:cNvSpPr>
-          <p:nvPr>
-            <p:ph type="body" idx="18"/>
-          </p:nvPr>
-        </p:nvSpPr>
-        <p:spPr>
-          <a:xfrm>
-            <a:off x="3692980" y="5099206"/>
-            <a:ext cx="2135755" cy="343061"/>
-          </a:xfrm>
-        </p:spPr>
-        <p:txBody>
-          <a:bodyPr/>
-          <a:lstStyle/>
-          <a:p>
-            <a:r>
-              <a:rPr lang="en-US" dirty="0"/>
-              <a:t>MIRJAM NILSSON​</a:t>
-            </a:r>
-          </a:p>
-        </p:txBody>
-      </p:sp>
-      <p:sp>
-        <p:nvSpPr>
-          <p:cNvPr id="34" name="Text Placeholder 33">
-            <a:extLst>
-              <a:ext uri="{FF2B5EF4-FFF2-40B4-BE49-F238E27FC236}">
-                <a16:creationId xmlns:a16="http://schemas.microsoft.com/office/drawing/2014/main" id="{08CA58D6-00FD-4D81-A0F6-215C4D558912}"/>
-              </a:ext>
-            </a:extLst>
-          </p:cNvPr>
-          <p:cNvSpPr>
-            <a:spLocks noGrp="1"/>
-          </p:cNvSpPr>
-          <p:nvPr>
-            <p:ph type="body" idx="19"/>
-          </p:nvPr>
-        </p:nvSpPr>
-        <p:spPr>
-          <a:xfrm>
-            <a:off x="6183644" y="5099206"/>
-            <a:ext cx="2123743" cy="343061"/>
-          </a:xfrm>
-        </p:spPr>
-        <p:txBody>
-          <a:bodyPr/>
-          <a:lstStyle/>
-          <a:p>
-            <a:r>
-              <a:rPr lang="en-US" dirty="0"/>
-              <a:t>FLORA BERGGREN​</a:t>
-            </a:r>
-          </a:p>
-        </p:txBody>
-      </p:sp>
-      <p:sp>
-        <p:nvSpPr>
-          <p:cNvPr id="35" name="Text Placeholder 34">
-            <a:extLst>
-              <a:ext uri="{FF2B5EF4-FFF2-40B4-BE49-F238E27FC236}">
-                <a16:creationId xmlns:a16="http://schemas.microsoft.com/office/drawing/2014/main" id="{60D37431-6A3A-47F6-A367-B5ADCF66AE37}"/>
-              </a:ext>
-            </a:extLst>
-          </p:cNvPr>
-          <p:cNvSpPr>
-            <a:spLocks noGrp="1"/>
-          </p:cNvSpPr>
-          <p:nvPr>
-            <p:ph type="body" idx="20"/>
-          </p:nvPr>
-        </p:nvSpPr>
-        <p:spPr>
-          <a:xfrm>
-            <a:off x="8603525" y="5084524"/>
-            <a:ext cx="2123742" cy="343061"/>
-          </a:xfrm>
-        </p:spPr>
-        <p:txBody>
-          <a:bodyPr/>
-          <a:lstStyle/>
-          <a:p>
-            <a:r>
-              <a:rPr lang="en-US" dirty="0"/>
-              <a:t>RAJESH SANTOSHI​</a:t>
-            </a:r>
-          </a:p>
-        </p:txBody>
-      </p:sp>
-      <p:sp>
-        <p:nvSpPr>
-          <p:cNvPr id="36" name="Text Placeholder 35">
-            <a:extLst>
-              <a:ext uri="{FF2B5EF4-FFF2-40B4-BE49-F238E27FC236}">
-                <a16:creationId xmlns:a16="http://schemas.microsoft.com/office/drawing/2014/main" id="{B76FA389-A54D-4E4B-81DA-DBA175D78FEC}"/>
-              </a:ext>
-            </a:extLst>
-          </p:cNvPr>
-          <p:cNvSpPr>
-            <a:spLocks noGrp="1"/>
-          </p:cNvSpPr>
-          <p:nvPr>
-            <p:ph type="body" idx="21"/>
-          </p:nvPr>
-        </p:nvSpPr>
-        <p:spPr>
-          <a:xfrm>
-            <a:off x="1487181" y="5464114"/>
-            <a:ext cx="1845511" cy="343061"/>
-          </a:xfrm>
-        </p:spPr>
-        <p:txBody>
-          <a:bodyPr/>
-          <a:lstStyle/>
-          <a:p>
-            <a:r>
-              <a:rPr lang="en-US" dirty="0"/>
-              <a:t>President</a:t>
-            </a:r>
-          </a:p>
-        </p:txBody>
-      </p:sp>
-      <p:sp>
-        <p:nvSpPr>
-          <p:cNvPr id="37" name="Text Placeholder 36">
-            <a:extLst>
-              <a:ext uri="{FF2B5EF4-FFF2-40B4-BE49-F238E27FC236}">
-                <a16:creationId xmlns:a16="http://schemas.microsoft.com/office/drawing/2014/main" id="{65786675-BFC6-4743-BFD3-D64691F771D8}"/>
-              </a:ext>
-            </a:extLst>
-          </p:cNvPr>
-          <p:cNvSpPr>
-            <a:spLocks noGrp="1"/>
-          </p:cNvSpPr>
-          <p:nvPr>
-            <p:ph type="body" idx="22"/>
-          </p:nvPr>
-        </p:nvSpPr>
-        <p:spPr>
-          <a:xfrm>
-            <a:off x="3836913" y="5478796"/>
-            <a:ext cx="1855949" cy="343061"/>
-          </a:xfrm>
-        </p:spPr>
-        <p:txBody>
-          <a:bodyPr/>
-          <a:lstStyle/>
-          <a:p>
-            <a:r>
-              <a:rPr lang="en-US" dirty="0"/>
-              <a:t>Chief Executive Officer</a:t>
-            </a:r>
-          </a:p>
-        </p:txBody>
-      </p:sp>
-      <p:sp>
-        <p:nvSpPr>
-          <p:cNvPr id="38" name="Text Placeholder 37">
-            <a:extLst>
-              <a:ext uri="{FF2B5EF4-FFF2-40B4-BE49-F238E27FC236}">
-                <a16:creationId xmlns:a16="http://schemas.microsoft.com/office/drawing/2014/main" id="{97062F49-F468-4EA6-B6BF-94BFF89FDCB7}"/>
-              </a:ext>
-            </a:extLst>
-          </p:cNvPr>
-          <p:cNvSpPr>
-            <a:spLocks noGrp="1"/>
-          </p:cNvSpPr>
-          <p:nvPr>
-            <p:ph type="body" idx="23"/>
-          </p:nvPr>
-        </p:nvSpPr>
-        <p:spPr>
-          <a:xfrm>
-            <a:off x="6327577" y="5478796"/>
-            <a:ext cx="1845511" cy="343061"/>
-          </a:xfrm>
-        </p:spPr>
-        <p:txBody>
-          <a:bodyPr/>
-          <a:lstStyle/>
-          <a:p>
-            <a:r>
-              <a:rPr lang="en-US" dirty="0"/>
-              <a:t>Chief Operations Officer</a:t>
-            </a:r>
-          </a:p>
-          <a:p>
-            <a:endParaRPr lang="en-US" dirty="0"/>
-          </a:p>
-        </p:txBody>
-      </p:sp>
-      <p:sp>
-        <p:nvSpPr>
-          <p:cNvPr id="39" name="Text Placeholder 38">
-            <a:extLst>
-              <a:ext uri="{FF2B5EF4-FFF2-40B4-BE49-F238E27FC236}">
-                <a16:creationId xmlns:a16="http://schemas.microsoft.com/office/drawing/2014/main" id="{59D9F00A-8CF0-41E8-9BB6-3B8ECDA55D49}"/>
-              </a:ext>
-            </a:extLst>
-          </p:cNvPr>
-          <p:cNvSpPr>
-            <a:spLocks noGrp="1"/>
-          </p:cNvSpPr>
-          <p:nvPr>
-            <p:ph type="body" idx="24"/>
-          </p:nvPr>
-        </p:nvSpPr>
-        <p:spPr>
-          <a:xfrm>
-            <a:off x="8747458" y="5464114"/>
-            <a:ext cx="1845510" cy="343061"/>
-          </a:xfrm>
-        </p:spPr>
-        <p:txBody>
-          <a:bodyPr/>
-          <a:lstStyle/>
-          <a:p>
-            <a:r>
-              <a:rPr lang="en-US" dirty="0"/>
-              <a:t>VP Marketing</a:t>
-            </a:r>
-          </a:p>
-          <a:p>
-            <a:endParaRPr lang="en-US" dirty="0"/>
-          </a:p>
-        </p:txBody>
-      </p:sp>
-      <p:sp>
-        <p:nvSpPr>
-          <p:cNvPr id="5" name="Slide Number Placeholder 4">
-            <a:extLst>
-              <a:ext uri="{FF2B5EF4-FFF2-40B4-BE49-F238E27FC236}">
-                <a16:creationId xmlns:a16="http://schemas.microsoft.com/office/drawing/2014/main" id="{46868410-BE8A-4C98-9C72-20D0A2A6A8B9}"/>
-              </a:ext>
-            </a:extLst>
-          </p:cNvPr>
-          <p:cNvSpPr>
-            <a:spLocks noGrp="1"/>
-          </p:cNvSpPr>
-          <p:nvPr>
-            <p:ph type="sldNum" sz="quarter" idx="12"/>
+            <a:pPr algn="l"/>
+            <a:endParaRPr lang="en-US" sz="2800" dirty="0">
+              <a:solidFill>
+                <a:srgbClr val="CE9178"/>
+              </a:solidFill>
+              <a:latin typeface="Consolas" panose="020B0609020204030204" pitchFamily="49" charset="0"/>
+            </a:endParaRPr>
+          </a:p>
+          <a:p>
+            <a:pPr algn="l"/>
+            <a:endParaRPr lang="en-US" sz="2800" dirty="0">
+              <a:solidFill>
+                <a:srgbClr val="CE9178"/>
+              </a:solidFill>
+              <a:latin typeface="Consolas" panose="020B0609020204030204" pitchFamily="49" charset="0"/>
+            </a:endParaRPr>
+          </a:p>
+          <a:p>
+            <a:pPr algn="l"/>
+            <a:endParaRPr lang="en-US" sz="2800" b="0" dirty="0">
+              <a:solidFill>
+                <a:srgbClr val="CCCCCC"/>
+              </a:solidFill>
+              <a:effectLst/>
+              <a:latin typeface="Consolas" panose="020B0609020204030204" pitchFamily="49" charset="0"/>
+            </a:endParaRPr>
+          </a:p>
+          <a:p>
+            <a:pPr algn="l"/>
+            <a:endParaRPr lang="en-US" sz="2000" dirty="0"/>
+          </a:p>
+        </p:txBody>
+      </p:sp>
+      <p:sp>
+        <p:nvSpPr>
+          <p:cNvPr id="82" name="Slide Number Placeholder 81">
+            <a:extLst>
+              <a:ext uri="{FF2B5EF4-FFF2-40B4-BE49-F238E27FC236}">
+                <a16:creationId xmlns:a16="http://schemas.microsoft.com/office/drawing/2014/main" id="{CE36A058-BEC2-4BC5-A467-F2EB2A365051}"/>
+              </a:ext>
+            </a:extLst>
+          </p:cNvPr>
+          <p:cNvSpPr>
+            <a:spLocks noGrp="1"/>
+          </p:cNvSpPr>
+          <p:nvPr>
+            <p:ph type="sldNum" sz="quarter" idx="22"/>
           </p:nvPr>
         </p:nvSpPr>
         <p:spPr>
@@ -18491,10 +19723,289 @@
           </a:p>
         </p:txBody>
       </p:sp>
+      <p:sp>
+        <p:nvSpPr>
+          <p:cNvPr id="4" name="Text Placeholder 2">
+            <a:extLst>
+              <a:ext uri="{FF2B5EF4-FFF2-40B4-BE49-F238E27FC236}">
+                <a16:creationId xmlns:a16="http://schemas.microsoft.com/office/drawing/2014/main" id="{D0157036-1F41-7B05-C6B8-E7F5D95E6721}"/>
+              </a:ext>
+            </a:extLst>
+          </p:cNvPr>
+          <p:cNvSpPr>
+            <a:spLocks noGrp="1"/>
+          </p:cNvSpPr>
+          <p:nvPr>
+            <p:ph type="body" sz="quarter" idx="13"/>
+          </p:nvPr>
+        </p:nvSpPr>
+        <p:spPr>
+          <a:xfrm>
+            <a:off x="616125" y="1623785"/>
+            <a:ext cx="5251275" cy="379186"/>
+          </a:xfrm>
+        </p:spPr>
+        <p:txBody>
+          <a:bodyPr>
+            <a:normAutofit fontScale="92500"/>
+          </a:bodyPr>
+          <a:lstStyle/>
+          <a:p>
+            <a:r>
+              <a:rPr lang="en-US" dirty="0"/>
+              <a:t>Top 10 User Interest (Categories) - Plotly</a:t>
+            </a:r>
+          </a:p>
+        </p:txBody>
+      </p:sp>
+      <p:pic>
+        <p:nvPicPr>
+          <p:cNvPr id="7" name="Picture 6">
+            <a:extLst>
+              <a:ext uri="{FF2B5EF4-FFF2-40B4-BE49-F238E27FC236}">
+                <a16:creationId xmlns:a16="http://schemas.microsoft.com/office/drawing/2014/main" id="{A9D9D5A1-003E-D40E-CF43-3171C948561C}"/>
+              </a:ext>
+            </a:extLst>
+          </p:cNvPr>
+          <p:cNvPicPr>
+            <a:picLocks noChangeAspect="1"/>
+          </p:cNvPicPr>
+          <p:nvPr/>
+        </p:nvPicPr>
+        <p:blipFill>
+          <a:blip r:embed="rId2"/>
+          <a:stretch>
+            <a:fillRect/>
+          </a:stretch>
+        </p:blipFill>
+        <p:spPr>
+          <a:xfrm>
+            <a:off x="720448" y="2233747"/>
+            <a:ext cx="10751103" cy="3587934"/>
+          </a:xfrm>
+          <a:prstGeom prst="rect">
+            <a:avLst/>
+          </a:prstGeom>
+        </p:spPr>
+      </p:pic>
+      <p:sp>
+        <p:nvSpPr>
+          <p:cNvPr id="9" name="Text Placeholder 7">
+            <a:extLst>
+              <a:ext uri="{FF2B5EF4-FFF2-40B4-BE49-F238E27FC236}">
+                <a16:creationId xmlns:a16="http://schemas.microsoft.com/office/drawing/2014/main" id="{05AE8AE1-411B-61EE-1515-2E03A9A3E437}"/>
+              </a:ext>
+            </a:extLst>
+          </p:cNvPr>
+          <p:cNvSpPr txBox="1">
+            <a:spLocks/>
+          </p:cNvSpPr>
+          <p:nvPr/>
+        </p:nvSpPr>
+        <p:spPr>
+          <a:xfrm>
+            <a:off x="9844202" y="6356350"/>
+            <a:ext cx="1104388" cy="330286"/>
+          </a:xfrm>
+          <a:prstGeom prst="rect">
+            <a:avLst/>
+          </a:prstGeom>
+        </p:spPr>
+        <p:txBody>
+          <a:bodyPr vert="horz" lIns="91440" tIns="45720" rIns="91440" bIns="45720" rtlCol="0">
+            <a:normAutofit/>
+          </a:bodyPr>
+          <a:lstStyle>
+            <a:lvl1pPr marL="0" indent="0" algn="ctr" defTabSz="914400" rtl="0" eaLnBrk="1" latinLnBrk="0" hangingPunct="1">
+              <a:lnSpc>
+                <a:spcPct val="100000"/>
+              </a:lnSpc>
+              <a:spcBef>
+                <a:spcPts val="1000"/>
+              </a:spcBef>
+              <a:buFont typeface="Arial" panose="020B0604020202020204" pitchFamily="34" charset="0"/>
+              <a:buNone/>
+              <a:defRPr sz="1400" kern="1200">
+                <a:solidFill>
+                  <a:schemeClr val="tx1">
+                    <a:lumMod val="75000"/>
+                    <a:lumOff val="25000"/>
+                  </a:schemeClr>
+                </a:solidFill>
+                <a:latin typeface="+mn-lt"/>
+                <a:ea typeface="+mn-ea"/>
+                <a:cs typeface="+mn-cs"/>
+              </a:defRPr>
+            </a:lvl1pPr>
+            <a:lvl2pPr marL="685800" indent="-228600" algn="l" defTabSz="914400" rtl="0" eaLnBrk="1" latinLnBrk="0" hangingPunct="1">
+              <a:lnSpc>
+                <a:spcPct val="90000"/>
+              </a:lnSpc>
+              <a:spcBef>
+                <a:spcPts val="500"/>
+              </a:spcBef>
+              <a:buFont typeface="Arial" panose="020B0604020202020204" pitchFamily="34" charset="0"/>
+              <a:buChar char="•"/>
+              <a:defRPr sz="2400" kern="1200">
+                <a:solidFill>
+                  <a:schemeClr val="tx1">
+                    <a:lumMod val="75000"/>
+                    <a:lumOff val="25000"/>
+                  </a:schemeClr>
+                </a:solidFill>
+                <a:latin typeface="+mn-lt"/>
+                <a:ea typeface="+mn-ea"/>
+                <a:cs typeface="+mn-cs"/>
+              </a:defRPr>
+            </a:lvl2pPr>
+            <a:lvl3pPr marL="1143000" indent="-228600" algn="l" defTabSz="914400" rtl="0" eaLnBrk="1" latinLnBrk="0" hangingPunct="1">
+              <a:lnSpc>
+                <a:spcPct val="90000"/>
+              </a:lnSpc>
+              <a:spcBef>
+                <a:spcPts val="500"/>
+              </a:spcBef>
+              <a:buFont typeface="Arial" panose="020B0604020202020204" pitchFamily="34" charset="0"/>
+              <a:buChar char="•"/>
+              <a:defRPr sz="2000" kern="1200">
+                <a:solidFill>
+                  <a:schemeClr val="tx1">
+                    <a:lumMod val="75000"/>
+                    <a:lumOff val="25000"/>
+                  </a:schemeClr>
+                </a:solidFill>
+                <a:latin typeface="+mn-lt"/>
+                <a:ea typeface="+mn-ea"/>
+                <a:cs typeface="+mn-cs"/>
+              </a:defRPr>
+            </a:lvl3pPr>
+            <a:lvl4pPr marL="1600200" indent="-228600" algn="l" defTabSz="914400" rtl="0" eaLnBrk="1" latinLnBrk="0" hangingPunct="1">
+              <a:lnSpc>
+                <a:spcPct val="90000"/>
+              </a:lnSpc>
+              <a:spcBef>
+                <a:spcPts val="500"/>
+              </a:spcBef>
+              <a:buFont typeface="Arial" panose="020B0604020202020204" pitchFamily="34" charset="0"/>
+              <a:buChar char="•"/>
+              <a:defRPr sz="1800" kern="1200">
+                <a:solidFill>
+                  <a:schemeClr val="tx1">
+                    <a:lumMod val="75000"/>
+                    <a:lumOff val="25000"/>
+                  </a:schemeClr>
+                </a:solidFill>
+                <a:latin typeface="+mn-lt"/>
+                <a:ea typeface="+mn-ea"/>
+                <a:cs typeface="+mn-cs"/>
+              </a:defRPr>
+            </a:lvl4pPr>
+            <a:lvl5pPr marL="2057400" indent="-228600" algn="l" defTabSz="914400" rtl="0" eaLnBrk="1" latinLnBrk="0" hangingPunct="1">
+              <a:lnSpc>
+                <a:spcPct val="90000"/>
+              </a:lnSpc>
+              <a:spcBef>
+                <a:spcPts val="500"/>
+              </a:spcBef>
+              <a:buFont typeface="Arial" panose="020B0604020202020204" pitchFamily="34" charset="0"/>
+              <a:buChar char="•"/>
+              <a:defRPr sz="1800" kern="1200">
+                <a:solidFill>
+                  <a:schemeClr val="tx1">
+                    <a:lumMod val="75000"/>
+                    <a:lumOff val="25000"/>
+                  </a:schemeClr>
+                </a:solidFill>
+                <a:latin typeface="+mn-lt"/>
+                <a:ea typeface="+mn-ea"/>
+                <a:cs typeface="+mn-cs"/>
+              </a:defRPr>
+            </a:lvl5pPr>
+            <a:lvl6pPr marL="2514600" indent="-228600" algn="l" defTabSz="914400" rtl="0" eaLnBrk="1" latinLnBrk="0" hangingPunct="1">
+              <a:lnSpc>
+                <a:spcPct val="90000"/>
+              </a:lnSpc>
+              <a:spcBef>
+                <a:spcPts val="500"/>
+              </a:spcBef>
+              <a:buFont typeface="Arial" panose="020B0604020202020204" pitchFamily="34" charset="0"/>
+              <a:buChar char="•"/>
+              <a:defRPr sz="1800" kern="1200">
+                <a:solidFill>
+                  <a:schemeClr val="tx1"/>
+                </a:solidFill>
+                <a:latin typeface="+mn-lt"/>
+                <a:ea typeface="+mn-ea"/>
+                <a:cs typeface="+mn-cs"/>
+              </a:defRPr>
+            </a:lvl6pPr>
+            <a:lvl7pPr marL="2971800" indent="-228600" algn="l" defTabSz="914400" rtl="0" eaLnBrk="1" latinLnBrk="0" hangingPunct="1">
+              <a:lnSpc>
+                <a:spcPct val="90000"/>
+              </a:lnSpc>
+              <a:spcBef>
+                <a:spcPts val="500"/>
+              </a:spcBef>
+              <a:buFont typeface="Arial" panose="020B0604020202020204" pitchFamily="34" charset="0"/>
+              <a:buChar char="•"/>
+              <a:defRPr sz="1800" kern="1200">
+                <a:solidFill>
+                  <a:schemeClr val="tx1"/>
+                </a:solidFill>
+                <a:latin typeface="+mn-lt"/>
+                <a:ea typeface="+mn-ea"/>
+                <a:cs typeface="+mn-cs"/>
+              </a:defRPr>
+            </a:lvl7pPr>
+            <a:lvl8pPr marL="3429000" indent="-228600" algn="l" defTabSz="914400" rtl="0" eaLnBrk="1" latinLnBrk="0" hangingPunct="1">
+              <a:lnSpc>
+                <a:spcPct val="90000"/>
+              </a:lnSpc>
+              <a:spcBef>
+                <a:spcPts val="500"/>
+              </a:spcBef>
+              <a:buFont typeface="Arial" panose="020B0604020202020204" pitchFamily="34" charset="0"/>
+              <a:buChar char="•"/>
+              <a:defRPr sz="1800" kern="1200">
+                <a:solidFill>
+                  <a:schemeClr val="tx1"/>
+                </a:solidFill>
+                <a:latin typeface="+mn-lt"/>
+                <a:ea typeface="+mn-ea"/>
+                <a:cs typeface="+mn-cs"/>
+              </a:defRPr>
+            </a:lvl8pPr>
+            <a:lvl9pPr marL="3886200" indent="-228600" algn="l" defTabSz="914400" rtl="0" eaLnBrk="1" latinLnBrk="0" hangingPunct="1">
+              <a:lnSpc>
+                <a:spcPct val="90000"/>
+              </a:lnSpc>
+              <a:spcBef>
+                <a:spcPts val="500"/>
+              </a:spcBef>
+              <a:buFont typeface="Arial" panose="020B0604020202020204" pitchFamily="34" charset="0"/>
+              <a:buChar char="•"/>
+              <a:defRPr sz="1800" kern="1200">
+                <a:solidFill>
+                  <a:schemeClr val="tx1"/>
+                </a:solidFill>
+                <a:latin typeface="+mn-lt"/>
+                <a:ea typeface="+mn-ea"/>
+                <a:cs typeface="+mn-cs"/>
+              </a:defRPr>
+            </a:lvl9pPr>
+          </a:lstStyle>
+          <a:p>
+            <a:r>
+              <a:rPr lang="en-US" b="1" dirty="0"/>
+              <a:t>Contd…</a:t>
+            </a:r>
+          </a:p>
+        </p:txBody>
+      </p:sp>
     </p:spTree>
     <p:extLst>
       <p:ext uri="{BB962C8B-B14F-4D97-AF65-F5344CB8AC3E}">
-        <p14:creationId xmlns:p14="http://schemas.microsoft.com/office/powerpoint/2010/main" val="3477453048"/>
+        <p14:creationId xmlns:p14="http://schemas.microsoft.com/office/powerpoint/2010/main" val="3158649411"/>
       </p:ext>
     </p:extLst>
   </p:cSld>
@@ -18526,21 +20037,21 @@
           <p:cNvPr id="2" name="Title 1">
             <a:extLst>
               <a:ext uri="{FF2B5EF4-FFF2-40B4-BE49-F238E27FC236}">
-                <a16:creationId xmlns:a16="http://schemas.microsoft.com/office/drawing/2014/main" id="{BCCAEE93-8585-46D4-A7EC-F184E317CB2E}"/>
-              </a:ext>
-            </a:extLst>
-          </p:cNvPr>
-          <p:cNvSpPr>
-            <a:spLocks noGrp="1"/>
-          </p:cNvSpPr>
-          <p:nvPr>
-            <p:ph type="ctrTitle"/>
-          </p:nvPr>
-        </p:nvSpPr>
-        <p:spPr>
-          <a:xfrm>
-            <a:off x="4509679" y="2252607"/>
-            <a:ext cx="4179570" cy="1524735"/>
+                <a16:creationId xmlns:a16="http://schemas.microsoft.com/office/drawing/2014/main" id="{75031FE9-9059-4FE8-B4AC-9771F23A1B89}"/>
+              </a:ext>
+            </a:extLst>
+          </p:cNvPr>
+          <p:cNvSpPr>
+            <a:spLocks noGrp="1"/>
+          </p:cNvSpPr>
+          <p:nvPr>
+            <p:ph type="title"/>
+          </p:nvPr>
+        </p:nvSpPr>
+        <p:spPr>
+          <a:xfrm>
+            <a:off x="1825285" y="308201"/>
+            <a:ext cx="8421688" cy="1325563"/>
           </a:xfrm>
         </p:spPr>
         <p:txBody>
@@ -18549,31 +20060,92 @@
           <a:p>
             <a:r>
               <a:rPr lang="en-US" dirty="0"/>
-              <a:t>THANK YOU</a:t>
-            </a:r>
-          </a:p>
-        </p:txBody>
-      </p:sp>
-      <p:sp>
-        <p:nvSpPr>
-          <p:cNvPr id="6" name="Slide Number Placeholder 5">
-            <a:extLst>
-              <a:ext uri="{FF2B5EF4-FFF2-40B4-BE49-F238E27FC236}">
-                <a16:creationId xmlns:a16="http://schemas.microsoft.com/office/drawing/2014/main" id="{5EDCFF82-B70F-4971-9182-7C3AEA3CFD26}"/>
-              </a:ext>
-            </a:extLst>
-          </p:cNvPr>
-          <p:cNvSpPr>
-            <a:spLocks noGrp="1"/>
-          </p:cNvSpPr>
-          <p:nvPr>
-            <p:ph type="sldNum" sz="quarter" idx="12"/>
-          </p:nvPr>
-        </p:nvSpPr>
-        <p:spPr>
-          <a:xfrm>
-            <a:off x="9579428" y="6356350"/>
-            <a:ext cx="1774371" cy="365125"/>
+              <a:t>walkthrough</a:t>
+            </a:r>
+          </a:p>
+        </p:txBody>
+      </p:sp>
+      <p:sp>
+        <p:nvSpPr>
+          <p:cNvPr id="8" name="Text Placeholder 7">
+            <a:extLst>
+              <a:ext uri="{FF2B5EF4-FFF2-40B4-BE49-F238E27FC236}">
+                <a16:creationId xmlns:a16="http://schemas.microsoft.com/office/drawing/2014/main" id="{51C26CE0-2506-4B44-A26F-C12BFA5B18B5}"/>
+              </a:ext>
+            </a:extLst>
+          </p:cNvPr>
+          <p:cNvSpPr>
+            <a:spLocks noGrp="1"/>
+          </p:cNvSpPr>
+          <p:nvPr>
+            <p:ph type="body" sz="quarter" idx="19"/>
+          </p:nvPr>
+        </p:nvSpPr>
+        <p:spPr>
+          <a:xfrm>
+            <a:off x="206829" y="1633764"/>
+            <a:ext cx="11658600" cy="3941080"/>
+          </a:xfrm>
+        </p:spPr>
+        <p:txBody>
+          <a:bodyPr>
+            <a:normAutofit/>
+          </a:bodyPr>
+          <a:lstStyle/>
+          <a:p>
+            <a:pPr algn="l"/>
+            <a:endParaRPr lang="en-US" sz="2800" dirty="0">
+              <a:solidFill>
+                <a:srgbClr val="CE9178"/>
+              </a:solidFill>
+              <a:latin typeface="Consolas" panose="020B0609020204030204" pitchFamily="49" charset="0"/>
+            </a:endParaRPr>
+          </a:p>
+          <a:p>
+            <a:pPr algn="l"/>
+            <a:endParaRPr lang="en-US" sz="2800" dirty="0">
+              <a:solidFill>
+                <a:srgbClr val="CE9178"/>
+              </a:solidFill>
+              <a:latin typeface="Consolas" panose="020B0609020204030204" pitchFamily="49" charset="0"/>
+            </a:endParaRPr>
+          </a:p>
+          <a:p>
+            <a:pPr algn="l"/>
+            <a:endParaRPr lang="en-US" sz="2800" b="0" dirty="0">
+              <a:solidFill>
+                <a:srgbClr val="CCCCCC"/>
+              </a:solidFill>
+              <a:effectLst/>
+              <a:latin typeface="Consolas" panose="020B0609020204030204" pitchFamily="49" charset="0"/>
+            </a:endParaRPr>
+          </a:p>
+          <a:p>
+            <a:pPr algn="l"/>
+            <a:endParaRPr lang="en-US" sz="2000" dirty="0"/>
+          </a:p>
+        </p:txBody>
+      </p:sp>
+      <p:sp>
+        <p:nvSpPr>
+          <p:cNvPr id="82" name="Slide Number Placeholder 81">
+            <a:extLst>
+              <a:ext uri="{FF2B5EF4-FFF2-40B4-BE49-F238E27FC236}">
+                <a16:creationId xmlns:a16="http://schemas.microsoft.com/office/drawing/2014/main" id="{CE36A058-BEC2-4BC5-A467-F2EB2A365051}"/>
+              </a:ext>
+            </a:extLst>
+          </p:cNvPr>
+          <p:cNvSpPr>
+            <a:spLocks noGrp="1"/>
+          </p:cNvSpPr>
+          <p:nvPr>
+            <p:ph type="sldNum" sz="quarter" idx="22"/>
+          </p:nvPr>
+        </p:nvSpPr>
+        <p:spPr>
+          <a:xfrm>
+            <a:off x="8610600" y="6356350"/>
+            <a:ext cx="2743200" cy="365125"/>
           </a:xfrm>
         </p:spPr>
         <p:txBody>
@@ -18584,6 +20156,1488 @@
               <a:rPr lang="en-US" smtClean="0"/>
               <a:pPr/>
               <a:t>14</a:t>
+            </a:fld>
+            <a:endParaRPr lang="en-US" dirty="0"/>
+          </a:p>
+        </p:txBody>
+      </p:sp>
+      <p:sp>
+        <p:nvSpPr>
+          <p:cNvPr id="4" name="Text Placeholder 2">
+            <a:extLst>
+              <a:ext uri="{FF2B5EF4-FFF2-40B4-BE49-F238E27FC236}">
+                <a16:creationId xmlns:a16="http://schemas.microsoft.com/office/drawing/2014/main" id="{D0157036-1F41-7B05-C6B8-E7F5D95E6721}"/>
+              </a:ext>
+            </a:extLst>
+          </p:cNvPr>
+          <p:cNvSpPr>
+            <a:spLocks noGrp="1"/>
+          </p:cNvSpPr>
+          <p:nvPr>
+            <p:ph type="body" sz="quarter" idx="13"/>
+          </p:nvPr>
+        </p:nvSpPr>
+        <p:spPr>
+          <a:xfrm>
+            <a:off x="627010" y="1444171"/>
+            <a:ext cx="5251275" cy="379186"/>
+          </a:xfrm>
+        </p:spPr>
+        <p:txBody>
+          <a:bodyPr>
+            <a:normAutofit fontScale="92500"/>
+          </a:bodyPr>
+          <a:lstStyle/>
+          <a:p>
+            <a:r>
+              <a:rPr lang="en-US" sz="1800" b="1" dirty="0"/>
+              <a:t>Word Cloud Dashboard (Plotly, </a:t>
+            </a:r>
+            <a:r>
+              <a:rPr lang="en-US" sz="1800" b="1" dirty="0" err="1"/>
+              <a:t>Wordcloud</a:t>
+            </a:r>
+            <a:r>
+              <a:rPr lang="en-US" sz="1800" b="1" dirty="0"/>
+              <a:t>)</a:t>
+            </a:r>
+          </a:p>
+        </p:txBody>
+      </p:sp>
+      <p:pic>
+        <p:nvPicPr>
+          <p:cNvPr id="12" name="Picture 11">
+            <a:extLst>
+              <a:ext uri="{FF2B5EF4-FFF2-40B4-BE49-F238E27FC236}">
+                <a16:creationId xmlns:a16="http://schemas.microsoft.com/office/drawing/2014/main" id="{4A524DB5-2751-8DA8-BA2B-7FE35917BA53}"/>
+              </a:ext>
+            </a:extLst>
+          </p:cNvPr>
+          <p:cNvPicPr>
+            <a:picLocks noChangeAspect="1"/>
+          </p:cNvPicPr>
+          <p:nvPr/>
+        </p:nvPicPr>
+        <p:blipFill>
+          <a:blip r:embed="rId2"/>
+          <a:stretch>
+            <a:fillRect/>
+          </a:stretch>
+        </p:blipFill>
+        <p:spPr>
+          <a:xfrm>
+            <a:off x="881743" y="1823357"/>
+            <a:ext cx="9644743" cy="4334835"/>
+          </a:xfrm>
+          <a:prstGeom prst="rect">
+            <a:avLst/>
+          </a:prstGeom>
+        </p:spPr>
+      </p:pic>
+      <p:sp>
+        <p:nvSpPr>
+          <p:cNvPr id="13" name="Text Placeholder 7">
+            <a:extLst>
+              <a:ext uri="{FF2B5EF4-FFF2-40B4-BE49-F238E27FC236}">
+                <a16:creationId xmlns:a16="http://schemas.microsoft.com/office/drawing/2014/main" id="{3E164341-B4A5-438F-67A7-E2BAC8F58DF0}"/>
+              </a:ext>
+            </a:extLst>
+          </p:cNvPr>
+          <p:cNvSpPr txBox="1">
+            <a:spLocks/>
+          </p:cNvSpPr>
+          <p:nvPr/>
+        </p:nvSpPr>
+        <p:spPr>
+          <a:xfrm>
+            <a:off x="9694779" y="6391189"/>
+            <a:ext cx="1104388" cy="330286"/>
+          </a:xfrm>
+          <a:prstGeom prst="rect">
+            <a:avLst/>
+          </a:prstGeom>
+        </p:spPr>
+        <p:txBody>
+          <a:bodyPr vert="horz" lIns="91440" tIns="45720" rIns="91440" bIns="45720" rtlCol="0">
+            <a:normAutofit/>
+          </a:bodyPr>
+          <a:lstStyle>
+            <a:lvl1pPr marL="0" indent="0" algn="ctr" defTabSz="914400" rtl="0" eaLnBrk="1" latinLnBrk="0" hangingPunct="1">
+              <a:lnSpc>
+                <a:spcPct val="100000"/>
+              </a:lnSpc>
+              <a:spcBef>
+                <a:spcPts val="1000"/>
+              </a:spcBef>
+              <a:buFont typeface="Arial" panose="020B0604020202020204" pitchFamily="34" charset="0"/>
+              <a:buNone/>
+              <a:defRPr sz="1400" kern="1200">
+                <a:solidFill>
+                  <a:schemeClr val="tx1">
+                    <a:lumMod val="75000"/>
+                    <a:lumOff val="25000"/>
+                  </a:schemeClr>
+                </a:solidFill>
+                <a:latin typeface="+mn-lt"/>
+                <a:ea typeface="+mn-ea"/>
+                <a:cs typeface="+mn-cs"/>
+              </a:defRPr>
+            </a:lvl1pPr>
+            <a:lvl2pPr marL="685800" indent="-228600" algn="l" defTabSz="914400" rtl="0" eaLnBrk="1" latinLnBrk="0" hangingPunct="1">
+              <a:lnSpc>
+                <a:spcPct val="90000"/>
+              </a:lnSpc>
+              <a:spcBef>
+                <a:spcPts val="500"/>
+              </a:spcBef>
+              <a:buFont typeface="Arial" panose="020B0604020202020204" pitchFamily="34" charset="0"/>
+              <a:buChar char="•"/>
+              <a:defRPr sz="2400" kern="1200">
+                <a:solidFill>
+                  <a:schemeClr val="tx1">
+                    <a:lumMod val="75000"/>
+                    <a:lumOff val="25000"/>
+                  </a:schemeClr>
+                </a:solidFill>
+                <a:latin typeface="+mn-lt"/>
+                <a:ea typeface="+mn-ea"/>
+                <a:cs typeface="+mn-cs"/>
+              </a:defRPr>
+            </a:lvl2pPr>
+            <a:lvl3pPr marL="1143000" indent="-228600" algn="l" defTabSz="914400" rtl="0" eaLnBrk="1" latinLnBrk="0" hangingPunct="1">
+              <a:lnSpc>
+                <a:spcPct val="90000"/>
+              </a:lnSpc>
+              <a:spcBef>
+                <a:spcPts val="500"/>
+              </a:spcBef>
+              <a:buFont typeface="Arial" panose="020B0604020202020204" pitchFamily="34" charset="0"/>
+              <a:buChar char="•"/>
+              <a:defRPr sz="2000" kern="1200">
+                <a:solidFill>
+                  <a:schemeClr val="tx1">
+                    <a:lumMod val="75000"/>
+                    <a:lumOff val="25000"/>
+                  </a:schemeClr>
+                </a:solidFill>
+                <a:latin typeface="+mn-lt"/>
+                <a:ea typeface="+mn-ea"/>
+                <a:cs typeface="+mn-cs"/>
+              </a:defRPr>
+            </a:lvl3pPr>
+            <a:lvl4pPr marL="1600200" indent="-228600" algn="l" defTabSz="914400" rtl="0" eaLnBrk="1" latinLnBrk="0" hangingPunct="1">
+              <a:lnSpc>
+                <a:spcPct val="90000"/>
+              </a:lnSpc>
+              <a:spcBef>
+                <a:spcPts val="500"/>
+              </a:spcBef>
+              <a:buFont typeface="Arial" panose="020B0604020202020204" pitchFamily="34" charset="0"/>
+              <a:buChar char="•"/>
+              <a:defRPr sz="1800" kern="1200">
+                <a:solidFill>
+                  <a:schemeClr val="tx1">
+                    <a:lumMod val="75000"/>
+                    <a:lumOff val="25000"/>
+                  </a:schemeClr>
+                </a:solidFill>
+                <a:latin typeface="+mn-lt"/>
+                <a:ea typeface="+mn-ea"/>
+                <a:cs typeface="+mn-cs"/>
+              </a:defRPr>
+            </a:lvl4pPr>
+            <a:lvl5pPr marL="2057400" indent="-228600" algn="l" defTabSz="914400" rtl="0" eaLnBrk="1" latinLnBrk="0" hangingPunct="1">
+              <a:lnSpc>
+                <a:spcPct val="90000"/>
+              </a:lnSpc>
+              <a:spcBef>
+                <a:spcPts val="500"/>
+              </a:spcBef>
+              <a:buFont typeface="Arial" panose="020B0604020202020204" pitchFamily="34" charset="0"/>
+              <a:buChar char="•"/>
+              <a:defRPr sz="1800" kern="1200">
+                <a:solidFill>
+                  <a:schemeClr val="tx1">
+                    <a:lumMod val="75000"/>
+                    <a:lumOff val="25000"/>
+                  </a:schemeClr>
+                </a:solidFill>
+                <a:latin typeface="+mn-lt"/>
+                <a:ea typeface="+mn-ea"/>
+                <a:cs typeface="+mn-cs"/>
+              </a:defRPr>
+            </a:lvl5pPr>
+            <a:lvl6pPr marL="2514600" indent="-228600" algn="l" defTabSz="914400" rtl="0" eaLnBrk="1" latinLnBrk="0" hangingPunct="1">
+              <a:lnSpc>
+                <a:spcPct val="90000"/>
+              </a:lnSpc>
+              <a:spcBef>
+                <a:spcPts val="500"/>
+              </a:spcBef>
+              <a:buFont typeface="Arial" panose="020B0604020202020204" pitchFamily="34" charset="0"/>
+              <a:buChar char="•"/>
+              <a:defRPr sz="1800" kern="1200">
+                <a:solidFill>
+                  <a:schemeClr val="tx1"/>
+                </a:solidFill>
+                <a:latin typeface="+mn-lt"/>
+                <a:ea typeface="+mn-ea"/>
+                <a:cs typeface="+mn-cs"/>
+              </a:defRPr>
+            </a:lvl6pPr>
+            <a:lvl7pPr marL="2971800" indent="-228600" algn="l" defTabSz="914400" rtl="0" eaLnBrk="1" latinLnBrk="0" hangingPunct="1">
+              <a:lnSpc>
+                <a:spcPct val="90000"/>
+              </a:lnSpc>
+              <a:spcBef>
+                <a:spcPts val="500"/>
+              </a:spcBef>
+              <a:buFont typeface="Arial" panose="020B0604020202020204" pitchFamily="34" charset="0"/>
+              <a:buChar char="•"/>
+              <a:defRPr sz="1800" kern="1200">
+                <a:solidFill>
+                  <a:schemeClr val="tx1"/>
+                </a:solidFill>
+                <a:latin typeface="+mn-lt"/>
+                <a:ea typeface="+mn-ea"/>
+                <a:cs typeface="+mn-cs"/>
+              </a:defRPr>
+            </a:lvl7pPr>
+            <a:lvl8pPr marL="3429000" indent="-228600" algn="l" defTabSz="914400" rtl="0" eaLnBrk="1" latinLnBrk="0" hangingPunct="1">
+              <a:lnSpc>
+                <a:spcPct val="90000"/>
+              </a:lnSpc>
+              <a:spcBef>
+                <a:spcPts val="500"/>
+              </a:spcBef>
+              <a:buFont typeface="Arial" panose="020B0604020202020204" pitchFamily="34" charset="0"/>
+              <a:buChar char="•"/>
+              <a:defRPr sz="1800" kern="1200">
+                <a:solidFill>
+                  <a:schemeClr val="tx1"/>
+                </a:solidFill>
+                <a:latin typeface="+mn-lt"/>
+                <a:ea typeface="+mn-ea"/>
+                <a:cs typeface="+mn-cs"/>
+              </a:defRPr>
+            </a:lvl8pPr>
+            <a:lvl9pPr marL="3886200" indent="-228600" algn="l" defTabSz="914400" rtl="0" eaLnBrk="1" latinLnBrk="0" hangingPunct="1">
+              <a:lnSpc>
+                <a:spcPct val="90000"/>
+              </a:lnSpc>
+              <a:spcBef>
+                <a:spcPts val="500"/>
+              </a:spcBef>
+              <a:buFont typeface="Arial" panose="020B0604020202020204" pitchFamily="34" charset="0"/>
+              <a:buChar char="•"/>
+              <a:defRPr sz="1800" kern="1200">
+                <a:solidFill>
+                  <a:schemeClr val="tx1"/>
+                </a:solidFill>
+                <a:latin typeface="+mn-lt"/>
+                <a:ea typeface="+mn-ea"/>
+                <a:cs typeface="+mn-cs"/>
+              </a:defRPr>
+            </a:lvl9pPr>
+          </a:lstStyle>
+          <a:p>
+            <a:r>
+              <a:rPr lang="en-US" b="1" dirty="0"/>
+              <a:t>Contd…</a:t>
+            </a:r>
+          </a:p>
+        </p:txBody>
+      </p:sp>
+    </p:spTree>
+    <p:extLst>
+      <p:ext uri="{BB962C8B-B14F-4D97-AF65-F5344CB8AC3E}">
+        <p14:creationId xmlns:p14="http://schemas.microsoft.com/office/powerpoint/2010/main" val="2222590134"/>
+      </p:ext>
+    </p:extLst>
+  </p:cSld>
+  <p:clrMapOvr>
+    <a:masterClrMapping/>
+  </p:clrMapOvr>
+</p:sld>
+</file>
+
+<file path=ppt/slides/slide15.xml><?xml version="1.0" encoding="utf-8"?>
+<p:sld xmlns:a="http://schemas.openxmlformats.org/drawingml/2006/main" xmlns:r="http://schemas.openxmlformats.org/officeDocument/2006/relationships" xmlns:p="http://schemas.openxmlformats.org/presentationml/2006/main">
+  <p:cSld>
+    <p:spTree>
+      <p:nvGrpSpPr>
+        <p:cNvPr id="1" name=""/>
+        <p:cNvGrpSpPr/>
+        <p:nvPr/>
+      </p:nvGrpSpPr>
+      <p:grpSpPr>
+        <a:xfrm>
+          <a:off x="0" y="0"/>
+          <a:ext cx="0" cy="0"/>
+          <a:chOff x="0" y="0"/>
+          <a:chExt cx="0" cy="0"/>
+        </a:xfrm>
+      </p:grpSpPr>
+      <p:sp>
+        <p:nvSpPr>
+          <p:cNvPr id="2" name="Title 1">
+            <a:extLst>
+              <a:ext uri="{FF2B5EF4-FFF2-40B4-BE49-F238E27FC236}">
+                <a16:creationId xmlns:a16="http://schemas.microsoft.com/office/drawing/2014/main" id="{75031FE9-9059-4FE8-B4AC-9771F23A1B89}"/>
+              </a:ext>
+            </a:extLst>
+          </p:cNvPr>
+          <p:cNvSpPr>
+            <a:spLocks noGrp="1"/>
+          </p:cNvSpPr>
+          <p:nvPr>
+            <p:ph type="title"/>
+          </p:nvPr>
+        </p:nvSpPr>
+        <p:spPr>
+          <a:xfrm>
+            <a:off x="1825285" y="308201"/>
+            <a:ext cx="8421688" cy="1325563"/>
+          </a:xfrm>
+        </p:spPr>
+        <p:txBody>
+          <a:bodyPr/>
+          <a:lstStyle/>
+          <a:p>
+            <a:r>
+              <a:rPr lang="en-US" dirty="0"/>
+              <a:t>walkthrough</a:t>
+            </a:r>
+          </a:p>
+        </p:txBody>
+      </p:sp>
+      <p:sp>
+        <p:nvSpPr>
+          <p:cNvPr id="8" name="Text Placeholder 7">
+            <a:extLst>
+              <a:ext uri="{FF2B5EF4-FFF2-40B4-BE49-F238E27FC236}">
+                <a16:creationId xmlns:a16="http://schemas.microsoft.com/office/drawing/2014/main" id="{51C26CE0-2506-4B44-A26F-C12BFA5B18B5}"/>
+              </a:ext>
+            </a:extLst>
+          </p:cNvPr>
+          <p:cNvSpPr>
+            <a:spLocks noGrp="1"/>
+          </p:cNvSpPr>
+          <p:nvPr>
+            <p:ph type="body" sz="quarter" idx="19"/>
+          </p:nvPr>
+        </p:nvSpPr>
+        <p:spPr>
+          <a:xfrm>
+            <a:off x="206829" y="1633764"/>
+            <a:ext cx="11658600" cy="3941080"/>
+          </a:xfrm>
+        </p:spPr>
+        <p:txBody>
+          <a:bodyPr>
+            <a:normAutofit/>
+          </a:bodyPr>
+          <a:lstStyle/>
+          <a:p>
+            <a:pPr algn="l"/>
+            <a:endParaRPr lang="en-US" sz="2800" dirty="0">
+              <a:solidFill>
+                <a:srgbClr val="CE9178"/>
+              </a:solidFill>
+              <a:latin typeface="Consolas" panose="020B0609020204030204" pitchFamily="49" charset="0"/>
+            </a:endParaRPr>
+          </a:p>
+          <a:p>
+            <a:pPr algn="l"/>
+            <a:endParaRPr lang="en-US" sz="2800" dirty="0">
+              <a:solidFill>
+                <a:srgbClr val="CE9178"/>
+              </a:solidFill>
+              <a:latin typeface="Consolas" panose="020B0609020204030204" pitchFamily="49" charset="0"/>
+            </a:endParaRPr>
+          </a:p>
+          <a:p>
+            <a:pPr algn="l"/>
+            <a:endParaRPr lang="en-US" sz="2800" b="0" dirty="0">
+              <a:solidFill>
+                <a:srgbClr val="CCCCCC"/>
+              </a:solidFill>
+              <a:effectLst/>
+              <a:latin typeface="Consolas" panose="020B0609020204030204" pitchFamily="49" charset="0"/>
+            </a:endParaRPr>
+          </a:p>
+          <a:p>
+            <a:pPr algn="l"/>
+            <a:endParaRPr lang="en-US" sz="2000" dirty="0"/>
+          </a:p>
+        </p:txBody>
+      </p:sp>
+      <p:sp>
+        <p:nvSpPr>
+          <p:cNvPr id="82" name="Slide Number Placeholder 81">
+            <a:extLst>
+              <a:ext uri="{FF2B5EF4-FFF2-40B4-BE49-F238E27FC236}">
+                <a16:creationId xmlns:a16="http://schemas.microsoft.com/office/drawing/2014/main" id="{CE36A058-BEC2-4BC5-A467-F2EB2A365051}"/>
+              </a:ext>
+            </a:extLst>
+          </p:cNvPr>
+          <p:cNvSpPr>
+            <a:spLocks noGrp="1"/>
+          </p:cNvSpPr>
+          <p:nvPr>
+            <p:ph type="sldNum" sz="quarter" idx="22"/>
+          </p:nvPr>
+        </p:nvSpPr>
+        <p:spPr>
+          <a:xfrm>
+            <a:off x="8610600" y="6356350"/>
+            <a:ext cx="2743200" cy="365125"/>
+          </a:xfrm>
+        </p:spPr>
+        <p:txBody>
+          <a:bodyPr/>
+          <a:lstStyle/>
+          <a:p>
+            <a:fld id="{B5CEABB6-07DC-46E8-9B57-56EC44A396E5}" type="slidenum">
+              <a:rPr lang="en-US" smtClean="0"/>
+              <a:pPr/>
+              <a:t>15</a:t>
+            </a:fld>
+            <a:endParaRPr lang="en-US" dirty="0"/>
+          </a:p>
+        </p:txBody>
+      </p:sp>
+      <p:sp>
+        <p:nvSpPr>
+          <p:cNvPr id="4" name="Text Placeholder 2">
+            <a:extLst>
+              <a:ext uri="{FF2B5EF4-FFF2-40B4-BE49-F238E27FC236}">
+                <a16:creationId xmlns:a16="http://schemas.microsoft.com/office/drawing/2014/main" id="{D0157036-1F41-7B05-C6B8-E7F5D95E6721}"/>
+              </a:ext>
+            </a:extLst>
+          </p:cNvPr>
+          <p:cNvSpPr>
+            <a:spLocks noGrp="1"/>
+          </p:cNvSpPr>
+          <p:nvPr>
+            <p:ph type="body" sz="quarter" idx="13"/>
+          </p:nvPr>
+        </p:nvSpPr>
+        <p:spPr>
+          <a:xfrm>
+            <a:off x="616125" y="1623785"/>
+            <a:ext cx="5251275" cy="379186"/>
+          </a:xfrm>
+        </p:spPr>
+        <p:txBody>
+          <a:bodyPr>
+            <a:normAutofit/>
+          </a:bodyPr>
+          <a:lstStyle/>
+          <a:p>
+            <a:r>
+              <a:rPr lang="en-US" dirty="0"/>
+              <a:t>Location Wise call records (Plotly)</a:t>
+            </a:r>
+          </a:p>
+        </p:txBody>
+      </p:sp>
+      <p:pic>
+        <p:nvPicPr>
+          <p:cNvPr id="7" name="Picture 6">
+            <a:extLst>
+              <a:ext uri="{FF2B5EF4-FFF2-40B4-BE49-F238E27FC236}">
+                <a16:creationId xmlns:a16="http://schemas.microsoft.com/office/drawing/2014/main" id="{87C73837-4D69-2D75-FF85-9FA1FEAC22C7}"/>
+              </a:ext>
+            </a:extLst>
+          </p:cNvPr>
+          <p:cNvPicPr>
+            <a:picLocks noChangeAspect="1"/>
+          </p:cNvPicPr>
+          <p:nvPr/>
+        </p:nvPicPr>
+        <p:blipFill>
+          <a:blip r:embed="rId2"/>
+          <a:stretch>
+            <a:fillRect/>
+          </a:stretch>
+        </p:blipFill>
+        <p:spPr>
+          <a:xfrm>
+            <a:off x="971286" y="2143855"/>
+            <a:ext cx="10249427" cy="3397425"/>
+          </a:xfrm>
+          <a:prstGeom prst="rect">
+            <a:avLst/>
+          </a:prstGeom>
+        </p:spPr>
+      </p:pic>
+      <p:sp>
+        <p:nvSpPr>
+          <p:cNvPr id="9" name="Text Placeholder 7">
+            <a:extLst>
+              <a:ext uri="{FF2B5EF4-FFF2-40B4-BE49-F238E27FC236}">
+                <a16:creationId xmlns:a16="http://schemas.microsoft.com/office/drawing/2014/main" id="{52C1F77A-DA77-89DF-8AF7-FE9477425885}"/>
+              </a:ext>
+            </a:extLst>
+          </p:cNvPr>
+          <p:cNvSpPr txBox="1">
+            <a:spLocks/>
+          </p:cNvSpPr>
+          <p:nvPr/>
+        </p:nvSpPr>
+        <p:spPr>
+          <a:xfrm>
+            <a:off x="9898630" y="6356350"/>
+            <a:ext cx="1104388" cy="330286"/>
+          </a:xfrm>
+          <a:prstGeom prst="rect">
+            <a:avLst/>
+          </a:prstGeom>
+        </p:spPr>
+        <p:txBody>
+          <a:bodyPr vert="horz" lIns="91440" tIns="45720" rIns="91440" bIns="45720" rtlCol="0">
+            <a:normAutofit/>
+          </a:bodyPr>
+          <a:lstStyle>
+            <a:lvl1pPr marL="0" indent="0" algn="ctr" defTabSz="914400" rtl="0" eaLnBrk="1" latinLnBrk="0" hangingPunct="1">
+              <a:lnSpc>
+                <a:spcPct val="100000"/>
+              </a:lnSpc>
+              <a:spcBef>
+                <a:spcPts val="1000"/>
+              </a:spcBef>
+              <a:buFont typeface="Arial" panose="020B0604020202020204" pitchFamily="34" charset="0"/>
+              <a:buNone/>
+              <a:defRPr sz="1400" kern="1200">
+                <a:solidFill>
+                  <a:schemeClr val="tx1">
+                    <a:lumMod val="75000"/>
+                    <a:lumOff val="25000"/>
+                  </a:schemeClr>
+                </a:solidFill>
+                <a:latin typeface="+mn-lt"/>
+                <a:ea typeface="+mn-ea"/>
+                <a:cs typeface="+mn-cs"/>
+              </a:defRPr>
+            </a:lvl1pPr>
+            <a:lvl2pPr marL="685800" indent="-228600" algn="l" defTabSz="914400" rtl="0" eaLnBrk="1" latinLnBrk="0" hangingPunct="1">
+              <a:lnSpc>
+                <a:spcPct val="90000"/>
+              </a:lnSpc>
+              <a:spcBef>
+                <a:spcPts val="500"/>
+              </a:spcBef>
+              <a:buFont typeface="Arial" panose="020B0604020202020204" pitchFamily="34" charset="0"/>
+              <a:buChar char="•"/>
+              <a:defRPr sz="2400" kern="1200">
+                <a:solidFill>
+                  <a:schemeClr val="tx1">
+                    <a:lumMod val="75000"/>
+                    <a:lumOff val="25000"/>
+                  </a:schemeClr>
+                </a:solidFill>
+                <a:latin typeface="+mn-lt"/>
+                <a:ea typeface="+mn-ea"/>
+                <a:cs typeface="+mn-cs"/>
+              </a:defRPr>
+            </a:lvl2pPr>
+            <a:lvl3pPr marL="1143000" indent="-228600" algn="l" defTabSz="914400" rtl="0" eaLnBrk="1" latinLnBrk="0" hangingPunct="1">
+              <a:lnSpc>
+                <a:spcPct val="90000"/>
+              </a:lnSpc>
+              <a:spcBef>
+                <a:spcPts val="500"/>
+              </a:spcBef>
+              <a:buFont typeface="Arial" panose="020B0604020202020204" pitchFamily="34" charset="0"/>
+              <a:buChar char="•"/>
+              <a:defRPr sz="2000" kern="1200">
+                <a:solidFill>
+                  <a:schemeClr val="tx1">
+                    <a:lumMod val="75000"/>
+                    <a:lumOff val="25000"/>
+                  </a:schemeClr>
+                </a:solidFill>
+                <a:latin typeface="+mn-lt"/>
+                <a:ea typeface="+mn-ea"/>
+                <a:cs typeface="+mn-cs"/>
+              </a:defRPr>
+            </a:lvl3pPr>
+            <a:lvl4pPr marL="1600200" indent="-228600" algn="l" defTabSz="914400" rtl="0" eaLnBrk="1" latinLnBrk="0" hangingPunct="1">
+              <a:lnSpc>
+                <a:spcPct val="90000"/>
+              </a:lnSpc>
+              <a:spcBef>
+                <a:spcPts val="500"/>
+              </a:spcBef>
+              <a:buFont typeface="Arial" panose="020B0604020202020204" pitchFamily="34" charset="0"/>
+              <a:buChar char="•"/>
+              <a:defRPr sz="1800" kern="1200">
+                <a:solidFill>
+                  <a:schemeClr val="tx1">
+                    <a:lumMod val="75000"/>
+                    <a:lumOff val="25000"/>
+                  </a:schemeClr>
+                </a:solidFill>
+                <a:latin typeface="+mn-lt"/>
+                <a:ea typeface="+mn-ea"/>
+                <a:cs typeface="+mn-cs"/>
+              </a:defRPr>
+            </a:lvl4pPr>
+            <a:lvl5pPr marL="2057400" indent="-228600" algn="l" defTabSz="914400" rtl="0" eaLnBrk="1" latinLnBrk="0" hangingPunct="1">
+              <a:lnSpc>
+                <a:spcPct val="90000"/>
+              </a:lnSpc>
+              <a:spcBef>
+                <a:spcPts val="500"/>
+              </a:spcBef>
+              <a:buFont typeface="Arial" panose="020B0604020202020204" pitchFamily="34" charset="0"/>
+              <a:buChar char="•"/>
+              <a:defRPr sz="1800" kern="1200">
+                <a:solidFill>
+                  <a:schemeClr val="tx1">
+                    <a:lumMod val="75000"/>
+                    <a:lumOff val="25000"/>
+                  </a:schemeClr>
+                </a:solidFill>
+                <a:latin typeface="+mn-lt"/>
+                <a:ea typeface="+mn-ea"/>
+                <a:cs typeface="+mn-cs"/>
+              </a:defRPr>
+            </a:lvl5pPr>
+            <a:lvl6pPr marL="2514600" indent="-228600" algn="l" defTabSz="914400" rtl="0" eaLnBrk="1" latinLnBrk="0" hangingPunct="1">
+              <a:lnSpc>
+                <a:spcPct val="90000"/>
+              </a:lnSpc>
+              <a:spcBef>
+                <a:spcPts val="500"/>
+              </a:spcBef>
+              <a:buFont typeface="Arial" panose="020B0604020202020204" pitchFamily="34" charset="0"/>
+              <a:buChar char="•"/>
+              <a:defRPr sz="1800" kern="1200">
+                <a:solidFill>
+                  <a:schemeClr val="tx1"/>
+                </a:solidFill>
+                <a:latin typeface="+mn-lt"/>
+                <a:ea typeface="+mn-ea"/>
+                <a:cs typeface="+mn-cs"/>
+              </a:defRPr>
+            </a:lvl6pPr>
+            <a:lvl7pPr marL="2971800" indent="-228600" algn="l" defTabSz="914400" rtl="0" eaLnBrk="1" latinLnBrk="0" hangingPunct="1">
+              <a:lnSpc>
+                <a:spcPct val="90000"/>
+              </a:lnSpc>
+              <a:spcBef>
+                <a:spcPts val="500"/>
+              </a:spcBef>
+              <a:buFont typeface="Arial" panose="020B0604020202020204" pitchFamily="34" charset="0"/>
+              <a:buChar char="•"/>
+              <a:defRPr sz="1800" kern="1200">
+                <a:solidFill>
+                  <a:schemeClr val="tx1"/>
+                </a:solidFill>
+                <a:latin typeface="+mn-lt"/>
+                <a:ea typeface="+mn-ea"/>
+                <a:cs typeface="+mn-cs"/>
+              </a:defRPr>
+            </a:lvl7pPr>
+            <a:lvl8pPr marL="3429000" indent="-228600" algn="l" defTabSz="914400" rtl="0" eaLnBrk="1" latinLnBrk="0" hangingPunct="1">
+              <a:lnSpc>
+                <a:spcPct val="90000"/>
+              </a:lnSpc>
+              <a:spcBef>
+                <a:spcPts val="500"/>
+              </a:spcBef>
+              <a:buFont typeface="Arial" panose="020B0604020202020204" pitchFamily="34" charset="0"/>
+              <a:buChar char="•"/>
+              <a:defRPr sz="1800" kern="1200">
+                <a:solidFill>
+                  <a:schemeClr val="tx1"/>
+                </a:solidFill>
+                <a:latin typeface="+mn-lt"/>
+                <a:ea typeface="+mn-ea"/>
+                <a:cs typeface="+mn-cs"/>
+              </a:defRPr>
+            </a:lvl8pPr>
+            <a:lvl9pPr marL="3886200" indent="-228600" algn="l" defTabSz="914400" rtl="0" eaLnBrk="1" latinLnBrk="0" hangingPunct="1">
+              <a:lnSpc>
+                <a:spcPct val="90000"/>
+              </a:lnSpc>
+              <a:spcBef>
+                <a:spcPts val="500"/>
+              </a:spcBef>
+              <a:buFont typeface="Arial" panose="020B0604020202020204" pitchFamily="34" charset="0"/>
+              <a:buChar char="•"/>
+              <a:defRPr sz="1800" kern="1200">
+                <a:solidFill>
+                  <a:schemeClr val="tx1"/>
+                </a:solidFill>
+                <a:latin typeface="+mn-lt"/>
+                <a:ea typeface="+mn-ea"/>
+                <a:cs typeface="+mn-cs"/>
+              </a:defRPr>
+            </a:lvl9pPr>
+          </a:lstStyle>
+          <a:p>
+            <a:r>
+              <a:rPr lang="en-US" b="1" dirty="0"/>
+              <a:t>Contd…</a:t>
+            </a:r>
+          </a:p>
+        </p:txBody>
+      </p:sp>
+    </p:spTree>
+    <p:extLst>
+      <p:ext uri="{BB962C8B-B14F-4D97-AF65-F5344CB8AC3E}">
+        <p14:creationId xmlns:p14="http://schemas.microsoft.com/office/powerpoint/2010/main" val="3041834179"/>
+      </p:ext>
+    </p:extLst>
+  </p:cSld>
+  <p:clrMapOvr>
+    <a:masterClrMapping/>
+  </p:clrMapOvr>
+</p:sld>
+</file>
+
+<file path=ppt/slides/slide16.xml><?xml version="1.0" encoding="utf-8"?>
+<p:sld xmlns:a="http://schemas.openxmlformats.org/drawingml/2006/main" xmlns:r="http://schemas.openxmlformats.org/officeDocument/2006/relationships" xmlns:p="http://schemas.openxmlformats.org/presentationml/2006/main">
+  <p:cSld>
+    <p:spTree>
+      <p:nvGrpSpPr>
+        <p:cNvPr id="1" name=""/>
+        <p:cNvGrpSpPr/>
+        <p:nvPr/>
+      </p:nvGrpSpPr>
+      <p:grpSpPr>
+        <a:xfrm>
+          <a:off x="0" y="0"/>
+          <a:ext cx="0" cy="0"/>
+          <a:chOff x="0" y="0"/>
+          <a:chExt cx="0" cy="0"/>
+        </a:xfrm>
+      </p:grpSpPr>
+      <p:sp>
+        <p:nvSpPr>
+          <p:cNvPr id="2" name="Title 1">
+            <a:extLst>
+              <a:ext uri="{FF2B5EF4-FFF2-40B4-BE49-F238E27FC236}">
+                <a16:creationId xmlns:a16="http://schemas.microsoft.com/office/drawing/2014/main" id="{75031FE9-9059-4FE8-B4AC-9771F23A1B89}"/>
+              </a:ext>
+            </a:extLst>
+          </p:cNvPr>
+          <p:cNvSpPr>
+            <a:spLocks noGrp="1"/>
+          </p:cNvSpPr>
+          <p:nvPr>
+            <p:ph type="title"/>
+          </p:nvPr>
+        </p:nvSpPr>
+        <p:spPr>
+          <a:xfrm>
+            <a:off x="1825285" y="308201"/>
+            <a:ext cx="8421688" cy="1325563"/>
+          </a:xfrm>
+        </p:spPr>
+        <p:txBody>
+          <a:bodyPr/>
+          <a:lstStyle/>
+          <a:p>
+            <a:r>
+              <a:rPr lang="en-US" dirty="0"/>
+              <a:t>Challenges</a:t>
+            </a:r>
+          </a:p>
+        </p:txBody>
+      </p:sp>
+      <p:sp>
+        <p:nvSpPr>
+          <p:cNvPr id="8" name="Text Placeholder 7">
+            <a:extLst>
+              <a:ext uri="{FF2B5EF4-FFF2-40B4-BE49-F238E27FC236}">
+                <a16:creationId xmlns:a16="http://schemas.microsoft.com/office/drawing/2014/main" id="{51C26CE0-2506-4B44-A26F-C12BFA5B18B5}"/>
+              </a:ext>
+            </a:extLst>
+          </p:cNvPr>
+          <p:cNvSpPr>
+            <a:spLocks noGrp="1"/>
+          </p:cNvSpPr>
+          <p:nvPr>
+            <p:ph type="body" sz="quarter" idx="19"/>
+          </p:nvPr>
+        </p:nvSpPr>
+        <p:spPr>
+          <a:xfrm>
+            <a:off x="206829" y="1633764"/>
+            <a:ext cx="11658600" cy="3941080"/>
+          </a:xfrm>
+        </p:spPr>
+        <p:txBody>
+          <a:bodyPr>
+            <a:normAutofit/>
+          </a:bodyPr>
+          <a:lstStyle/>
+          <a:p>
+            <a:pPr algn="l"/>
+            <a:r>
+              <a:rPr lang="en-US" sz="2800" dirty="0">
+                <a:solidFill>
+                  <a:schemeClr val="tx1"/>
+                </a:solidFill>
+                <a:latin typeface="+mj-lt"/>
+              </a:rPr>
+              <a:t> </a:t>
+            </a:r>
+          </a:p>
+          <a:p>
+            <a:pPr marL="514350" indent="-514350" algn="l">
+              <a:buFont typeface="Arial" panose="020B0604020202020204" pitchFamily="34" charset="0"/>
+              <a:buChar char="•"/>
+            </a:pPr>
+            <a:r>
+              <a:rPr lang="en-US" sz="2800" dirty="0">
+                <a:solidFill>
+                  <a:schemeClr val="tx1"/>
+                </a:solidFill>
+                <a:latin typeface="+mj-lt"/>
+              </a:rPr>
+              <a:t>Some conversations yield incorrect/no responses during sentiment analysis, which can be improved with refined prompting techniques. </a:t>
+            </a:r>
+            <a:br>
+              <a:rPr lang="en-US" sz="2800" dirty="0">
+                <a:solidFill>
+                  <a:schemeClr val="tx1"/>
+                </a:solidFill>
+                <a:latin typeface="+mj-lt"/>
+              </a:rPr>
+            </a:br>
+            <a:endParaRPr lang="en-US" sz="2800" dirty="0">
+              <a:solidFill>
+                <a:schemeClr val="tx1"/>
+              </a:solidFill>
+              <a:latin typeface="+mj-lt"/>
+            </a:endParaRPr>
+          </a:p>
+          <a:p>
+            <a:pPr marL="514350" indent="-514350" algn="l">
+              <a:buFont typeface="Arial" panose="020B0604020202020204" pitchFamily="34" charset="0"/>
+              <a:buChar char="•"/>
+            </a:pPr>
+            <a:r>
+              <a:rPr lang="en-US" sz="2800" dirty="0">
+                <a:solidFill>
+                  <a:schemeClr val="tx1"/>
+                </a:solidFill>
+                <a:latin typeface="+mj-lt"/>
+              </a:rPr>
+              <a:t>It’s also essential to compare these results with other available models to identify potential areas for further enhancement.</a:t>
+            </a:r>
+          </a:p>
+          <a:p>
+            <a:pPr marL="457200" indent="-457200" algn="l">
+              <a:buFont typeface="Arial" panose="020B0604020202020204" pitchFamily="34" charset="0"/>
+              <a:buChar char="•"/>
+            </a:pPr>
+            <a:endParaRPr lang="en-US" sz="2800" dirty="0">
+              <a:latin typeface="+mj-lt"/>
+            </a:endParaRPr>
+          </a:p>
+        </p:txBody>
+      </p:sp>
+      <p:sp>
+        <p:nvSpPr>
+          <p:cNvPr id="82" name="Slide Number Placeholder 81">
+            <a:extLst>
+              <a:ext uri="{FF2B5EF4-FFF2-40B4-BE49-F238E27FC236}">
+                <a16:creationId xmlns:a16="http://schemas.microsoft.com/office/drawing/2014/main" id="{CE36A058-BEC2-4BC5-A467-F2EB2A365051}"/>
+              </a:ext>
+            </a:extLst>
+          </p:cNvPr>
+          <p:cNvSpPr>
+            <a:spLocks noGrp="1"/>
+          </p:cNvSpPr>
+          <p:nvPr>
+            <p:ph type="sldNum" sz="quarter" idx="22"/>
+          </p:nvPr>
+        </p:nvSpPr>
+        <p:spPr>
+          <a:xfrm>
+            <a:off x="8610600" y="6356350"/>
+            <a:ext cx="2743200" cy="365125"/>
+          </a:xfrm>
+        </p:spPr>
+        <p:txBody>
+          <a:bodyPr/>
+          <a:lstStyle/>
+          <a:p>
+            <a:fld id="{B5CEABB6-07DC-46E8-9B57-56EC44A396E5}" type="slidenum">
+              <a:rPr lang="en-US" smtClean="0"/>
+              <a:pPr/>
+              <a:t>16</a:t>
+            </a:fld>
+            <a:endParaRPr lang="en-US" dirty="0"/>
+          </a:p>
+        </p:txBody>
+      </p:sp>
+    </p:spTree>
+    <p:extLst>
+      <p:ext uri="{BB962C8B-B14F-4D97-AF65-F5344CB8AC3E}">
+        <p14:creationId xmlns:p14="http://schemas.microsoft.com/office/powerpoint/2010/main" val="2516776324"/>
+      </p:ext>
+    </p:extLst>
+  </p:cSld>
+  <p:clrMapOvr>
+    <a:masterClrMapping/>
+  </p:clrMapOvr>
+</p:sld>
+</file>
+
+<file path=ppt/slides/slide17.xml><?xml version="1.0" encoding="utf-8"?>
+<p:sld xmlns:a="http://schemas.openxmlformats.org/drawingml/2006/main" xmlns:r="http://schemas.openxmlformats.org/officeDocument/2006/relationships" xmlns:p="http://schemas.openxmlformats.org/presentationml/2006/main">
+  <p:cSld>
+    <p:spTree>
+      <p:nvGrpSpPr>
+        <p:cNvPr id="1" name=""/>
+        <p:cNvGrpSpPr/>
+        <p:nvPr/>
+      </p:nvGrpSpPr>
+      <p:grpSpPr>
+        <a:xfrm>
+          <a:off x="0" y="0"/>
+          <a:ext cx="0" cy="0"/>
+          <a:chOff x="0" y="0"/>
+          <a:chExt cx="0" cy="0"/>
+        </a:xfrm>
+      </p:grpSpPr>
+      <p:sp>
+        <p:nvSpPr>
+          <p:cNvPr id="2" name="Title 1">
+            <a:extLst>
+              <a:ext uri="{FF2B5EF4-FFF2-40B4-BE49-F238E27FC236}">
+                <a16:creationId xmlns:a16="http://schemas.microsoft.com/office/drawing/2014/main" id="{75031FE9-9059-4FE8-B4AC-9771F23A1B89}"/>
+              </a:ext>
+            </a:extLst>
+          </p:cNvPr>
+          <p:cNvSpPr>
+            <a:spLocks noGrp="1"/>
+          </p:cNvSpPr>
+          <p:nvPr>
+            <p:ph type="title"/>
+          </p:nvPr>
+        </p:nvSpPr>
+        <p:spPr>
+          <a:xfrm>
+            <a:off x="1825285" y="308201"/>
+            <a:ext cx="8421688" cy="1325563"/>
+          </a:xfrm>
+        </p:spPr>
+        <p:txBody>
+          <a:bodyPr/>
+          <a:lstStyle/>
+          <a:p>
+            <a:r>
+              <a:rPr lang="en-US" dirty="0"/>
+              <a:t>WAY Forward</a:t>
+            </a:r>
+          </a:p>
+        </p:txBody>
+      </p:sp>
+      <p:sp>
+        <p:nvSpPr>
+          <p:cNvPr id="8" name="Text Placeholder 7">
+            <a:extLst>
+              <a:ext uri="{FF2B5EF4-FFF2-40B4-BE49-F238E27FC236}">
+                <a16:creationId xmlns:a16="http://schemas.microsoft.com/office/drawing/2014/main" id="{51C26CE0-2506-4B44-A26F-C12BFA5B18B5}"/>
+              </a:ext>
+            </a:extLst>
+          </p:cNvPr>
+          <p:cNvSpPr>
+            <a:spLocks noGrp="1"/>
+          </p:cNvSpPr>
+          <p:nvPr>
+            <p:ph type="body" sz="quarter" idx="19"/>
+          </p:nvPr>
+        </p:nvSpPr>
+        <p:spPr>
+          <a:xfrm>
+            <a:off x="206829" y="1633764"/>
+            <a:ext cx="11658600" cy="3941080"/>
+          </a:xfrm>
+        </p:spPr>
+        <p:txBody>
+          <a:bodyPr>
+            <a:normAutofit/>
+          </a:bodyPr>
+          <a:lstStyle/>
+          <a:p>
+            <a:pPr algn="l"/>
+            <a:endParaRPr lang="en-US" sz="2800" dirty="0">
+              <a:solidFill>
+                <a:srgbClr val="CE9178"/>
+              </a:solidFill>
+              <a:latin typeface="Consolas" panose="020B0609020204030204" pitchFamily="49" charset="0"/>
+            </a:endParaRPr>
+          </a:p>
+          <a:p>
+            <a:pPr algn="l"/>
+            <a:endParaRPr lang="en-US" sz="2800" dirty="0">
+              <a:solidFill>
+                <a:srgbClr val="CE9178"/>
+              </a:solidFill>
+              <a:latin typeface="Consolas" panose="020B0609020204030204" pitchFamily="49" charset="0"/>
+            </a:endParaRPr>
+          </a:p>
+          <a:p>
+            <a:pPr algn="l"/>
+            <a:endParaRPr lang="en-US" sz="2800" b="0" dirty="0">
+              <a:solidFill>
+                <a:srgbClr val="CCCCCC"/>
+              </a:solidFill>
+              <a:effectLst/>
+              <a:latin typeface="Consolas" panose="020B0609020204030204" pitchFamily="49" charset="0"/>
+            </a:endParaRPr>
+          </a:p>
+          <a:p>
+            <a:pPr algn="l"/>
+            <a:endParaRPr lang="en-US" sz="2000" dirty="0"/>
+          </a:p>
+        </p:txBody>
+      </p:sp>
+      <p:sp>
+        <p:nvSpPr>
+          <p:cNvPr id="82" name="Slide Number Placeholder 81">
+            <a:extLst>
+              <a:ext uri="{FF2B5EF4-FFF2-40B4-BE49-F238E27FC236}">
+                <a16:creationId xmlns:a16="http://schemas.microsoft.com/office/drawing/2014/main" id="{CE36A058-BEC2-4BC5-A467-F2EB2A365051}"/>
+              </a:ext>
+            </a:extLst>
+          </p:cNvPr>
+          <p:cNvSpPr>
+            <a:spLocks noGrp="1"/>
+          </p:cNvSpPr>
+          <p:nvPr>
+            <p:ph type="sldNum" sz="quarter" idx="22"/>
+          </p:nvPr>
+        </p:nvSpPr>
+        <p:spPr>
+          <a:xfrm>
+            <a:off x="8610600" y="6356350"/>
+            <a:ext cx="2743200" cy="365125"/>
+          </a:xfrm>
+        </p:spPr>
+        <p:txBody>
+          <a:bodyPr/>
+          <a:lstStyle/>
+          <a:p>
+            <a:fld id="{B5CEABB6-07DC-46E8-9B57-56EC44A396E5}" type="slidenum">
+              <a:rPr lang="en-US" smtClean="0"/>
+              <a:pPr/>
+              <a:t>17</a:t>
+            </a:fld>
+            <a:endParaRPr lang="en-US" dirty="0"/>
+          </a:p>
+        </p:txBody>
+      </p:sp>
+      <p:sp>
+        <p:nvSpPr>
+          <p:cNvPr id="3" name="Text Placeholder 7">
+            <a:extLst>
+              <a:ext uri="{FF2B5EF4-FFF2-40B4-BE49-F238E27FC236}">
+                <a16:creationId xmlns:a16="http://schemas.microsoft.com/office/drawing/2014/main" id="{E047004A-0AD6-74D3-6185-38C7811A235C}"/>
+              </a:ext>
+            </a:extLst>
+          </p:cNvPr>
+          <p:cNvSpPr txBox="1">
+            <a:spLocks/>
+          </p:cNvSpPr>
+          <p:nvPr/>
+        </p:nvSpPr>
+        <p:spPr>
+          <a:xfrm>
+            <a:off x="359229" y="1786164"/>
+            <a:ext cx="11658600" cy="4070350"/>
+          </a:xfrm>
+          <a:prstGeom prst="rect">
+            <a:avLst/>
+          </a:prstGeom>
+        </p:spPr>
+        <p:txBody>
+          <a:bodyPr vert="horz" lIns="91440" tIns="45720" rIns="91440" bIns="45720" rtlCol="0">
+            <a:normAutofit fontScale="47500" lnSpcReduction="20000"/>
+          </a:bodyPr>
+          <a:lstStyle>
+            <a:lvl1pPr marL="0" indent="0" algn="ctr" defTabSz="914400" rtl="0" eaLnBrk="1" latinLnBrk="0" hangingPunct="1">
+              <a:lnSpc>
+                <a:spcPct val="100000"/>
+              </a:lnSpc>
+              <a:spcBef>
+                <a:spcPts val="1000"/>
+              </a:spcBef>
+              <a:buFont typeface="Arial" panose="020B0604020202020204" pitchFamily="34" charset="0"/>
+              <a:buNone/>
+              <a:defRPr sz="1400" kern="1200">
+                <a:solidFill>
+                  <a:schemeClr val="tx1">
+                    <a:lumMod val="75000"/>
+                    <a:lumOff val="25000"/>
+                  </a:schemeClr>
+                </a:solidFill>
+                <a:latin typeface="+mn-lt"/>
+                <a:ea typeface="+mn-ea"/>
+                <a:cs typeface="+mn-cs"/>
+              </a:defRPr>
+            </a:lvl1pPr>
+            <a:lvl2pPr marL="685800" indent="-228600" algn="l" defTabSz="914400" rtl="0" eaLnBrk="1" latinLnBrk="0" hangingPunct="1">
+              <a:lnSpc>
+                <a:spcPct val="90000"/>
+              </a:lnSpc>
+              <a:spcBef>
+                <a:spcPts val="500"/>
+              </a:spcBef>
+              <a:buFont typeface="Arial" panose="020B0604020202020204" pitchFamily="34" charset="0"/>
+              <a:buChar char="•"/>
+              <a:defRPr sz="2400" kern="1200">
+                <a:solidFill>
+                  <a:schemeClr val="tx1">
+                    <a:lumMod val="75000"/>
+                    <a:lumOff val="25000"/>
+                  </a:schemeClr>
+                </a:solidFill>
+                <a:latin typeface="+mn-lt"/>
+                <a:ea typeface="+mn-ea"/>
+                <a:cs typeface="+mn-cs"/>
+              </a:defRPr>
+            </a:lvl2pPr>
+            <a:lvl3pPr marL="1143000" indent="-228600" algn="l" defTabSz="914400" rtl="0" eaLnBrk="1" latinLnBrk="0" hangingPunct="1">
+              <a:lnSpc>
+                <a:spcPct val="90000"/>
+              </a:lnSpc>
+              <a:spcBef>
+                <a:spcPts val="500"/>
+              </a:spcBef>
+              <a:buFont typeface="Arial" panose="020B0604020202020204" pitchFamily="34" charset="0"/>
+              <a:buChar char="•"/>
+              <a:defRPr sz="2000" kern="1200">
+                <a:solidFill>
+                  <a:schemeClr val="tx1">
+                    <a:lumMod val="75000"/>
+                    <a:lumOff val="25000"/>
+                  </a:schemeClr>
+                </a:solidFill>
+                <a:latin typeface="+mn-lt"/>
+                <a:ea typeface="+mn-ea"/>
+                <a:cs typeface="+mn-cs"/>
+              </a:defRPr>
+            </a:lvl3pPr>
+            <a:lvl4pPr marL="1600200" indent="-228600" algn="l" defTabSz="914400" rtl="0" eaLnBrk="1" latinLnBrk="0" hangingPunct="1">
+              <a:lnSpc>
+                <a:spcPct val="90000"/>
+              </a:lnSpc>
+              <a:spcBef>
+                <a:spcPts val="500"/>
+              </a:spcBef>
+              <a:buFont typeface="Arial" panose="020B0604020202020204" pitchFamily="34" charset="0"/>
+              <a:buChar char="•"/>
+              <a:defRPr sz="1800" kern="1200">
+                <a:solidFill>
+                  <a:schemeClr val="tx1">
+                    <a:lumMod val="75000"/>
+                    <a:lumOff val="25000"/>
+                  </a:schemeClr>
+                </a:solidFill>
+                <a:latin typeface="+mn-lt"/>
+                <a:ea typeface="+mn-ea"/>
+                <a:cs typeface="+mn-cs"/>
+              </a:defRPr>
+            </a:lvl4pPr>
+            <a:lvl5pPr marL="2057400" indent="-228600" algn="l" defTabSz="914400" rtl="0" eaLnBrk="1" latinLnBrk="0" hangingPunct="1">
+              <a:lnSpc>
+                <a:spcPct val="90000"/>
+              </a:lnSpc>
+              <a:spcBef>
+                <a:spcPts val="500"/>
+              </a:spcBef>
+              <a:buFont typeface="Arial" panose="020B0604020202020204" pitchFamily="34" charset="0"/>
+              <a:buChar char="•"/>
+              <a:defRPr sz="1800" kern="1200">
+                <a:solidFill>
+                  <a:schemeClr val="tx1">
+                    <a:lumMod val="75000"/>
+                    <a:lumOff val="25000"/>
+                  </a:schemeClr>
+                </a:solidFill>
+                <a:latin typeface="+mn-lt"/>
+                <a:ea typeface="+mn-ea"/>
+                <a:cs typeface="+mn-cs"/>
+              </a:defRPr>
+            </a:lvl5pPr>
+            <a:lvl6pPr marL="2514600" indent="-228600" algn="l" defTabSz="914400" rtl="0" eaLnBrk="1" latinLnBrk="0" hangingPunct="1">
+              <a:lnSpc>
+                <a:spcPct val="90000"/>
+              </a:lnSpc>
+              <a:spcBef>
+                <a:spcPts val="500"/>
+              </a:spcBef>
+              <a:buFont typeface="Arial" panose="020B0604020202020204" pitchFamily="34" charset="0"/>
+              <a:buChar char="•"/>
+              <a:defRPr sz="1800" kern="1200">
+                <a:solidFill>
+                  <a:schemeClr val="tx1"/>
+                </a:solidFill>
+                <a:latin typeface="+mn-lt"/>
+                <a:ea typeface="+mn-ea"/>
+                <a:cs typeface="+mn-cs"/>
+              </a:defRPr>
+            </a:lvl6pPr>
+            <a:lvl7pPr marL="2971800" indent="-228600" algn="l" defTabSz="914400" rtl="0" eaLnBrk="1" latinLnBrk="0" hangingPunct="1">
+              <a:lnSpc>
+                <a:spcPct val="90000"/>
+              </a:lnSpc>
+              <a:spcBef>
+                <a:spcPts val="500"/>
+              </a:spcBef>
+              <a:buFont typeface="Arial" panose="020B0604020202020204" pitchFamily="34" charset="0"/>
+              <a:buChar char="•"/>
+              <a:defRPr sz="1800" kern="1200">
+                <a:solidFill>
+                  <a:schemeClr val="tx1"/>
+                </a:solidFill>
+                <a:latin typeface="+mn-lt"/>
+                <a:ea typeface="+mn-ea"/>
+                <a:cs typeface="+mn-cs"/>
+              </a:defRPr>
+            </a:lvl7pPr>
+            <a:lvl8pPr marL="3429000" indent="-228600" algn="l" defTabSz="914400" rtl="0" eaLnBrk="1" latinLnBrk="0" hangingPunct="1">
+              <a:lnSpc>
+                <a:spcPct val="90000"/>
+              </a:lnSpc>
+              <a:spcBef>
+                <a:spcPts val="500"/>
+              </a:spcBef>
+              <a:buFont typeface="Arial" panose="020B0604020202020204" pitchFamily="34" charset="0"/>
+              <a:buChar char="•"/>
+              <a:defRPr sz="1800" kern="1200">
+                <a:solidFill>
+                  <a:schemeClr val="tx1"/>
+                </a:solidFill>
+                <a:latin typeface="+mn-lt"/>
+                <a:ea typeface="+mn-ea"/>
+                <a:cs typeface="+mn-cs"/>
+              </a:defRPr>
+            </a:lvl8pPr>
+            <a:lvl9pPr marL="3886200" indent="-228600" algn="l" defTabSz="914400" rtl="0" eaLnBrk="1" latinLnBrk="0" hangingPunct="1">
+              <a:lnSpc>
+                <a:spcPct val="90000"/>
+              </a:lnSpc>
+              <a:spcBef>
+                <a:spcPts val="500"/>
+              </a:spcBef>
+              <a:buFont typeface="Arial" panose="020B0604020202020204" pitchFamily="34" charset="0"/>
+              <a:buChar char="•"/>
+              <a:defRPr sz="1800" kern="1200">
+                <a:solidFill>
+                  <a:schemeClr val="tx1"/>
+                </a:solidFill>
+                <a:latin typeface="+mn-lt"/>
+                <a:ea typeface="+mn-ea"/>
+                <a:cs typeface="+mn-cs"/>
+              </a:defRPr>
+            </a:lvl9pPr>
+          </a:lstStyle>
+          <a:p>
+            <a:pPr algn="l"/>
+            <a:r>
+              <a:rPr lang="en-US" sz="4800" b="1" dirty="0">
+                <a:solidFill>
+                  <a:schemeClr val="tx2"/>
+                </a:solidFill>
+                <a:latin typeface="+mj-lt"/>
+              </a:rPr>
+              <a:t>Improved Productivity &amp; Efficiency:</a:t>
+            </a:r>
+          </a:p>
+          <a:p>
+            <a:pPr lvl="1"/>
+            <a:r>
+              <a:rPr lang="en-US" sz="4500" dirty="0">
+                <a:solidFill>
+                  <a:schemeClr val="tx2"/>
+                </a:solidFill>
+                <a:latin typeface="+mj-lt"/>
+              </a:rPr>
+              <a:t>Call summary analysis can enhance both call center productivity and overall efficiency.</a:t>
+            </a:r>
+          </a:p>
+          <a:p>
+            <a:pPr algn="l"/>
+            <a:r>
+              <a:rPr lang="en-US" sz="4700" b="1" dirty="0">
+                <a:solidFill>
+                  <a:schemeClr val="tx2"/>
+                </a:solidFill>
+                <a:latin typeface="+mj-lt"/>
+              </a:rPr>
+              <a:t>Performance-Based Compensation:</a:t>
+            </a:r>
+          </a:p>
+          <a:p>
+            <a:pPr lvl="1"/>
+            <a:r>
+              <a:rPr lang="en-US" sz="4500" dirty="0">
+                <a:solidFill>
+                  <a:schemeClr val="tx2"/>
+                </a:solidFill>
+                <a:latin typeface="+mj-lt"/>
+              </a:rPr>
+              <a:t>Streamlined operations could lead to improved pay structures based on performance and growth metrics.</a:t>
+            </a:r>
+          </a:p>
+          <a:p>
+            <a:pPr algn="l"/>
+            <a:r>
+              <a:rPr lang="en-US" sz="4700" b="1" dirty="0">
+                <a:solidFill>
+                  <a:schemeClr val="tx2"/>
+                </a:solidFill>
+                <a:latin typeface="+mj-lt"/>
+              </a:rPr>
+              <a:t>Real-Time Implementation:</a:t>
+            </a:r>
+          </a:p>
+          <a:p>
+            <a:pPr lvl="1"/>
+            <a:r>
+              <a:rPr lang="en-US" sz="4500" dirty="0">
+                <a:solidFill>
+                  <a:schemeClr val="tx2"/>
+                </a:solidFill>
+                <a:latin typeface="+mj-lt"/>
+              </a:rPr>
+              <a:t>The entire process can be deployed in real time by integrating with an event hub, pipeline orchestration layer, and data transformation layer.</a:t>
+            </a:r>
+          </a:p>
+          <a:p>
+            <a:pPr algn="l"/>
+            <a:r>
+              <a:rPr lang="en-US" sz="4700" b="1" dirty="0">
+                <a:solidFill>
+                  <a:schemeClr val="tx2"/>
+                </a:solidFill>
+                <a:latin typeface="+mj-lt"/>
+              </a:rPr>
+              <a:t>Cloud Integration Flexibility:</a:t>
+            </a:r>
+          </a:p>
+          <a:p>
+            <a:pPr lvl="1"/>
+            <a:r>
+              <a:rPr lang="en-US" sz="4500" dirty="0">
+                <a:solidFill>
+                  <a:schemeClr val="tx2"/>
+                </a:solidFill>
+                <a:latin typeface="+mj-lt"/>
+              </a:rPr>
+              <a:t>The solution can seamlessly integrate with other cloud platforms such as AWS, Azure, and GCP, ensuring scalability and flexibility.</a:t>
+            </a:r>
+          </a:p>
+          <a:p>
+            <a:pPr algn="l"/>
+            <a:endParaRPr lang="en-US" sz="2000" dirty="0"/>
+          </a:p>
+        </p:txBody>
+      </p:sp>
+    </p:spTree>
+    <p:extLst>
+      <p:ext uri="{BB962C8B-B14F-4D97-AF65-F5344CB8AC3E}">
+        <p14:creationId xmlns:p14="http://schemas.microsoft.com/office/powerpoint/2010/main" val="3637083660"/>
+      </p:ext>
+    </p:extLst>
+  </p:cSld>
+  <p:clrMapOvr>
+    <a:masterClrMapping/>
+  </p:clrMapOvr>
+</p:sld>
+</file>
+
+<file path=ppt/slides/slide18.xml><?xml version="1.0" encoding="utf-8"?>
+<p:sld xmlns:a="http://schemas.openxmlformats.org/drawingml/2006/main" xmlns:r="http://schemas.openxmlformats.org/officeDocument/2006/relationships" xmlns:p="http://schemas.openxmlformats.org/presentationml/2006/main">
+  <p:cSld>
+    <p:spTree>
+      <p:nvGrpSpPr>
+        <p:cNvPr id="1" name=""/>
+        <p:cNvGrpSpPr/>
+        <p:nvPr/>
+      </p:nvGrpSpPr>
+      <p:grpSpPr>
+        <a:xfrm>
+          <a:off x="0" y="0"/>
+          <a:ext cx="0" cy="0"/>
+          <a:chOff x="0" y="0"/>
+          <a:chExt cx="0" cy="0"/>
+        </a:xfrm>
+      </p:grpSpPr>
+      <p:sp>
+        <p:nvSpPr>
+          <p:cNvPr id="2" name="Title 1">
+            <a:extLst>
+              <a:ext uri="{FF2B5EF4-FFF2-40B4-BE49-F238E27FC236}">
+                <a16:creationId xmlns:a16="http://schemas.microsoft.com/office/drawing/2014/main" id="{BCCAEE93-8585-46D4-A7EC-F184E317CB2E}"/>
+              </a:ext>
+            </a:extLst>
+          </p:cNvPr>
+          <p:cNvSpPr>
+            <a:spLocks noGrp="1"/>
+          </p:cNvSpPr>
+          <p:nvPr>
+            <p:ph type="ctrTitle"/>
+          </p:nvPr>
+        </p:nvSpPr>
+        <p:spPr>
+          <a:xfrm>
+            <a:off x="4542336" y="1904265"/>
+            <a:ext cx="4179570" cy="1524735"/>
+          </a:xfrm>
+        </p:spPr>
+        <p:txBody>
+          <a:bodyPr/>
+          <a:lstStyle/>
+          <a:p>
+            <a:r>
+              <a:rPr lang="en-US" dirty="0"/>
+              <a:t>THANK YOU</a:t>
+            </a:r>
+          </a:p>
+        </p:txBody>
+      </p:sp>
+      <p:sp>
+        <p:nvSpPr>
+          <p:cNvPr id="6" name="Slide Number Placeholder 5">
+            <a:extLst>
+              <a:ext uri="{FF2B5EF4-FFF2-40B4-BE49-F238E27FC236}">
+                <a16:creationId xmlns:a16="http://schemas.microsoft.com/office/drawing/2014/main" id="{5EDCFF82-B70F-4971-9182-7C3AEA3CFD26}"/>
+              </a:ext>
+            </a:extLst>
+          </p:cNvPr>
+          <p:cNvSpPr>
+            <a:spLocks noGrp="1"/>
+          </p:cNvSpPr>
+          <p:nvPr>
+            <p:ph type="sldNum" sz="quarter" idx="12"/>
+          </p:nvPr>
+        </p:nvSpPr>
+        <p:spPr>
+          <a:xfrm>
+            <a:off x="9579428" y="6356350"/>
+            <a:ext cx="1774371" cy="365125"/>
+          </a:xfrm>
+        </p:spPr>
+        <p:txBody>
+          <a:bodyPr/>
+          <a:lstStyle/>
+          <a:p>
+            <a:fld id="{B5CEABB6-07DC-46E8-9B57-56EC44A396E5}" type="slidenum">
+              <a:rPr lang="en-US" smtClean="0"/>
+              <a:pPr/>
+              <a:t>18</a:t>
             </a:fld>
             <a:endParaRPr lang="en-US" dirty="0"/>
           </a:p>
@@ -18624,10 +21678,7 @@
           <p:cNvPr id="2" name="Title 1">
             <a:extLst>
               <a:ext uri="{FF2B5EF4-FFF2-40B4-BE49-F238E27FC236}">
-                <a16:creationId xmlns:a16="http://schemas.microsoft.com/office/drawing/2014/main" id="{6719F29B-F233-48AF-8261-F33A4E079E3E}"/>
-              </a:ext>
-              <a:ext uri="{C183D7F6-B498-43B3-948B-1728B52AA6E4}">
-                <adec:decorative xmlns:adec="http://schemas.microsoft.com/office/drawing/2017/decorative" val="0"/>
+                <a16:creationId xmlns:a16="http://schemas.microsoft.com/office/drawing/2014/main" id="{27A6F7BB-30A8-4980-AD4A-2FB0B53FA6C9}"/>
               </a:ext>
             </a:extLst>
           </p:cNvPr>
@@ -18640,8 +21691,8 @@
         </p:nvSpPr>
         <p:spPr>
           <a:xfrm>
-            <a:off x="130628" y="1020445"/>
-            <a:ext cx="3171825" cy="1325563"/>
+            <a:off x="1689213" y="0"/>
+            <a:ext cx="8421688" cy="1325563"/>
           </a:xfrm>
         </p:spPr>
         <p:txBody>
@@ -18650,113 +21701,109 @@
           <a:p>
             <a:r>
               <a:rPr lang="en-US" dirty="0"/>
-              <a:t>ABOUT US</a:t>
-            </a:r>
-          </a:p>
-        </p:txBody>
-      </p:sp>
-      <p:sp>
-        <p:nvSpPr>
-          <p:cNvPr id="3" name="Subtitle 2">
-            <a:extLst>
-              <a:ext uri="{FF2B5EF4-FFF2-40B4-BE49-F238E27FC236}">
-                <a16:creationId xmlns:a16="http://schemas.microsoft.com/office/drawing/2014/main" id="{35E3EA69-4E0E-41BD-8095-A124225A2647}"/>
-              </a:ext>
-              <a:ext uri="{C183D7F6-B498-43B3-948B-1728B52AA6E4}">
-                <adec:decorative xmlns:adec="http://schemas.microsoft.com/office/drawing/2017/decorative" val="0"/>
-              </a:ext>
-            </a:extLst>
-          </p:cNvPr>
-          <p:cNvSpPr>
-            <a:spLocks noGrp="1"/>
-          </p:cNvSpPr>
-          <p:nvPr>
-            <p:ph idx="1"/>
-          </p:nvPr>
-        </p:nvSpPr>
-        <p:spPr>
-          <a:xfrm>
-            <a:off x="185057" y="2924175"/>
-            <a:ext cx="6338800" cy="2627539"/>
-          </a:xfrm>
-        </p:spPr>
-        <p:txBody>
-          <a:bodyPr>
-            <a:normAutofit/>
-          </a:bodyPr>
+              <a:t>MEET THE TEAM</a:t>
+            </a:r>
+          </a:p>
+        </p:txBody>
+      </p:sp>
+      <p:sp>
+        <p:nvSpPr>
+          <p:cNvPr id="24" name="Text Placeholder 23">
+            <a:extLst>
+              <a:ext uri="{FF2B5EF4-FFF2-40B4-BE49-F238E27FC236}">
+                <a16:creationId xmlns:a16="http://schemas.microsoft.com/office/drawing/2014/main" id="{7BAD1FFF-8B97-4CD1-85E7-B7738EAD28CD}"/>
+              </a:ext>
+            </a:extLst>
+          </p:cNvPr>
+          <p:cNvSpPr>
+            <a:spLocks noGrp="1"/>
+          </p:cNvSpPr>
+          <p:nvPr>
+            <p:ph type="body" idx="1"/>
+          </p:nvPr>
+        </p:nvSpPr>
+        <p:spPr>
+          <a:xfrm>
+            <a:off x="2116538" y="4920344"/>
+            <a:ext cx="2531664" cy="729343"/>
+          </a:xfrm>
+        </p:spPr>
+        <p:txBody>
+          <a:bodyPr/>
           <a:lstStyle/>
           <a:p>
             <a:r>
-              <a:rPr lang="en-US" sz="2800" b="1" dirty="0">
-                <a:solidFill>
-                  <a:schemeClr val="tx2"/>
-                </a:solidFill>
-              </a:rPr>
-              <a:t>Team - </a:t>
-            </a:r>
-            <a:r>
-              <a:rPr lang="en-US" sz="2400" b="1" i="0" dirty="0" err="1">
-                <a:solidFill>
-                  <a:schemeClr val="tx2"/>
-                </a:solidFill>
-                <a:effectLst/>
-                <a:latin typeface="IBM Plex Sans" panose="020B0503050203000203" pitchFamily="34" charset="0"/>
-              </a:rPr>
-              <a:t>TechMaverick</a:t>
-            </a:r>
-            <a:endParaRPr lang="en-US" sz="2800" b="1" dirty="0">
-              <a:solidFill>
-                <a:schemeClr val="tx2"/>
-              </a:solidFill>
-            </a:endParaRPr>
-          </a:p>
-          <a:p>
-            <a:r>
-              <a:rPr lang="en-US" sz="1800" b="1" dirty="0">
-                <a:solidFill>
-                  <a:schemeClr val="tx2"/>
-                </a:solidFill>
-              </a:rPr>
-              <a:t>Anirban Banerjee</a:t>
-            </a:r>
-          </a:p>
-          <a:p>
+              <a:rPr lang="en-US" b="1" dirty="0"/>
+              <a:t>AJOY KUMAR DAGA</a:t>
+            </a:r>
+            <a:br>
+              <a:rPr lang="en-US" b="1" dirty="0"/>
+            </a:br>
+            <a:br>
+              <a:rPr lang="en-US" b="1" dirty="0"/>
+            </a:br>
+            <a:r>
+              <a:rPr lang="en-US" dirty="0"/>
+              <a:t>14+ years of experience as Data engineer, Data architect and BI Consultant. </a:t>
+            </a:r>
+          </a:p>
+          <a:p>
+            <a:endParaRPr lang="en-US" b="1" dirty="0"/>
+          </a:p>
+        </p:txBody>
+      </p:sp>
+      <p:sp>
+        <p:nvSpPr>
+          <p:cNvPr id="33" name="Text Placeholder 32">
+            <a:extLst>
+              <a:ext uri="{FF2B5EF4-FFF2-40B4-BE49-F238E27FC236}">
+                <a16:creationId xmlns:a16="http://schemas.microsoft.com/office/drawing/2014/main" id="{10C8C8C1-99D8-4034-A628-DECEB703BA1D}"/>
+              </a:ext>
+            </a:extLst>
+          </p:cNvPr>
+          <p:cNvSpPr>
+            <a:spLocks noGrp="1"/>
+          </p:cNvSpPr>
+          <p:nvPr>
+            <p:ph type="body" idx="18"/>
+          </p:nvPr>
+        </p:nvSpPr>
+        <p:spPr>
+          <a:xfrm>
+            <a:off x="7053266" y="4918157"/>
+            <a:ext cx="2738141" cy="637657"/>
+          </a:xfrm>
+        </p:spPr>
+        <p:txBody>
+          <a:bodyPr/>
+          <a:lstStyle/>
+          <a:p>
+            <a:r>
+              <a:rPr lang="en-US" b="1" dirty="0"/>
+              <a:t>ANIRBAN BANERJEE</a:t>
+            </a:r>
+            <a:br>
+              <a:rPr lang="en-US" b="1" dirty="0"/>
+            </a:br>
+            <a:br>
+              <a:rPr lang="en-US" b="1" dirty="0"/>
+            </a:br>
             <a:r>
               <a:rPr lang="en-US" dirty="0"/>
               <a:t>16+ years of experience. Works as Architect and data engineer. </a:t>
             </a:r>
           </a:p>
           <a:p>
-            <a:br>
-              <a:rPr lang="en-US" b="1" dirty="0">
-                <a:solidFill>
-                  <a:schemeClr val="tx2"/>
-                </a:solidFill>
-              </a:rPr>
-            </a:br>
-            <a:r>
-              <a:rPr lang="en-US" sz="1800" b="1" dirty="0">
-                <a:solidFill>
-                  <a:schemeClr val="tx2"/>
-                </a:solidFill>
-              </a:rPr>
-              <a:t>Ajoy Kumar Daga</a:t>
-            </a:r>
-          </a:p>
-          <a:p>
-            <a:r>
-              <a:rPr lang="en-US" dirty="0"/>
-              <a:t>14+ years of experience as Data engineer, Data architecture and BI Consultant. </a:t>
-            </a:r>
-          </a:p>
-        </p:txBody>
-      </p:sp>
-      <p:sp>
-        <p:nvSpPr>
-          <p:cNvPr id="4" name="Slide Number Placeholder 3">
-            <a:extLst>
-              <a:ext uri="{FF2B5EF4-FFF2-40B4-BE49-F238E27FC236}">
-                <a16:creationId xmlns:a16="http://schemas.microsoft.com/office/drawing/2014/main" id="{328F602C-7F98-4C02-99D4-ED65E00D66A4}"/>
+            <a:endParaRPr lang="en-US" b="1" dirty="0"/>
+          </a:p>
+        </p:txBody>
+      </p:sp>
+      <p:sp>
+        <p:nvSpPr>
+          <p:cNvPr id="5" name="Slide Number Placeholder 4">
+            <a:extLst>
+              <a:ext uri="{FF2B5EF4-FFF2-40B4-BE49-F238E27FC236}">
+                <a16:creationId xmlns:a16="http://schemas.microsoft.com/office/drawing/2014/main" id="{46868410-BE8A-4C98-9C72-20D0A2A6A8B9}"/>
               </a:ext>
             </a:extLst>
           </p:cNvPr>
@@ -18769,15 +21816,15 @@
         </p:nvSpPr>
         <p:spPr>
           <a:xfrm>
-            <a:off x="5536305" y="6356350"/>
-            <a:ext cx="987552" cy="365125"/>
+            <a:off x="8610600" y="6356350"/>
+            <a:ext cx="2743200" cy="365125"/>
           </a:xfrm>
         </p:spPr>
         <p:txBody>
           <a:bodyPr/>
           <a:lstStyle/>
           <a:p>
-            <a:fld id="{19B51A1E-902D-48AF-9020-955120F399B6}" type="slidenum">
+            <a:fld id="{B5CEABB6-07DC-46E8-9B57-56EC44A396E5}" type="slidenum">
               <a:rPr lang="en-US" smtClean="0"/>
               <a:pPr/>
               <a:t>2</a:t>
@@ -18786,10 +21833,124 @@
           </a:p>
         </p:txBody>
       </p:sp>
+      <p:pic>
+        <p:nvPicPr>
+          <p:cNvPr id="7" name="Picture Placeholder 6" descr="A person taking a selfie&#10;&#10;Description automatically generated">
+            <a:extLst>
+              <a:ext uri="{FF2B5EF4-FFF2-40B4-BE49-F238E27FC236}">
+                <a16:creationId xmlns:a16="http://schemas.microsoft.com/office/drawing/2014/main" id="{F96A1906-6CB6-B4F5-4135-1747192C8F94}"/>
+              </a:ext>
+            </a:extLst>
+          </p:cNvPr>
+          <p:cNvPicPr>
+            <a:picLocks noGrp="1" noChangeAspect="1"/>
+          </p:cNvPicPr>
+          <p:nvPr>
+            <p:ph type="pic" sz="quarter" idx="14"/>
+          </p:nvPr>
+        </p:nvPicPr>
+        <p:blipFill>
+          <a:blip r:embed="rId2"/>
+          <a:srcRect l="43" r="43"/>
+          <a:stretch>
+            <a:fillRect/>
+          </a:stretch>
+        </p:blipFill>
+        <p:spPr>
+          <a:xfrm>
+            <a:off x="2410450" y="2451814"/>
+            <a:ext cx="1845511" cy="1845511"/>
+          </a:xfrm>
+        </p:spPr>
+      </p:pic>
+      <p:pic>
+        <p:nvPicPr>
+          <p:cNvPr id="12" name="Picture Placeholder 11" descr="A person wearing glasses&#10;&#10;Description automatically generated">
+            <a:extLst>
+              <a:ext uri="{FF2B5EF4-FFF2-40B4-BE49-F238E27FC236}">
+                <a16:creationId xmlns:a16="http://schemas.microsoft.com/office/drawing/2014/main" id="{F4810850-C404-5159-6A55-240903F701D7}"/>
+              </a:ext>
+            </a:extLst>
+          </p:cNvPr>
+          <p:cNvPicPr>
+            <a:picLocks noGrp="1" noChangeAspect="1"/>
+          </p:cNvPicPr>
+          <p:nvPr>
+            <p:ph type="pic" sz="quarter" idx="15"/>
+          </p:nvPr>
+        </p:nvPicPr>
+        <p:blipFill>
+          <a:blip r:embed="rId3"/>
+          <a:srcRect t="6326" b="6326"/>
+          <a:stretch>
+            <a:fillRect/>
+          </a:stretch>
+        </p:blipFill>
+        <p:spPr>
+          <a:xfrm>
+            <a:off x="7352916" y="2392497"/>
+            <a:ext cx="1845511" cy="1845511"/>
+          </a:xfrm>
+        </p:spPr>
+      </p:pic>
+      <p:sp>
+        <p:nvSpPr>
+          <p:cNvPr id="8" name="TextBox 7">
+            <a:extLst>
+              <a:ext uri="{FF2B5EF4-FFF2-40B4-BE49-F238E27FC236}">
+                <a16:creationId xmlns:a16="http://schemas.microsoft.com/office/drawing/2014/main" id="{19784BA0-BEAF-4242-78F2-86A693D73E3A}"/>
+              </a:ext>
+            </a:extLst>
+          </p:cNvPr>
+          <p:cNvSpPr txBox="1"/>
+          <p:nvPr/>
+        </p:nvSpPr>
+        <p:spPr>
+          <a:xfrm>
+            <a:off x="3880758" y="1127573"/>
+            <a:ext cx="6101442" cy="584775"/>
+          </a:xfrm>
+          <a:prstGeom prst="rect">
+            <a:avLst/>
+          </a:prstGeom>
+          <a:noFill/>
+        </p:spPr>
+        <p:txBody>
+          <a:bodyPr wrap="square">
+            <a:spAutoFit/>
+          </a:bodyPr>
+          <a:lstStyle/>
+          <a:p>
+            <a:r>
+              <a:rPr lang="en-US" sz="3200" b="1" dirty="0">
+                <a:solidFill>
+                  <a:schemeClr val="tx2"/>
+                </a:solidFill>
+              </a:rPr>
+              <a:t>Team – </a:t>
+            </a:r>
+            <a:r>
+              <a:rPr lang="en-US" sz="2800" b="1" i="0" dirty="0">
+                <a:solidFill>
+                  <a:schemeClr val="tx2"/>
+                </a:solidFill>
+                <a:effectLst/>
+                <a:latin typeface="IBM Plex Sans" panose="020B0503050203000203" pitchFamily="34" charset="0"/>
+              </a:rPr>
+              <a:t>Tech Maverick</a:t>
+            </a:r>
+            <a:endParaRPr lang="en-US" sz="3200" b="1" dirty="0">
+              <a:solidFill>
+                <a:schemeClr val="tx2"/>
+              </a:solidFill>
+            </a:endParaRPr>
+          </a:p>
+        </p:txBody>
+      </p:sp>
     </p:spTree>
     <p:extLst>
       <p:ext uri="{BB962C8B-B14F-4D97-AF65-F5344CB8AC3E}">
-        <p14:creationId xmlns:p14="http://schemas.microsoft.com/office/powerpoint/2010/main" val="2243494996"/>
+        <p14:creationId xmlns:p14="http://schemas.microsoft.com/office/powerpoint/2010/main" val="546627634"/>
       </p:ext>
     </p:extLst>
   </p:cSld>
@@ -18873,7 +22034,7 @@
         </p:spPr>
         <p:txBody>
           <a:bodyPr>
-            <a:normAutofit fontScale="92500"/>
+            <a:normAutofit lnSpcReduction="10000"/>
           </a:bodyPr>
           <a:lstStyle/>
           <a:p>
@@ -18894,7 +22055,7 @@
             </a:br>
             <a:r>
               <a:rPr lang="en-US" sz="2800" dirty="0"/>
-              <a:t>An e-commerce platform specializing in electronics faces a challenge with its call center data. Each day, the center handles a high volume of customer interactions, generating extensive data files of feedback and complaints.</a:t>
+              <a:t>An e-commerce platform faces a challenge with its call center data. Each day, the center handles a high volume of customer interactions through customer care calls, generating extensive data files of feedback and complaints.</a:t>
             </a:r>
             <a:br>
               <a:rPr lang="en-US" sz="2800" dirty="0"/>
@@ -18904,13 +22065,8 @@
             </a:br>
             <a:r>
               <a:rPr lang="en-US" sz="2800" dirty="0"/>
-              <a:t>However, this wealth of data remains underutilized, with limited insights into overall customer satisfaction and regional issues. The platform struggles to effectively analyze this data to identify trends, sentiment, and recurring problems, which hinders its ability to improve service quality and address customer concerns proactively</a:t>
-            </a:r>
-            <a:r>
-              <a:rPr lang="en-US" sz="4400" dirty="0"/>
-              <a:t>.</a:t>
-            </a:r>
-            <a:endParaRPr lang="en-US" dirty="0"/>
+              <a:t>However, this wealth of data remains underutilized, offering limited insights into overall customer satisfaction and regional issues. The platform struggles to effectively analyze this data to identify trends, sentiment, and recurring problems, which hinders its ability to improve service quality and address customer concerns proactively.</a:t>
+            </a:r>
           </a:p>
         </p:txBody>
       </p:sp>
@@ -18946,6 +22102,224 @@
               <a:t>3</a:t>
             </a:fld>
             <a:endParaRPr lang="en-US" dirty="0"/>
+          </a:p>
+        </p:txBody>
+      </p:sp>
+      <p:sp>
+        <p:nvSpPr>
+          <p:cNvPr id="3" name="Text Placeholder 7">
+            <a:extLst>
+              <a:ext uri="{FF2B5EF4-FFF2-40B4-BE49-F238E27FC236}">
+                <a16:creationId xmlns:a16="http://schemas.microsoft.com/office/drawing/2014/main" id="{57712F88-8108-0DCB-D00B-70E181E483E9}"/>
+              </a:ext>
+            </a:extLst>
+          </p:cNvPr>
+          <p:cNvSpPr txBox="1">
+            <a:spLocks/>
+          </p:cNvSpPr>
+          <p:nvPr/>
+        </p:nvSpPr>
+        <p:spPr>
+          <a:xfrm>
+            <a:off x="10249412" y="6105027"/>
+            <a:ext cx="1104388" cy="330286"/>
+          </a:xfrm>
+          <a:prstGeom prst="rect">
+            <a:avLst/>
+          </a:prstGeom>
+        </p:spPr>
+        <p:txBody>
+          <a:bodyPr vert="horz" lIns="91440" tIns="45720" rIns="91440" bIns="45720" rtlCol="0">
+            <a:normAutofit/>
+          </a:bodyPr>
+          <a:lstStyle>
+            <a:lvl1pPr marL="0" indent="0" algn="ctr" defTabSz="914400" rtl="0" eaLnBrk="1" latinLnBrk="0" hangingPunct="1">
+              <a:lnSpc>
+                <a:spcPct val="100000"/>
+              </a:lnSpc>
+              <a:spcBef>
+                <a:spcPts val="1000"/>
+              </a:spcBef>
+              <a:buFont typeface="Arial" panose="020B0604020202020204" pitchFamily="34" charset="0"/>
+              <a:buNone/>
+              <a:defRPr sz="1400" kern="1200">
+                <a:solidFill>
+                  <a:schemeClr val="tx1">
+                    <a:lumMod val="75000"/>
+                    <a:lumOff val="25000"/>
+                  </a:schemeClr>
+                </a:solidFill>
+                <a:latin typeface="+mn-lt"/>
+                <a:ea typeface="+mn-ea"/>
+                <a:cs typeface="+mn-cs"/>
+              </a:defRPr>
+            </a:lvl1pPr>
+            <a:lvl2pPr marL="685800" indent="-228600" algn="l" defTabSz="914400" rtl="0" eaLnBrk="1" latinLnBrk="0" hangingPunct="1">
+              <a:lnSpc>
+                <a:spcPct val="90000"/>
+              </a:lnSpc>
+              <a:spcBef>
+                <a:spcPts val="500"/>
+              </a:spcBef>
+              <a:buFont typeface="Arial" panose="020B0604020202020204" pitchFamily="34" charset="0"/>
+              <a:buChar char="•"/>
+              <a:defRPr sz="2400" kern="1200">
+                <a:solidFill>
+                  <a:schemeClr val="tx1">
+                    <a:lumMod val="75000"/>
+                    <a:lumOff val="25000"/>
+                  </a:schemeClr>
+                </a:solidFill>
+                <a:latin typeface="+mn-lt"/>
+                <a:ea typeface="+mn-ea"/>
+                <a:cs typeface="+mn-cs"/>
+              </a:defRPr>
+            </a:lvl2pPr>
+            <a:lvl3pPr marL="1143000" indent="-228600" algn="l" defTabSz="914400" rtl="0" eaLnBrk="1" latinLnBrk="0" hangingPunct="1">
+              <a:lnSpc>
+                <a:spcPct val="90000"/>
+              </a:lnSpc>
+              <a:spcBef>
+                <a:spcPts val="500"/>
+              </a:spcBef>
+              <a:buFont typeface="Arial" panose="020B0604020202020204" pitchFamily="34" charset="0"/>
+              <a:buChar char="•"/>
+              <a:defRPr sz="2000" kern="1200">
+                <a:solidFill>
+                  <a:schemeClr val="tx1">
+                    <a:lumMod val="75000"/>
+                    <a:lumOff val="25000"/>
+                  </a:schemeClr>
+                </a:solidFill>
+                <a:latin typeface="+mn-lt"/>
+                <a:ea typeface="+mn-ea"/>
+                <a:cs typeface="+mn-cs"/>
+              </a:defRPr>
+            </a:lvl3pPr>
+            <a:lvl4pPr marL="1600200" indent="-228600" algn="l" defTabSz="914400" rtl="0" eaLnBrk="1" latinLnBrk="0" hangingPunct="1">
+              <a:lnSpc>
+                <a:spcPct val="90000"/>
+              </a:lnSpc>
+              <a:spcBef>
+                <a:spcPts val="500"/>
+              </a:spcBef>
+              <a:buFont typeface="Arial" panose="020B0604020202020204" pitchFamily="34" charset="0"/>
+              <a:buChar char="•"/>
+              <a:defRPr sz="1800" kern="1200">
+                <a:solidFill>
+                  <a:schemeClr val="tx1">
+                    <a:lumMod val="75000"/>
+                    <a:lumOff val="25000"/>
+                  </a:schemeClr>
+                </a:solidFill>
+                <a:latin typeface="+mn-lt"/>
+                <a:ea typeface="+mn-ea"/>
+                <a:cs typeface="+mn-cs"/>
+              </a:defRPr>
+            </a:lvl4pPr>
+            <a:lvl5pPr marL="2057400" indent="-228600" algn="l" defTabSz="914400" rtl="0" eaLnBrk="1" latinLnBrk="0" hangingPunct="1">
+              <a:lnSpc>
+                <a:spcPct val="90000"/>
+              </a:lnSpc>
+              <a:spcBef>
+                <a:spcPts val="500"/>
+              </a:spcBef>
+              <a:buFont typeface="Arial" panose="020B0604020202020204" pitchFamily="34" charset="0"/>
+              <a:buChar char="•"/>
+              <a:defRPr sz="1800" kern="1200">
+                <a:solidFill>
+                  <a:schemeClr val="tx1">
+                    <a:lumMod val="75000"/>
+                    <a:lumOff val="25000"/>
+                  </a:schemeClr>
+                </a:solidFill>
+                <a:latin typeface="+mn-lt"/>
+                <a:ea typeface="+mn-ea"/>
+                <a:cs typeface="+mn-cs"/>
+              </a:defRPr>
+            </a:lvl5pPr>
+            <a:lvl6pPr marL="2514600" indent="-228600" algn="l" defTabSz="914400" rtl="0" eaLnBrk="1" latinLnBrk="0" hangingPunct="1">
+              <a:lnSpc>
+                <a:spcPct val="90000"/>
+              </a:lnSpc>
+              <a:spcBef>
+                <a:spcPts val="500"/>
+              </a:spcBef>
+              <a:buFont typeface="Arial" panose="020B0604020202020204" pitchFamily="34" charset="0"/>
+              <a:buChar char="•"/>
+              <a:defRPr sz="1800" kern="1200">
+                <a:solidFill>
+                  <a:schemeClr val="tx1"/>
+                </a:solidFill>
+                <a:latin typeface="+mn-lt"/>
+                <a:ea typeface="+mn-ea"/>
+                <a:cs typeface="+mn-cs"/>
+              </a:defRPr>
+            </a:lvl6pPr>
+            <a:lvl7pPr marL="2971800" indent="-228600" algn="l" defTabSz="914400" rtl="0" eaLnBrk="1" latinLnBrk="0" hangingPunct="1">
+              <a:lnSpc>
+                <a:spcPct val="90000"/>
+              </a:lnSpc>
+              <a:spcBef>
+                <a:spcPts val="500"/>
+              </a:spcBef>
+              <a:buFont typeface="Arial" panose="020B0604020202020204" pitchFamily="34" charset="0"/>
+              <a:buChar char="•"/>
+              <a:defRPr sz="1800" kern="1200">
+                <a:solidFill>
+                  <a:schemeClr val="tx1"/>
+                </a:solidFill>
+                <a:latin typeface="+mn-lt"/>
+                <a:ea typeface="+mn-ea"/>
+                <a:cs typeface="+mn-cs"/>
+              </a:defRPr>
+            </a:lvl7pPr>
+            <a:lvl8pPr marL="3429000" indent="-228600" algn="l" defTabSz="914400" rtl="0" eaLnBrk="1" latinLnBrk="0" hangingPunct="1">
+              <a:lnSpc>
+                <a:spcPct val="90000"/>
+              </a:lnSpc>
+              <a:spcBef>
+                <a:spcPts val="500"/>
+              </a:spcBef>
+              <a:buFont typeface="Arial" panose="020B0604020202020204" pitchFamily="34" charset="0"/>
+              <a:buChar char="•"/>
+              <a:defRPr sz="1800" kern="1200">
+                <a:solidFill>
+                  <a:schemeClr val="tx1"/>
+                </a:solidFill>
+                <a:latin typeface="+mn-lt"/>
+                <a:ea typeface="+mn-ea"/>
+                <a:cs typeface="+mn-cs"/>
+              </a:defRPr>
+            </a:lvl8pPr>
+            <a:lvl9pPr marL="3886200" indent="-228600" algn="l" defTabSz="914400" rtl="0" eaLnBrk="1" latinLnBrk="0" hangingPunct="1">
+              <a:lnSpc>
+                <a:spcPct val="90000"/>
+              </a:lnSpc>
+              <a:spcBef>
+                <a:spcPts val="500"/>
+              </a:spcBef>
+              <a:buFont typeface="Arial" panose="020B0604020202020204" pitchFamily="34" charset="0"/>
+              <a:buChar char="•"/>
+              <a:defRPr sz="1800" kern="1200">
+                <a:solidFill>
+                  <a:schemeClr val="tx1"/>
+                </a:solidFill>
+                <a:latin typeface="+mn-lt"/>
+                <a:ea typeface="+mn-ea"/>
+                <a:cs typeface="+mn-cs"/>
+              </a:defRPr>
+            </a:lvl9pPr>
+          </a:lstStyle>
+          <a:p>
+            <a:r>
+              <a:rPr lang="en-US" b="1" dirty="0"/>
+              <a:t>Contd</a:t>
+            </a:r>
+            <a:r>
+              <a:rPr lang="en-US" dirty="0"/>
+              <a:t>…</a:t>
+            </a:r>
           </a:p>
         </p:txBody>
       </p:sp>
@@ -19036,13 +22410,13 @@
         </p:spPr>
         <p:txBody>
           <a:bodyPr>
-            <a:normAutofit fontScale="92500" lnSpcReduction="20000"/>
+            <a:normAutofit/>
           </a:bodyPr>
           <a:lstStyle/>
           <a:p>
             <a:pPr algn="l"/>
             <a:r>
-              <a:rPr lang="en-US" sz="4000" b="1" dirty="0">
+              <a:rPr lang="en-US" sz="3200" b="1" dirty="0">
                 <a:solidFill>
                   <a:schemeClr val="tx2"/>
                 </a:solidFill>
@@ -19056,12 +22430,16 @@
               <a:buChar char="•"/>
             </a:pPr>
             <a:r>
+              <a:rPr lang="en-US" sz="3200" b="1" dirty="0"/>
+              <a:t>Real Time Data analysis </a:t>
+            </a:r>
+            <a:r>
               <a:rPr lang="en-US" sz="4000" b="1" dirty="0"/>
-              <a:t>Real Time Data analysis – </a:t>
-            </a:r>
-            <a:r>
-              <a:rPr lang="en-US" sz="4000" dirty="0"/>
-              <a:t>Analyze the call recording at real time basic</a:t>
+              <a:t>– </a:t>
+            </a:r>
+            <a:r>
+              <a:rPr lang="en-US" sz="3000" dirty="0"/>
+              <a:t>Analyze the call recording at real time basis.</a:t>
             </a:r>
           </a:p>
           <a:p>
@@ -19070,12 +22448,12 @@
               <a:buChar char="•"/>
             </a:pPr>
             <a:r>
-              <a:rPr lang="en-US" sz="4000" b="1" dirty="0"/>
-              <a:t>Sentiment Analysis:</a:t>
-            </a:r>
-            <a:r>
-              <a:rPr lang="en-US" sz="4000" dirty="0"/>
-              <a:t> Accurately determining sentiment from call conversation.</a:t>
+              <a:rPr lang="en-US" sz="3200" b="1" dirty="0"/>
+              <a:t>Sentiment Analysis: </a:t>
+            </a:r>
+            <a:r>
+              <a:rPr lang="en-US" sz="3000" dirty="0"/>
+              <a:t>Accurately determining sentiment from call conversation.</a:t>
             </a:r>
           </a:p>
           <a:p>
@@ -19084,12 +22462,12 @@
               <a:buChar char="•"/>
             </a:pPr>
             <a:r>
-              <a:rPr lang="en-US" sz="4000" b="1" dirty="0"/>
-              <a:t>Call Summarization</a:t>
-            </a:r>
-            <a:r>
-              <a:rPr lang="en-US" sz="4000" dirty="0"/>
-              <a:t>: Call summarization for further analysis.</a:t>
+              <a:rPr lang="en-US" sz="3200" b="1" dirty="0"/>
+              <a:t>Call Summarization: </a:t>
+            </a:r>
+            <a:r>
+              <a:rPr lang="en-US" sz="3000" dirty="0"/>
+              <a:t>Call summarization for further analysis.</a:t>
             </a:r>
           </a:p>
           <a:p>
@@ -19098,12 +22476,12 @@
               <a:buChar char="•"/>
             </a:pPr>
             <a:r>
-              <a:rPr lang="en-US" sz="4000" b="1" dirty="0"/>
-              <a:t>Regional Insights:</a:t>
-            </a:r>
-            <a:r>
-              <a:rPr lang="en-US" sz="4000" dirty="0"/>
-              <a:t> Extracting and visualizing location-based trends and issues.</a:t>
+              <a:rPr lang="en-US" sz="3200" b="1" dirty="0"/>
+              <a:t>Regional Insights: </a:t>
+            </a:r>
+            <a:r>
+              <a:rPr lang="en-US" sz="3000" dirty="0"/>
+              <a:t>Extracting and visualizing location-based trends and issues.</a:t>
             </a:r>
           </a:p>
         </p:txBody>
@@ -19140,6 +22518,221 @@
               <a:t>4</a:t>
             </a:fld>
             <a:endParaRPr lang="en-US" dirty="0"/>
+          </a:p>
+        </p:txBody>
+      </p:sp>
+      <p:sp>
+        <p:nvSpPr>
+          <p:cNvPr id="3" name="Text Placeholder 7">
+            <a:extLst>
+              <a:ext uri="{FF2B5EF4-FFF2-40B4-BE49-F238E27FC236}">
+                <a16:creationId xmlns:a16="http://schemas.microsoft.com/office/drawing/2014/main" id="{D660D30A-927C-EE50-D4BC-38CA8F8F5416}"/>
+              </a:ext>
+            </a:extLst>
+          </p:cNvPr>
+          <p:cNvSpPr txBox="1">
+            <a:spLocks/>
+          </p:cNvSpPr>
+          <p:nvPr/>
+        </p:nvSpPr>
+        <p:spPr>
+          <a:xfrm>
+            <a:off x="10488898" y="6050599"/>
+            <a:ext cx="1104388" cy="330286"/>
+          </a:xfrm>
+          <a:prstGeom prst="rect">
+            <a:avLst/>
+          </a:prstGeom>
+        </p:spPr>
+        <p:txBody>
+          <a:bodyPr vert="horz" lIns="91440" tIns="45720" rIns="91440" bIns="45720" rtlCol="0">
+            <a:normAutofit/>
+          </a:bodyPr>
+          <a:lstStyle>
+            <a:lvl1pPr marL="0" indent="0" algn="ctr" defTabSz="914400" rtl="0" eaLnBrk="1" latinLnBrk="0" hangingPunct="1">
+              <a:lnSpc>
+                <a:spcPct val="100000"/>
+              </a:lnSpc>
+              <a:spcBef>
+                <a:spcPts val="1000"/>
+              </a:spcBef>
+              <a:buFont typeface="Arial" panose="020B0604020202020204" pitchFamily="34" charset="0"/>
+              <a:buNone/>
+              <a:defRPr sz="1400" kern="1200">
+                <a:solidFill>
+                  <a:schemeClr val="tx1">
+                    <a:lumMod val="75000"/>
+                    <a:lumOff val="25000"/>
+                  </a:schemeClr>
+                </a:solidFill>
+                <a:latin typeface="+mn-lt"/>
+                <a:ea typeface="+mn-ea"/>
+                <a:cs typeface="+mn-cs"/>
+              </a:defRPr>
+            </a:lvl1pPr>
+            <a:lvl2pPr marL="685800" indent="-228600" algn="l" defTabSz="914400" rtl="0" eaLnBrk="1" latinLnBrk="0" hangingPunct="1">
+              <a:lnSpc>
+                <a:spcPct val="90000"/>
+              </a:lnSpc>
+              <a:spcBef>
+                <a:spcPts val="500"/>
+              </a:spcBef>
+              <a:buFont typeface="Arial" panose="020B0604020202020204" pitchFamily="34" charset="0"/>
+              <a:buChar char="•"/>
+              <a:defRPr sz="2400" kern="1200">
+                <a:solidFill>
+                  <a:schemeClr val="tx1">
+                    <a:lumMod val="75000"/>
+                    <a:lumOff val="25000"/>
+                  </a:schemeClr>
+                </a:solidFill>
+                <a:latin typeface="+mn-lt"/>
+                <a:ea typeface="+mn-ea"/>
+                <a:cs typeface="+mn-cs"/>
+              </a:defRPr>
+            </a:lvl2pPr>
+            <a:lvl3pPr marL="1143000" indent="-228600" algn="l" defTabSz="914400" rtl="0" eaLnBrk="1" latinLnBrk="0" hangingPunct="1">
+              <a:lnSpc>
+                <a:spcPct val="90000"/>
+              </a:lnSpc>
+              <a:spcBef>
+                <a:spcPts val="500"/>
+              </a:spcBef>
+              <a:buFont typeface="Arial" panose="020B0604020202020204" pitchFamily="34" charset="0"/>
+              <a:buChar char="•"/>
+              <a:defRPr sz="2000" kern="1200">
+                <a:solidFill>
+                  <a:schemeClr val="tx1">
+                    <a:lumMod val="75000"/>
+                    <a:lumOff val="25000"/>
+                  </a:schemeClr>
+                </a:solidFill>
+                <a:latin typeface="+mn-lt"/>
+                <a:ea typeface="+mn-ea"/>
+                <a:cs typeface="+mn-cs"/>
+              </a:defRPr>
+            </a:lvl3pPr>
+            <a:lvl4pPr marL="1600200" indent="-228600" algn="l" defTabSz="914400" rtl="0" eaLnBrk="1" latinLnBrk="0" hangingPunct="1">
+              <a:lnSpc>
+                <a:spcPct val="90000"/>
+              </a:lnSpc>
+              <a:spcBef>
+                <a:spcPts val="500"/>
+              </a:spcBef>
+              <a:buFont typeface="Arial" panose="020B0604020202020204" pitchFamily="34" charset="0"/>
+              <a:buChar char="•"/>
+              <a:defRPr sz="1800" kern="1200">
+                <a:solidFill>
+                  <a:schemeClr val="tx1">
+                    <a:lumMod val="75000"/>
+                    <a:lumOff val="25000"/>
+                  </a:schemeClr>
+                </a:solidFill>
+                <a:latin typeface="+mn-lt"/>
+                <a:ea typeface="+mn-ea"/>
+                <a:cs typeface="+mn-cs"/>
+              </a:defRPr>
+            </a:lvl4pPr>
+            <a:lvl5pPr marL="2057400" indent="-228600" algn="l" defTabSz="914400" rtl="0" eaLnBrk="1" latinLnBrk="0" hangingPunct="1">
+              <a:lnSpc>
+                <a:spcPct val="90000"/>
+              </a:lnSpc>
+              <a:spcBef>
+                <a:spcPts val="500"/>
+              </a:spcBef>
+              <a:buFont typeface="Arial" panose="020B0604020202020204" pitchFamily="34" charset="0"/>
+              <a:buChar char="•"/>
+              <a:defRPr sz="1800" kern="1200">
+                <a:solidFill>
+                  <a:schemeClr val="tx1">
+                    <a:lumMod val="75000"/>
+                    <a:lumOff val="25000"/>
+                  </a:schemeClr>
+                </a:solidFill>
+                <a:latin typeface="+mn-lt"/>
+                <a:ea typeface="+mn-ea"/>
+                <a:cs typeface="+mn-cs"/>
+              </a:defRPr>
+            </a:lvl5pPr>
+            <a:lvl6pPr marL="2514600" indent="-228600" algn="l" defTabSz="914400" rtl="0" eaLnBrk="1" latinLnBrk="0" hangingPunct="1">
+              <a:lnSpc>
+                <a:spcPct val="90000"/>
+              </a:lnSpc>
+              <a:spcBef>
+                <a:spcPts val="500"/>
+              </a:spcBef>
+              <a:buFont typeface="Arial" panose="020B0604020202020204" pitchFamily="34" charset="0"/>
+              <a:buChar char="•"/>
+              <a:defRPr sz="1800" kern="1200">
+                <a:solidFill>
+                  <a:schemeClr val="tx1"/>
+                </a:solidFill>
+                <a:latin typeface="+mn-lt"/>
+                <a:ea typeface="+mn-ea"/>
+                <a:cs typeface="+mn-cs"/>
+              </a:defRPr>
+            </a:lvl6pPr>
+            <a:lvl7pPr marL="2971800" indent="-228600" algn="l" defTabSz="914400" rtl="0" eaLnBrk="1" latinLnBrk="0" hangingPunct="1">
+              <a:lnSpc>
+                <a:spcPct val="90000"/>
+              </a:lnSpc>
+              <a:spcBef>
+                <a:spcPts val="500"/>
+              </a:spcBef>
+              <a:buFont typeface="Arial" panose="020B0604020202020204" pitchFamily="34" charset="0"/>
+              <a:buChar char="•"/>
+              <a:defRPr sz="1800" kern="1200">
+                <a:solidFill>
+                  <a:schemeClr val="tx1"/>
+                </a:solidFill>
+                <a:latin typeface="+mn-lt"/>
+                <a:ea typeface="+mn-ea"/>
+                <a:cs typeface="+mn-cs"/>
+              </a:defRPr>
+            </a:lvl7pPr>
+            <a:lvl8pPr marL="3429000" indent="-228600" algn="l" defTabSz="914400" rtl="0" eaLnBrk="1" latinLnBrk="0" hangingPunct="1">
+              <a:lnSpc>
+                <a:spcPct val="90000"/>
+              </a:lnSpc>
+              <a:spcBef>
+                <a:spcPts val="500"/>
+              </a:spcBef>
+              <a:buFont typeface="Arial" panose="020B0604020202020204" pitchFamily="34" charset="0"/>
+              <a:buChar char="•"/>
+              <a:defRPr sz="1800" kern="1200">
+                <a:solidFill>
+                  <a:schemeClr val="tx1"/>
+                </a:solidFill>
+                <a:latin typeface="+mn-lt"/>
+                <a:ea typeface="+mn-ea"/>
+                <a:cs typeface="+mn-cs"/>
+              </a:defRPr>
+            </a:lvl8pPr>
+            <a:lvl9pPr marL="3886200" indent="-228600" algn="l" defTabSz="914400" rtl="0" eaLnBrk="1" latinLnBrk="0" hangingPunct="1">
+              <a:lnSpc>
+                <a:spcPct val="90000"/>
+              </a:lnSpc>
+              <a:spcBef>
+                <a:spcPts val="500"/>
+              </a:spcBef>
+              <a:buFont typeface="Arial" panose="020B0604020202020204" pitchFamily="34" charset="0"/>
+              <a:buChar char="•"/>
+              <a:defRPr sz="1800" kern="1200">
+                <a:solidFill>
+                  <a:schemeClr val="tx1"/>
+                </a:solidFill>
+                <a:latin typeface="+mn-lt"/>
+                <a:ea typeface="+mn-ea"/>
+                <a:cs typeface="+mn-cs"/>
+              </a:defRPr>
+            </a:lvl9pPr>
+          </a:lstStyle>
+          <a:p>
+            <a:r>
+              <a:rPr lang="en-US" b="1"/>
+              <a:t>Contd…</a:t>
+            </a:r>
+            <a:endParaRPr lang="en-US" b="1" dirty="0"/>
           </a:p>
         </p:txBody>
       </p:sp>
@@ -19236,7 +22829,7 @@
           <a:p>
             <a:pPr algn="l"/>
             <a:r>
-              <a:rPr lang="en-US" sz="2800" b="1" dirty="0">
+              <a:rPr lang="en-US" sz="3000" b="1" dirty="0">
                 <a:solidFill>
                   <a:schemeClr val="tx2"/>
                 </a:solidFill>
@@ -19247,10 +22840,9 @@
           <a:p>
             <a:pPr algn="l"/>
             <a:r>
-              <a:rPr lang="en-US" sz="3600" dirty="0"/>
-              <a:t>Integrate IBM Watson for sentiment, call summarization to address the challenges.</a:t>
-            </a:r>
-            <a:endParaRPr lang="en-US" sz="2800" dirty="0"/>
+              <a:rPr lang="en-US" sz="2800" dirty="0"/>
+              <a:t>Integrate IBM Watson for sentiment analysis, call summarization, feature extraction to address the challenges.</a:t>
+            </a:r>
           </a:p>
         </p:txBody>
       </p:sp>
@@ -19370,13 +22962,13 @@
         </p:nvSpPr>
         <p:spPr>
           <a:xfrm>
-            <a:off x="206829" y="1633764"/>
-            <a:ext cx="11658600" cy="3941080"/>
+            <a:off x="206829" y="1633763"/>
+            <a:ext cx="11658600" cy="4342493"/>
           </a:xfrm>
         </p:spPr>
         <p:txBody>
           <a:bodyPr>
-            <a:normAutofit/>
+            <a:normAutofit fontScale="92500" lnSpcReduction="10000"/>
           </a:bodyPr>
           <a:lstStyle/>
           <a:p>
@@ -19388,7 +22980,7 @@
                 </a:solidFill>
                 <a:latin typeface="+mj-lt"/>
               </a:rPr>
-              <a:t>Datasets</a:t>
+              <a:t>Dataset Used:</a:t>
             </a:r>
             <a:endParaRPr lang="en-US" sz="2600" dirty="0">
               <a:solidFill>
@@ -19503,7 +23095,7 @@
                 </a:solidFill>
                 <a:latin typeface="+mj-lt"/>
               </a:rPr>
-              <a:t>Model used</a:t>
+              <a:t>LLM Model used:</a:t>
             </a:r>
             <a:br>
               <a:rPr lang="en-US" sz="2800" dirty="0">
@@ -19553,6 +23145,113 @@
               </a:rPr>
               <a:t>/granite-13b-chat-v2 (for call summary)</a:t>
             </a:r>
+            <a:br>
+              <a:rPr lang="en-US" sz="1800" dirty="0">
+                <a:solidFill>
+                  <a:schemeClr val="tx1"/>
+                </a:solidFill>
+                <a:effectLst/>
+                <a:latin typeface="+mj-lt"/>
+              </a:rPr>
+            </a:br>
+            <a:br>
+              <a:rPr lang="en-US" sz="1800" dirty="0">
+                <a:solidFill>
+                  <a:schemeClr val="tx1"/>
+                </a:solidFill>
+                <a:effectLst/>
+                <a:latin typeface="+mj-lt"/>
+              </a:rPr>
+            </a:br>
+            <a:r>
+              <a:rPr lang="en-US" sz="2800" dirty="0">
+                <a:solidFill>
+                  <a:schemeClr val="tx2"/>
+                </a:solidFill>
+                <a:effectLst/>
+                <a:latin typeface="+mj-lt"/>
+              </a:rPr>
+              <a:t>O</a:t>
+            </a:r>
+            <a:r>
+              <a:rPr lang="en-US" sz="2800" dirty="0">
+                <a:solidFill>
+                  <a:schemeClr val="tx2"/>
+                </a:solidFill>
+                <a:latin typeface="+mj-lt"/>
+              </a:rPr>
+              <a:t>ther:</a:t>
+            </a:r>
+          </a:p>
+          <a:p>
+            <a:pPr algn="l"/>
+            <a:r>
+              <a:rPr lang="en-US" sz="1800" dirty="0">
+                <a:solidFill>
+                  <a:schemeClr val="tx1"/>
+                </a:solidFill>
+                <a:effectLst/>
+                <a:latin typeface="+mj-lt"/>
+              </a:rPr>
+              <a:t>Language - Python</a:t>
+            </a:r>
+            <a:endParaRPr lang="en-US" sz="1800" dirty="0">
+              <a:solidFill>
+                <a:schemeClr val="tx1"/>
+              </a:solidFill>
+              <a:latin typeface="+mj-lt"/>
+            </a:endParaRPr>
+          </a:p>
+          <a:p>
+            <a:pPr algn="l"/>
+            <a:r>
+              <a:rPr lang="en-US" sz="1800" dirty="0">
+                <a:solidFill>
+                  <a:schemeClr val="tx1"/>
+                </a:solidFill>
+                <a:effectLst/>
+                <a:latin typeface="+mj-lt"/>
+              </a:rPr>
+              <a:t>Git - </a:t>
+            </a:r>
+            <a:r>
+              <a:rPr lang="en-US" sz="1800" dirty="0">
+                <a:solidFill>
+                  <a:schemeClr val="tx1"/>
+                </a:solidFill>
+                <a:effectLst/>
+                <a:latin typeface="+mj-lt"/>
+                <a:hlinkClick r:id="rId2"/>
+              </a:rPr>
+              <a:t>https://github.com/meanirban100/IBM-Watson-Hackathon.git</a:t>
+            </a:r>
+            <a:endParaRPr lang="en-US" sz="1800" dirty="0">
+              <a:solidFill>
+                <a:schemeClr val="tx1"/>
+              </a:solidFill>
+              <a:effectLst/>
+              <a:latin typeface="+mj-lt"/>
+            </a:endParaRPr>
+          </a:p>
+          <a:p>
+            <a:pPr algn="l"/>
+            <a:endParaRPr lang="en-US" sz="1800" dirty="0">
+              <a:solidFill>
+                <a:schemeClr val="tx1"/>
+              </a:solidFill>
+              <a:effectLst/>
+              <a:latin typeface="+mj-lt"/>
+            </a:endParaRPr>
+          </a:p>
+          <a:p>
+            <a:pPr algn="l"/>
+            <a:endParaRPr lang="en-US" sz="1800" dirty="0">
+              <a:solidFill>
+                <a:schemeClr val="tx1"/>
+              </a:solidFill>
+              <a:effectLst/>
+              <a:latin typeface="+mj-lt"/>
+            </a:endParaRPr>
           </a:p>
           <a:p>
             <a:pPr algn="l"/>
@@ -19681,7 +23380,7 @@
           <a:p>
             <a:r>
               <a:rPr lang="en-US" dirty="0"/>
-              <a:t>`Solution Architecture</a:t>
+              <a:t>Solution Architecture</a:t>
             </a:r>
           </a:p>
         </p:txBody>
@@ -19782,6 +23481,36 @@
           </a:p>
         </p:txBody>
       </p:sp>
+      <p:pic>
+        <p:nvPicPr>
+          <p:cNvPr id="6" name="Picture 5">
+            <a:extLst>
+              <a:ext uri="{FF2B5EF4-FFF2-40B4-BE49-F238E27FC236}">
+                <a16:creationId xmlns:a16="http://schemas.microsoft.com/office/drawing/2014/main" id="{E14C745A-DF94-10EE-D7E5-FE530EB31656}"/>
+              </a:ext>
+            </a:extLst>
+          </p:cNvPr>
+          <p:cNvPicPr>
+            <a:picLocks noChangeAspect="1"/>
+          </p:cNvPicPr>
+          <p:nvPr/>
+        </p:nvPicPr>
+        <p:blipFill>
+          <a:blip r:embed="rId2"/>
+          <a:stretch>
+            <a:fillRect/>
+          </a:stretch>
+        </p:blipFill>
+        <p:spPr>
+          <a:xfrm>
+            <a:off x="1478416" y="1225550"/>
+            <a:ext cx="9115425" cy="5495925"/>
+          </a:xfrm>
+          <a:prstGeom prst="rect">
+            <a:avLst/>
+          </a:prstGeom>
+        </p:spPr>
+      </p:pic>
     </p:spTree>
     <p:extLst>
       <p:ext uri="{BB962C8B-B14F-4D97-AF65-F5344CB8AC3E}">
@@ -19941,6 +23670,285 @@
           </a:p>
         </p:txBody>
       </p:sp>
+      <p:sp>
+        <p:nvSpPr>
+          <p:cNvPr id="4" name="Text Placeholder 2">
+            <a:extLst>
+              <a:ext uri="{FF2B5EF4-FFF2-40B4-BE49-F238E27FC236}">
+                <a16:creationId xmlns:a16="http://schemas.microsoft.com/office/drawing/2014/main" id="{D0157036-1F41-7B05-C6B8-E7F5D95E6721}"/>
+              </a:ext>
+            </a:extLst>
+          </p:cNvPr>
+          <p:cNvSpPr>
+            <a:spLocks noGrp="1"/>
+          </p:cNvSpPr>
+          <p:nvPr>
+            <p:ph type="body" sz="quarter" idx="13"/>
+          </p:nvPr>
+        </p:nvSpPr>
+        <p:spPr>
+          <a:xfrm>
+            <a:off x="616125" y="1623785"/>
+            <a:ext cx="4031945" cy="365125"/>
+          </a:xfrm>
+        </p:spPr>
+        <p:txBody>
+          <a:bodyPr>
+            <a:normAutofit fontScale="92500"/>
+          </a:bodyPr>
+          <a:lstStyle/>
+          <a:p>
+            <a:r>
+              <a:rPr lang="en-US" dirty="0"/>
+              <a:t>HuggingFace Dataset (Preview)</a:t>
+            </a:r>
+          </a:p>
+        </p:txBody>
+      </p:sp>
+      <p:pic>
+        <p:nvPicPr>
+          <p:cNvPr id="6" name="Picture 5">
+            <a:extLst>
+              <a:ext uri="{FF2B5EF4-FFF2-40B4-BE49-F238E27FC236}">
+                <a16:creationId xmlns:a16="http://schemas.microsoft.com/office/drawing/2014/main" id="{9A94FB19-27F0-F3BF-3F5F-EA9203969A20}"/>
+              </a:ext>
+            </a:extLst>
+          </p:cNvPr>
+          <p:cNvPicPr>
+            <a:picLocks noChangeAspect="1"/>
+          </p:cNvPicPr>
+          <p:nvPr/>
+        </p:nvPicPr>
+        <p:blipFill>
+          <a:blip r:embed="rId2"/>
+          <a:stretch>
+            <a:fillRect/>
+          </a:stretch>
+        </p:blipFill>
+        <p:spPr>
+          <a:xfrm>
+            <a:off x="675996" y="2254623"/>
+            <a:ext cx="10840007" cy="3054507"/>
+          </a:xfrm>
+          <a:prstGeom prst="rect">
+            <a:avLst/>
+          </a:prstGeom>
+        </p:spPr>
+      </p:pic>
+      <p:sp>
+        <p:nvSpPr>
+          <p:cNvPr id="12" name="Text Placeholder 7">
+            <a:extLst>
+              <a:ext uri="{FF2B5EF4-FFF2-40B4-BE49-F238E27FC236}">
+                <a16:creationId xmlns:a16="http://schemas.microsoft.com/office/drawing/2014/main" id="{447ADA16-DA99-5619-3299-64B19302E6C5}"/>
+              </a:ext>
+            </a:extLst>
+          </p:cNvPr>
+          <p:cNvSpPr txBox="1">
+            <a:spLocks/>
+          </p:cNvSpPr>
+          <p:nvPr/>
+        </p:nvSpPr>
+        <p:spPr>
+          <a:xfrm>
+            <a:off x="9865973" y="6356350"/>
+            <a:ext cx="1104388" cy="330286"/>
+          </a:xfrm>
+          <a:prstGeom prst="rect">
+            <a:avLst/>
+          </a:prstGeom>
+        </p:spPr>
+        <p:txBody>
+          <a:bodyPr vert="horz" lIns="91440" tIns="45720" rIns="91440" bIns="45720" rtlCol="0">
+            <a:normAutofit/>
+          </a:bodyPr>
+          <a:lstStyle>
+            <a:lvl1pPr marL="0" indent="0" algn="ctr" defTabSz="914400" rtl="0" eaLnBrk="1" latinLnBrk="0" hangingPunct="1">
+              <a:lnSpc>
+                <a:spcPct val="100000"/>
+              </a:lnSpc>
+              <a:spcBef>
+                <a:spcPts val="1000"/>
+              </a:spcBef>
+              <a:buFont typeface="Arial" panose="020B0604020202020204" pitchFamily="34" charset="0"/>
+              <a:buNone/>
+              <a:defRPr sz="1400" kern="1200">
+                <a:solidFill>
+                  <a:schemeClr val="tx1">
+                    <a:lumMod val="75000"/>
+                    <a:lumOff val="25000"/>
+                  </a:schemeClr>
+                </a:solidFill>
+                <a:latin typeface="+mn-lt"/>
+                <a:ea typeface="+mn-ea"/>
+                <a:cs typeface="+mn-cs"/>
+              </a:defRPr>
+            </a:lvl1pPr>
+            <a:lvl2pPr marL="685800" indent="-228600" algn="l" defTabSz="914400" rtl="0" eaLnBrk="1" latinLnBrk="0" hangingPunct="1">
+              <a:lnSpc>
+                <a:spcPct val="90000"/>
+              </a:lnSpc>
+              <a:spcBef>
+                <a:spcPts val="500"/>
+              </a:spcBef>
+              <a:buFont typeface="Arial" panose="020B0604020202020204" pitchFamily="34" charset="0"/>
+              <a:buChar char="•"/>
+              <a:defRPr sz="2400" kern="1200">
+                <a:solidFill>
+                  <a:schemeClr val="tx1">
+                    <a:lumMod val="75000"/>
+                    <a:lumOff val="25000"/>
+                  </a:schemeClr>
+                </a:solidFill>
+                <a:latin typeface="+mn-lt"/>
+                <a:ea typeface="+mn-ea"/>
+                <a:cs typeface="+mn-cs"/>
+              </a:defRPr>
+            </a:lvl2pPr>
+            <a:lvl3pPr marL="1143000" indent="-228600" algn="l" defTabSz="914400" rtl="0" eaLnBrk="1" latinLnBrk="0" hangingPunct="1">
+              <a:lnSpc>
+                <a:spcPct val="90000"/>
+              </a:lnSpc>
+              <a:spcBef>
+                <a:spcPts val="500"/>
+              </a:spcBef>
+              <a:buFont typeface="Arial" panose="020B0604020202020204" pitchFamily="34" charset="0"/>
+              <a:buChar char="•"/>
+              <a:defRPr sz="2000" kern="1200">
+                <a:solidFill>
+                  <a:schemeClr val="tx1">
+                    <a:lumMod val="75000"/>
+                    <a:lumOff val="25000"/>
+                  </a:schemeClr>
+                </a:solidFill>
+                <a:latin typeface="+mn-lt"/>
+                <a:ea typeface="+mn-ea"/>
+                <a:cs typeface="+mn-cs"/>
+              </a:defRPr>
+            </a:lvl3pPr>
+            <a:lvl4pPr marL="1600200" indent="-228600" algn="l" defTabSz="914400" rtl="0" eaLnBrk="1" latinLnBrk="0" hangingPunct="1">
+              <a:lnSpc>
+                <a:spcPct val="90000"/>
+              </a:lnSpc>
+              <a:spcBef>
+                <a:spcPts val="500"/>
+              </a:spcBef>
+              <a:buFont typeface="Arial" panose="020B0604020202020204" pitchFamily="34" charset="0"/>
+              <a:buChar char="•"/>
+              <a:defRPr sz="1800" kern="1200">
+                <a:solidFill>
+                  <a:schemeClr val="tx1">
+                    <a:lumMod val="75000"/>
+                    <a:lumOff val="25000"/>
+                  </a:schemeClr>
+                </a:solidFill>
+                <a:latin typeface="+mn-lt"/>
+                <a:ea typeface="+mn-ea"/>
+                <a:cs typeface="+mn-cs"/>
+              </a:defRPr>
+            </a:lvl4pPr>
+            <a:lvl5pPr marL="2057400" indent="-228600" algn="l" defTabSz="914400" rtl="0" eaLnBrk="1" latinLnBrk="0" hangingPunct="1">
+              <a:lnSpc>
+                <a:spcPct val="90000"/>
+              </a:lnSpc>
+              <a:spcBef>
+                <a:spcPts val="500"/>
+              </a:spcBef>
+              <a:buFont typeface="Arial" panose="020B0604020202020204" pitchFamily="34" charset="0"/>
+              <a:buChar char="•"/>
+              <a:defRPr sz="1800" kern="1200">
+                <a:solidFill>
+                  <a:schemeClr val="tx1">
+                    <a:lumMod val="75000"/>
+                    <a:lumOff val="25000"/>
+                  </a:schemeClr>
+                </a:solidFill>
+                <a:latin typeface="+mn-lt"/>
+                <a:ea typeface="+mn-ea"/>
+                <a:cs typeface="+mn-cs"/>
+              </a:defRPr>
+            </a:lvl5pPr>
+            <a:lvl6pPr marL="2514600" indent="-228600" algn="l" defTabSz="914400" rtl="0" eaLnBrk="1" latinLnBrk="0" hangingPunct="1">
+              <a:lnSpc>
+                <a:spcPct val="90000"/>
+              </a:lnSpc>
+              <a:spcBef>
+                <a:spcPts val="500"/>
+              </a:spcBef>
+              <a:buFont typeface="Arial" panose="020B0604020202020204" pitchFamily="34" charset="0"/>
+              <a:buChar char="•"/>
+              <a:defRPr sz="1800" kern="1200">
+                <a:solidFill>
+                  <a:schemeClr val="tx1"/>
+                </a:solidFill>
+                <a:latin typeface="+mn-lt"/>
+                <a:ea typeface="+mn-ea"/>
+                <a:cs typeface="+mn-cs"/>
+              </a:defRPr>
+            </a:lvl6pPr>
+            <a:lvl7pPr marL="2971800" indent="-228600" algn="l" defTabSz="914400" rtl="0" eaLnBrk="1" latinLnBrk="0" hangingPunct="1">
+              <a:lnSpc>
+                <a:spcPct val="90000"/>
+              </a:lnSpc>
+              <a:spcBef>
+                <a:spcPts val="500"/>
+              </a:spcBef>
+              <a:buFont typeface="Arial" panose="020B0604020202020204" pitchFamily="34" charset="0"/>
+              <a:buChar char="•"/>
+              <a:defRPr sz="1800" kern="1200">
+                <a:solidFill>
+                  <a:schemeClr val="tx1"/>
+                </a:solidFill>
+                <a:latin typeface="+mn-lt"/>
+                <a:ea typeface="+mn-ea"/>
+                <a:cs typeface="+mn-cs"/>
+              </a:defRPr>
+            </a:lvl7pPr>
+            <a:lvl8pPr marL="3429000" indent="-228600" algn="l" defTabSz="914400" rtl="0" eaLnBrk="1" latinLnBrk="0" hangingPunct="1">
+              <a:lnSpc>
+                <a:spcPct val="90000"/>
+              </a:lnSpc>
+              <a:spcBef>
+                <a:spcPts val="500"/>
+              </a:spcBef>
+              <a:buFont typeface="Arial" panose="020B0604020202020204" pitchFamily="34" charset="0"/>
+              <a:buChar char="•"/>
+              <a:defRPr sz="1800" kern="1200">
+                <a:solidFill>
+                  <a:schemeClr val="tx1"/>
+                </a:solidFill>
+                <a:latin typeface="+mn-lt"/>
+                <a:ea typeface="+mn-ea"/>
+                <a:cs typeface="+mn-cs"/>
+              </a:defRPr>
+            </a:lvl8pPr>
+            <a:lvl9pPr marL="3886200" indent="-228600" algn="l" defTabSz="914400" rtl="0" eaLnBrk="1" latinLnBrk="0" hangingPunct="1">
+              <a:lnSpc>
+                <a:spcPct val="90000"/>
+              </a:lnSpc>
+              <a:spcBef>
+                <a:spcPts val="500"/>
+              </a:spcBef>
+              <a:buFont typeface="Arial" panose="020B0604020202020204" pitchFamily="34" charset="0"/>
+              <a:buChar char="•"/>
+              <a:defRPr sz="1800" kern="1200">
+                <a:solidFill>
+                  <a:schemeClr val="tx1"/>
+                </a:solidFill>
+                <a:latin typeface="+mn-lt"/>
+                <a:ea typeface="+mn-ea"/>
+                <a:cs typeface="+mn-cs"/>
+              </a:defRPr>
+            </a:lvl9pPr>
+          </a:lstStyle>
+          <a:p>
+            <a:r>
+              <a:rPr lang="en-US" b="1" dirty="0"/>
+              <a:t>Contd…</a:t>
+            </a:r>
+          </a:p>
+        </p:txBody>
+      </p:sp>
     </p:spTree>
     <p:extLst>
       <p:ext uri="{BB962C8B-B14F-4D97-AF65-F5344CB8AC3E}">
@@ -20100,10 +24108,319 @@
           </a:p>
         </p:txBody>
       </p:sp>
+      <p:sp>
+        <p:nvSpPr>
+          <p:cNvPr id="4" name="Text Placeholder 2">
+            <a:extLst>
+              <a:ext uri="{FF2B5EF4-FFF2-40B4-BE49-F238E27FC236}">
+                <a16:creationId xmlns:a16="http://schemas.microsoft.com/office/drawing/2014/main" id="{D0157036-1F41-7B05-C6B8-E7F5D95E6721}"/>
+              </a:ext>
+            </a:extLst>
+          </p:cNvPr>
+          <p:cNvSpPr>
+            <a:spLocks noGrp="1"/>
+          </p:cNvSpPr>
+          <p:nvPr>
+            <p:ph type="body" sz="quarter" idx="13"/>
+          </p:nvPr>
+        </p:nvSpPr>
+        <p:spPr>
+          <a:xfrm>
+            <a:off x="616125" y="1623785"/>
+            <a:ext cx="5588732" cy="390072"/>
+          </a:xfrm>
+        </p:spPr>
+        <p:txBody>
+          <a:bodyPr>
+            <a:normAutofit fontScale="92500"/>
+          </a:bodyPr>
+          <a:lstStyle/>
+          <a:p>
+            <a:r>
+              <a:rPr lang="en-US" sz="1600" b="1" dirty="0"/>
+              <a:t>Sentiment Analysis (Model - granite-13b-instruct-v)</a:t>
+            </a:r>
+          </a:p>
+        </p:txBody>
+      </p:sp>
+      <p:pic>
+        <p:nvPicPr>
+          <p:cNvPr id="5" name="Picture 4">
+            <a:extLst>
+              <a:ext uri="{FF2B5EF4-FFF2-40B4-BE49-F238E27FC236}">
+                <a16:creationId xmlns:a16="http://schemas.microsoft.com/office/drawing/2014/main" id="{37EE608F-9149-CDC4-7EA7-997F8F49429B}"/>
+              </a:ext>
+            </a:extLst>
+          </p:cNvPr>
+          <p:cNvPicPr>
+            <a:picLocks noChangeAspect="1"/>
+          </p:cNvPicPr>
+          <p:nvPr/>
+        </p:nvPicPr>
+        <p:blipFill>
+          <a:blip r:embed="rId2"/>
+          <a:stretch>
+            <a:fillRect/>
+          </a:stretch>
+        </p:blipFill>
+        <p:spPr>
+          <a:xfrm>
+            <a:off x="785926" y="2122213"/>
+            <a:ext cx="10992415" cy="1873346"/>
+          </a:xfrm>
+          <a:prstGeom prst="rect">
+            <a:avLst/>
+          </a:prstGeom>
+        </p:spPr>
+      </p:pic>
+      <p:pic>
+        <p:nvPicPr>
+          <p:cNvPr id="7" name="Picture 6">
+            <a:extLst>
+              <a:ext uri="{FF2B5EF4-FFF2-40B4-BE49-F238E27FC236}">
+                <a16:creationId xmlns:a16="http://schemas.microsoft.com/office/drawing/2014/main" id="{D137F1BA-CF85-BDB3-EEED-22B1D67DEE8B}"/>
+              </a:ext>
+            </a:extLst>
+          </p:cNvPr>
+          <p:cNvPicPr>
+            <a:picLocks noChangeAspect="1"/>
+          </p:cNvPicPr>
+          <p:nvPr/>
+        </p:nvPicPr>
+        <p:blipFill>
+          <a:blip r:embed="rId3"/>
+          <a:stretch>
+            <a:fillRect/>
+          </a:stretch>
+        </p:blipFill>
+        <p:spPr>
+          <a:xfrm>
+            <a:off x="785926" y="4078455"/>
+            <a:ext cx="11055918" cy="2311519"/>
+          </a:xfrm>
+          <a:prstGeom prst="rect">
+            <a:avLst/>
+          </a:prstGeom>
+        </p:spPr>
+      </p:pic>
+      <p:sp>
+        <p:nvSpPr>
+          <p:cNvPr id="3" name="Text Placeholder 7">
+            <a:extLst>
+              <a:ext uri="{FF2B5EF4-FFF2-40B4-BE49-F238E27FC236}">
+                <a16:creationId xmlns:a16="http://schemas.microsoft.com/office/drawing/2014/main" id="{6C49868A-4BC3-A478-466B-BE7F2CF7CD0A}"/>
+              </a:ext>
+            </a:extLst>
+          </p:cNvPr>
+          <p:cNvSpPr txBox="1">
+            <a:spLocks/>
+          </p:cNvSpPr>
+          <p:nvPr/>
+        </p:nvSpPr>
+        <p:spPr>
+          <a:xfrm>
+            <a:off x="10094573" y="6389974"/>
+            <a:ext cx="1104388" cy="330286"/>
+          </a:xfrm>
+          <a:prstGeom prst="rect">
+            <a:avLst/>
+          </a:prstGeom>
+        </p:spPr>
+        <p:txBody>
+          <a:bodyPr vert="horz" lIns="91440" tIns="45720" rIns="91440" bIns="45720" rtlCol="0">
+            <a:normAutofit/>
+          </a:bodyPr>
+          <a:lstStyle>
+            <a:lvl1pPr marL="0" indent="0" algn="ctr" defTabSz="914400" rtl="0" eaLnBrk="1" latinLnBrk="0" hangingPunct="1">
+              <a:lnSpc>
+                <a:spcPct val="100000"/>
+              </a:lnSpc>
+              <a:spcBef>
+                <a:spcPts val="1000"/>
+              </a:spcBef>
+              <a:buFont typeface="Arial" panose="020B0604020202020204" pitchFamily="34" charset="0"/>
+              <a:buNone/>
+              <a:defRPr sz="1400" kern="1200">
+                <a:solidFill>
+                  <a:schemeClr val="tx1">
+                    <a:lumMod val="75000"/>
+                    <a:lumOff val="25000"/>
+                  </a:schemeClr>
+                </a:solidFill>
+                <a:latin typeface="+mn-lt"/>
+                <a:ea typeface="+mn-ea"/>
+                <a:cs typeface="+mn-cs"/>
+              </a:defRPr>
+            </a:lvl1pPr>
+            <a:lvl2pPr marL="685800" indent="-228600" algn="l" defTabSz="914400" rtl="0" eaLnBrk="1" latinLnBrk="0" hangingPunct="1">
+              <a:lnSpc>
+                <a:spcPct val="90000"/>
+              </a:lnSpc>
+              <a:spcBef>
+                <a:spcPts val="500"/>
+              </a:spcBef>
+              <a:buFont typeface="Arial" panose="020B0604020202020204" pitchFamily="34" charset="0"/>
+              <a:buChar char="•"/>
+              <a:defRPr sz="2400" kern="1200">
+                <a:solidFill>
+                  <a:schemeClr val="tx1">
+                    <a:lumMod val="75000"/>
+                    <a:lumOff val="25000"/>
+                  </a:schemeClr>
+                </a:solidFill>
+                <a:latin typeface="+mn-lt"/>
+                <a:ea typeface="+mn-ea"/>
+                <a:cs typeface="+mn-cs"/>
+              </a:defRPr>
+            </a:lvl2pPr>
+            <a:lvl3pPr marL="1143000" indent="-228600" algn="l" defTabSz="914400" rtl="0" eaLnBrk="1" latinLnBrk="0" hangingPunct="1">
+              <a:lnSpc>
+                <a:spcPct val="90000"/>
+              </a:lnSpc>
+              <a:spcBef>
+                <a:spcPts val="500"/>
+              </a:spcBef>
+              <a:buFont typeface="Arial" panose="020B0604020202020204" pitchFamily="34" charset="0"/>
+              <a:buChar char="•"/>
+              <a:defRPr sz="2000" kern="1200">
+                <a:solidFill>
+                  <a:schemeClr val="tx1">
+                    <a:lumMod val="75000"/>
+                    <a:lumOff val="25000"/>
+                  </a:schemeClr>
+                </a:solidFill>
+                <a:latin typeface="+mn-lt"/>
+                <a:ea typeface="+mn-ea"/>
+                <a:cs typeface="+mn-cs"/>
+              </a:defRPr>
+            </a:lvl3pPr>
+            <a:lvl4pPr marL="1600200" indent="-228600" algn="l" defTabSz="914400" rtl="0" eaLnBrk="1" latinLnBrk="0" hangingPunct="1">
+              <a:lnSpc>
+                <a:spcPct val="90000"/>
+              </a:lnSpc>
+              <a:spcBef>
+                <a:spcPts val="500"/>
+              </a:spcBef>
+              <a:buFont typeface="Arial" panose="020B0604020202020204" pitchFamily="34" charset="0"/>
+              <a:buChar char="•"/>
+              <a:defRPr sz="1800" kern="1200">
+                <a:solidFill>
+                  <a:schemeClr val="tx1">
+                    <a:lumMod val="75000"/>
+                    <a:lumOff val="25000"/>
+                  </a:schemeClr>
+                </a:solidFill>
+                <a:latin typeface="+mn-lt"/>
+                <a:ea typeface="+mn-ea"/>
+                <a:cs typeface="+mn-cs"/>
+              </a:defRPr>
+            </a:lvl4pPr>
+            <a:lvl5pPr marL="2057400" indent="-228600" algn="l" defTabSz="914400" rtl="0" eaLnBrk="1" latinLnBrk="0" hangingPunct="1">
+              <a:lnSpc>
+                <a:spcPct val="90000"/>
+              </a:lnSpc>
+              <a:spcBef>
+                <a:spcPts val="500"/>
+              </a:spcBef>
+              <a:buFont typeface="Arial" panose="020B0604020202020204" pitchFamily="34" charset="0"/>
+              <a:buChar char="•"/>
+              <a:defRPr sz="1800" kern="1200">
+                <a:solidFill>
+                  <a:schemeClr val="tx1">
+                    <a:lumMod val="75000"/>
+                    <a:lumOff val="25000"/>
+                  </a:schemeClr>
+                </a:solidFill>
+                <a:latin typeface="+mn-lt"/>
+                <a:ea typeface="+mn-ea"/>
+                <a:cs typeface="+mn-cs"/>
+              </a:defRPr>
+            </a:lvl5pPr>
+            <a:lvl6pPr marL="2514600" indent="-228600" algn="l" defTabSz="914400" rtl="0" eaLnBrk="1" latinLnBrk="0" hangingPunct="1">
+              <a:lnSpc>
+                <a:spcPct val="90000"/>
+              </a:lnSpc>
+              <a:spcBef>
+                <a:spcPts val="500"/>
+              </a:spcBef>
+              <a:buFont typeface="Arial" panose="020B0604020202020204" pitchFamily="34" charset="0"/>
+              <a:buChar char="•"/>
+              <a:defRPr sz="1800" kern="1200">
+                <a:solidFill>
+                  <a:schemeClr val="tx1"/>
+                </a:solidFill>
+                <a:latin typeface="+mn-lt"/>
+                <a:ea typeface="+mn-ea"/>
+                <a:cs typeface="+mn-cs"/>
+              </a:defRPr>
+            </a:lvl6pPr>
+            <a:lvl7pPr marL="2971800" indent="-228600" algn="l" defTabSz="914400" rtl="0" eaLnBrk="1" latinLnBrk="0" hangingPunct="1">
+              <a:lnSpc>
+                <a:spcPct val="90000"/>
+              </a:lnSpc>
+              <a:spcBef>
+                <a:spcPts val="500"/>
+              </a:spcBef>
+              <a:buFont typeface="Arial" panose="020B0604020202020204" pitchFamily="34" charset="0"/>
+              <a:buChar char="•"/>
+              <a:defRPr sz="1800" kern="1200">
+                <a:solidFill>
+                  <a:schemeClr val="tx1"/>
+                </a:solidFill>
+                <a:latin typeface="+mn-lt"/>
+                <a:ea typeface="+mn-ea"/>
+                <a:cs typeface="+mn-cs"/>
+              </a:defRPr>
+            </a:lvl7pPr>
+            <a:lvl8pPr marL="3429000" indent="-228600" algn="l" defTabSz="914400" rtl="0" eaLnBrk="1" latinLnBrk="0" hangingPunct="1">
+              <a:lnSpc>
+                <a:spcPct val="90000"/>
+              </a:lnSpc>
+              <a:spcBef>
+                <a:spcPts val="500"/>
+              </a:spcBef>
+              <a:buFont typeface="Arial" panose="020B0604020202020204" pitchFamily="34" charset="0"/>
+              <a:buChar char="•"/>
+              <a:defRPr sz="1800" kern="1200">
+                <a:solidFill>
+                  <a:schemeClr val="tx1"/>
+                </a:solidFill>
+                <a:latin typeface="+mn-lt"/>
+                <a:ea typeface="+mn-ea"/>
+                <a:cs typeface="+mn-cs"/>
+              </a:defRPr>
+            </a:lvl8pPr>
+            <a:lvl9pPr marL="3886200" indent="-228600" algn="l" defTabSz="914400" rtl="0" eaLnBrk="1" latinLnBrk="0" hangingPunct="1">
+              <a:lnSpc>
+                <a:spcPct val="90000"/>
+              </a:lnSpc>
+              <a:spcBef>
+                <a:spcPts val="500"/>
+              </a:spcBef>
+              <a:buFont typeface="Arial" panose="020B0604020202020204" pitchFamily="34" charset="0"/>
+              <a:buChar char="•"/>
+              <a:defRPr sz="1800" kern="1200">
+                <a:solidFill>
+                  <a:schemeClr val="tx1"/>
+                </a:solidFill>
+                <a:latin typeface="+mn-lt"/>
+                <a:ea typeface="+mn-ea"/>
+                <a:cs typeface="+mn-cs"/>
+              </a:defRPr>
+            </a:lvl9pPr>
+          </a:lstStyle>
+          <a:p>
+            <a:r>
+              <a:rPr lang="en-US" b="1" dirty="0"/>
+              <a:t>Contd…</a:t>
+            </a:r>
+          </a:p>
+        </p:txBody>
+      </p:sp>
     </p:spTree>
     <p:extLst>
       <p:ext uri="{BB962C8B-B14F-4D97-AF65-F5344CB8AC3E}">
-        <p14:creationId xmlns:p14="http://schemas.microsoft.com/office/powerpoint/2010/main" val="3287471128"/>
+        <p14:creationId xmlns:p14="http://schemas.microsoft.com/office/powerpoint/2010/main" val="3523733207"/>
       </p:ext>
     </p:extLst>
   </p:cSld>
@@ -20905,26 +25222,6 @@
 </file>
 
 <file path=customXml/item1.xml><?xml version="1.0" encoding="utf-8"?>
-<p:properties xmlns:p="http://schemas.microsoft.com/office/2006/metadata/properties" xmlns:xsi="http://www.w3.org/2001/XMLSchema-instance" xmlns:pc="http://schemas.microsoft.com/office/infopath/2007/PartnerControls">
-  <documentManagement>
-    <_ip_UnifiedCompliancePolicyUIAction xmlns="http://schemas.microsoft.com/sharepoint/v3" xsi:nil="true"/>
-    <Image xmlns="71af3243-3dd4-4a8d-8c0d-dd76da1f02a5">
-      <Url xsi:nil="true"/>
-      <Description xsi:nil="true"/>
-    </Image>
-    <Status xmlns="71af3243-3dd4-4a8d-8c0d-dd76da1f02a5">Not started</Status>
-    <Background xmlns="71af3243-3dd4-4a8d-8c0d-dd76da1f02a5">false</Background>
-    <_ip_UnifiedCompliancePolicyProperties xmlns="http://schemas.microsoft.com/sharepoint/v3" xsi:nil="true"/>
-    <ImageTagsTaxHTField xmlns="71af3243-3dd4-4a8d-8c0d-dd76da1f02a5">
-      <Terms xmlns="http://schemas.microsoft.com/office/infopath/2007/PartnerControls"/>
-    </ImageTagsTaxHTField>
-    <TaxCatchAll xmlns="230e9df3-be65-4c73-a93b-d1236ebd677e" xsi:nil="true"/>
-    <MediaServiceKeyPoints xmlns="71af3243-3dd4-4a8d-8c0d-dd76da1f02a5" xsi:nil="true"/>
-  </documentManagement>
-</p:properties>
-</file>
-
-<file path=customXml/item2.xml><?xml version="1.0" encoding="utf-8"?>
 <ct:contentTypeSchema xmlns:ct="http://schemas.microsoft.com/office/2006/metadata/contentType" xmlns:ma="http://schemas.microsoft.com/office/2006/metadata/properties/metaAttributes" ct:_="" ma:_="" ma:contentTypeName="Document" ma:contentTypeID="0x01010079F111ED35F8CC479449609E8A0923A6" ma:contentTypeVersion="27" ma:contentTypeDescription="Create a new document." ma:contentTypeScope="" ma:versionID="c6f9a84f66a9c8b9a21755b9ffafb945">
   <xsd:schema xmlns:xsd="http://www.w3.org/2001/XMLSchema" xmlns:xs="http://www.w3.org/2001/XMLSchema" xmlns:p="http://schemas.microsoft.com/office/2006/metadata/properties" xmlns:ns1="http://schemas.microsoft.com/sharepoint/v3" xmlns:ns2="71af3243-3dd4-4a8d-8c0d-dd76da1f02a5" xmlns:ns3="16c05727-aa75-4e4a-9b5f-8a80a1165891" xmlns:ns4="230e9df3-be65-4c73-a93b-d1236ebd677e" targetNamespace="http://schemas.microsoft.com/office/2006/metadata/properties" ma:root="true" ma:fieldsID="27df39e3e7036dff54f89ddd5805ce72" ns1:_="" ns2:_="" ns3:_="" ns4:_="">
     <xsd:import namespace="http://schemas.microsoft.com/sharepoint/v3"/>
@@ -21230,6 +25527,26 @@
 </ct:contentTypeSchema>
 </file>
 
+<file path=customXml/item2.xml><?xml version="1.0" encoding="utf-8"?>
+<p:properties xmlns:p="http://schemas.microsoft.com/office/2006/metadata/properties" xmlns:xsi="http://www.w3.org/2001/XMLSchema-instance" xmlns:pc="http://schemas.microsoft.com/office/infopath/2007/PartnerControls">
+  <documentManagement>
+    <_ip_UnifiedCompliancePolicyUIAction xmlns="http://schemas.microsoft.com/sharepoint/v3" xsi:nil="true"/>
+    <Image xmlns="71af3243-3dd4-4a8d-8c0d-dd76da1f02a5">
+      <Url xsi:nil="true"/>
+      <Description xsi:nil="true"/>
+    </Image>
+    <Status xmlns="71af3243-3dd4-4a8d-8c0d-dd76da1f02a5">Not started</Status>
+    <Background xmlns="71af3243-3dd4-4a8d-8c0d-dd76da1f02a5">false</Background>
+    <_ip_UnifiedCompliancePolicyProperties xmlns="http://schemas.microsoft.com/sharepoint/v3" xsi:nil="true"/>
+    <ImageTagsTaxHTField xmlns="71af3243-3dd4-4a8d-8c0d-dd76da1f02a5">
+      <Terms xmlns="http://schemas.microsoft.com/office/infopath/2007/PartnerControls"/>
+    </ImageTagsTaxHTField>
+    <TaxCatchAll xmlns="230e9df3-be65-4c73-a93b-d1236ebd677e" xsi:nil="true"/>
+    <MediaServiceKeyPoints xmlns="71af3243-3dd4-4a8d-8c0d-dd76da1f02a5" xsi:nil="true"/>
+  </documentManagement>
+</p:properties>
+</file>
+
 <file path=customXml/item3.xml><?xml version="1.0" encoding="utf-8"?>
 <?mso-contentType ?>
 <FormTemplates xmlns="http://schemas.microsoft.com/sharepoint/v3/contenttype/forms">
@@ -21240,18 +25557,6 @@
 </file>
 
 <file path=customXml/itemProps1.xml><?xml version="1.0" encoding="utf-8"?>
-<ds:datastoreItem xmlns:ds="http://schemas.openxmlformats.org/officeDocument/2006/customXml" ds:itemID="{BEFFFA3F-0FB5-4ED3-8906-A15B16577F44}">
-  <ds:schemaRefs>
-    <ds:schemaRef ds:uri="http://schemas.microsoft.com/office/2006/metadata/properties"/>
-    <ds:schemaRef ds:uri="http://schemas.microsoft.com/office/infopath/2007/PartnerControls"/>
-    <ds:schemaRef ds:uri="http://schemas.microsoft.com/sharepoint/v3"/>
-    <ds:schemaRef ds:uri="71af3243-3dd4-4a8d-8c0d-dd76da1f02a5"/>
-    <ds:schemaRef ds:uri="230e9df3-be65-4c73-a93b-d1236ebd677e"/>
-  </ds:schemaRefs>
-</ds:datastoreItem>
-</file>
-
-<file path=customXml/itemProps2.xml><?xml version="1.0" encoding="utf-8"?>
 <ds:datastoreItem xmlns:ds="http://schemas.openxmlformats.org/officeDocument/2006/customXml" ds:itemID="{4E18436D-DA32-4E27-AC64-8FFEDA5218F9}">
   <ds:schemaRefs>
     <ds:schemaRef ds:uri="http://schemas.microsoft.com/office/2006/metadata/contentType"/>
@@ -21272,6 +25577,18 @@
 </ds:datastoreItem>
 </file>
 
+<file path=customXml/itemProps2.xml><?xml version="1.0" encoding="utf-8"?>
+<ds:datastoreItem xmlns:ds="http://schemas.openxmlformats.org/officeDocument/2006/customXml" ds:itemID="{BEFFFA3F-0FB5-4ED3-8906-A15B16577F44}">
+  <ds:schemaRefs>
+    <ds:schemaRef ds:uri="http://schemas.microsoft.com/office/2006/metadata/properties"/>
+    <ds:schemaRef ds:uri="http://schemas.microsoft.com/office/infopath/2007/PartnerControls"/>
+    <ds:schemaRef ds:uri="http://schemas.microsoft.com/sharepoint/v3"/>
+    <ds:schemaRef ds:uri="71af3243-3dd4-4a8d-8c0d-dd76da1f02a5"/>
+    <ds:schemaRef ds:uri="230e9df3-be65-4c73-a93b-d1236ebd677e"/>
+  </ds:schemaRefs>
+</ds:datastoreItem>
+</file>
+
 <file path=customXml/itemProps3.xml><?xml version="1.0" encoding="utf-8"?>
 <ds:datastoreItem xmlns:ds="http://schemas.openxmlformats.org/officeDocument/2006/customXml" ds:itemID="{6966C46A-DC57-4209-80CD-9FE6C93151FF}">
   <ds:schemaRefs>

--- a/IBM-Watson-Presentation.pptx
+++ b/IBM-Watson-Presentation.pptx
@@ -176,18 +176,18 @@
   <pc:docChgLst>
     <pc:chgData name="Anirban Banerjee (IN92657)" userId="b82f5010-943b-4dbb-9251-0075e403d9fa" providerId="ADAL" clId="{DA72F9B2-C87B-41E6-84EF-245FC2ADC638}"/>
     <pc:docChg chg="undo redo custSel addSld delSld modSld">
-      <pc:chgData name="Anirban Banerjee (IN92657)" userId="b82f5010-943b-4dbb-9251-0075e403d9fa" providerId="ADAL" clId="{DA72F9B2-C87B-41E6-84EF-245FC2ADC638}" dt="2024-09-19T10:44:32.040" v="2794" actId="20577"/>
+      <pc:chgData name="Anirban Banerjee (IN92657)" userId="b82f5010-943b-4dbb-9251-0075e403d9fa" providerId="ADAL" clId="{DA72F9B2-C87B-41E6-84EF-245FC2ADC638}" dt="2024-09-19T11:39:47.160" v="2807" actId="20577"/>
       <pc:docMkLst>
         <pc:docMk/>
       </pc:docMkLst>
       <pc:sldChg chg="modSp mod">
-        <pc:chgData name="Anirban Banerjee (IN92657)" userId="b82f5010-943b-4dbb-9251-0075e403d9fa" providerId="ADAL" clId="{DA72F9B2-C87B-41E6-84EF-245FC2ADC638}" dt="2024-09-18T12:41:31.463" v="2735" actId="20577"/>
+        <pc:chgData name="Anirban Banerjee (IN92657)" userId="b82f5010-943b-4dbb-9251-0075e403d9fa" providerId="ADAL" clId="{DA72F9B2-C87B-41E6-84EF-245FC2ADC638}" dt="2024-09-19T11:39:47.160" v="2807" actId="20577"/>
         <pc:sldMkLst>
           <pc:docMk/>
           <pc:sldMk cId="1642425379" sldId="256"/>
         </pc:sldMkLst>
         <pc:spChg chg="mod">
-          <ac:chgData name="Anirban Banerjee (IN92657)" userId="b82f5010-943b-4dbb-9251-0075e403d9fa" providerId="ADAL" clId="{DA72F9B2-C87B-41E6-84EF-245FC2ADC638}" dt="2024-09-18T11:24:26.142" v="0" actId="113"/>
+          <ac:chgData name="Anirban Banerjee (IN92657)" userId="b82f5010-943b-4dbb-9251-0075e403d9fa" providerId="ADAL" clId="{DA72F9B2-C87B-41E6-84EF-245FC2ADC638}" dt="2024-09-19T11:39:47.160" v="2807" actId="20577"/>
           <ac:spMkLst>
             <pc:docMk/>
             <pc:sldMk cId="1642425379" sldId="256"/>
@@ -297,13 +297,13 @@
         </pc:spChg>
       </pc:sldChg>
       <pc:sldChg chg="addSp delSp modSp mod">
-        <pc:chgData name="Anirban Banerjee (IN92657)" userId="b82f5010-943b-4dbb-9251-0075e403d9fa" providerId="ADAL" clId="{DA72F9B2-C87B-41E6-84EF-245FC2ADC638}" dt="2024-09-19T10:44:32.040" v="2794" actId="20577"/>
+        <pc:chgData name="Anirban Banerjee (IN92657)" userId="b82f5010-943b-4dbb-9251-0075e403d9fa" providerId="ADAL" clId="{DA72F9B2-C87B-41E6-84EF-245FC2ADC638}" dt="2024-09-19T11:39:20.590" v="2797"/>
         <pc:sldMkLst>
           <pc:docMk/>
           <pc:sldMk cId="1593920805" sldId="262"/>
         </pc:sldMkLst>
         <pc:spChg chg="mod">
-          <ac:chgData name="Anirban Banerjee (IN92657)" userId="b82f5010-943b-4dbb-9251-0075e403d9fa" providerId="ADAL" clId="{DA72F9B2-C87B-41E6-84EF-245FC2ADC638}" dt="2024-09-18T12:07:34.209" v="229" actId="1076"/>
+          <ac:chgData name="Anirban Banerjee (IN92657)" userId="b82f5010-943b-4dbb-9251-0075e403d9fa" providerId="ADAL" clId="{DA72F9B2-C87B-41E6-84EF-245FC2ADC638}" dt="2024-09-19T11:39:20.590" v="2797"/>
           <ac:spMkLst>
             <pc:docMk/>
             <pc:sldMk cId="1593920805" sldId="262"/>
@@ -648,13 +648,13 @@
         </pc:sldMkLst>
       </pc:sldChg>
       <pc:sldChg chg="delSp modSp add mod">
-        <pc:chgData name="Anirban Banerjee (IN92657)" userId="b82f5010-943b-4dbb-9251-0075e403d9fa" providerId="ADAL" clId="{DA72F9B2-C87B-41E6-84EF-245FC2ADC638}" dt="2024-09-18T12:43:27.060" v="2776" actId="478"/>
+        <pc:chgData name="Anirban Banerjee (IN92657)" userId="b82f5010-943b-4dbb-9251-0075e403d9fa" providerId="ADAL" clId="{DA72F9B2-C87B-41E6-84EF-245FC2ADC638}" dt="2024-09-19T11:39:26.715" v="2800"/>
         <pc:sldMkLst>
           <pc:docMk/>
           <pc:sldMk cId="2537869113" sldId="295"/>
         </pc:sldMkLst>
         <pc:spChg chg="mod">
-          <ac:chgData name="Anirban Banerjee (IN92657)" userId="b82f5010-943b-4dbb-9251-0075e403d9fa" providerId="ADAL" clId="{DA72F9B2-C87B-41E6-84EF-245FC2ADC638}" dt="2024-09-18T12:07:31.113" v="228" actId="1076"/>
+          <ac:chgData name="Anirban Banerjee (IN92657)" userId="b82f5010-943b-4dbb-9251-0075e403d9fa" providerId="ADAL" clId="{DA72F9B2-C87B-41E6-84EF-245FC2ADC638}" dt="2024-09-19T11:39:26.715" v="2800"/>
           <ac:spMkLst>
             <pc:docMk/>
             <pc:sldMk cId="2537869113" sldId="295"/>
@@ -687,13 +687,13 @@
         </pc:spChg>
       </pc:sldChg>
       <pc:sldChg chg="delSp modSp add mod">
-        <pc:chgData name="Anirban Banerjee (IN92657)" userId="b82f5010-943b-4dbb-9251-0075e403d9fa" providerId="ADAL" clId="{DA72F9B2-C87B-41E6-84EF-245FC2ADC638}" dt="2024-09-18T12:43:21.944" v="2773" actId="478"/>
+        <pc:chgData name="Anirban Banerjee (IN92657)" userId="b82f5010-943b-4dbb-9251-0075e403d9fa" providerId="ADAL" clId="{DA72F9B2-C87B-41E6-84EF-245FC2ADC638}" dt="2024-09-19T11:39:32.323" v="2803"/>
         <pc:sldMkLst>
           <pc:docMk/>
           <pc:sldMk cId="1368850691" sldId="296"/>
         </pc:sldMkLst>
         <pc:spChg chg="mod">
-          <ac:chgData name="Anirban Banerjee (IN92657)" userId="b82f5010-943b-4dbb-9251-0075e403d9fa" providerId="ADAL" clId="{DA72F9B2-C87B-41E6-84EF-245FC2ADC638}" dt="2024-09-18T12:07:27.330" v="227" actId="1076"/>
+          <ac:chgData name="Anirban Banerjee (IN92657)" userId="b82f5010-943b-4dbb-9251-0075e403d9fa" providerId="ADAL" clId="{DA72F9B2-C87B-41E6-84EF-245FC2ADC638}" dt="2024-09-19T11:39:32.323" v="2803"/>
           <ac:spMkLst>
             <pc:docMk/>
             <pc:sldMk cId="1368850691" sldId="296"/>
@@ -17921,16 +17921,12 @@
               <a:rPr lang="en-US" dirty="0"/>
             </a:br>
             <a:r>
+              <a:rPr lang="en-US"/>
+              <a:t>Ajoy Kumar </a:t>
+            </a:r>
+            <a:r>
               <a:rPr lang="en-US" dirty="0"/>
-              <a:t>Ajoy </a:t>
-            </a:r>
-            <a:r>
-              <a:rPr lang="en-US" dirty="0" err="1"/>
-              <a:t>kumar</a:t>
-            </a:r>
-            <a:r>
-              <a:rPr lang="en-US" dirty="0"/>
-              <a:t> Daga</a:t>
+              <a:t>Daga</a:t>
             </a:r>
           </a:p>
         </p:txBody>
@@ -22005,7 +22001,7 @@
           <a:p>
             <a:r>
               <a:rPr lang="en-US" dirty="0"/>
-              <a:t>Use case - A Journey to Enhanced Customer Experience</a:t>
+              <a:t>Use case - Enhanced Customer Experience &amp; Improved Employee Productivity</a:t>
             </a:r>
           </a:p>
         </p:txBody>
@@ -22381,7 +22377,7 @@
           <a:p>
             <a:r>
               <a:rPr lang="en-US" dirty="0"/>
-              <a:t>Use case - A Journey to Enhanced Customer Experience</a:t>
+              <a:t>Use case - Enhanced Customer Experience &amp; Improved Employee Productivity</a:t>
             </a:r>
           </a:p>
         </p:txBody>
@@ -22794,7 +22790,7 @@
           <a:p>
             <a:r>
               <a:rPr lang="en-US" dirty="0"/>
-              <a:t>Use case - A Journey to Enhanced Customer Experience</a:t>
+              <a:t>Use case - Enhanced Customer Experience &amp; Improved Employee Productivity</a:t>
             </a:r>
           </a:p>
         </p:txBody>
@@ -25528,6 +25524,15 @@
 </file>
 
 <file path=customXml/item2.xml><?xml version="1.0" encoding="utf-8"?>
+<?mso-contentType ?>
+<FormTemplates xmlns="http://schemas.microsoft.com/sharepoint/v3/contenttype/forms">
+  <Display>DocumentLibraryForm</Display>
+  <Edit>DocumentLibraryForm</Edit>
+  <New>DocumentLibraryForm</New>
+</FormTemplates>
+</file>
+
+<file path=customXml/item3.xml><?xml version="1.0" encoding="utf-8"?>
 <p:properties xmlns:p="http://schemas.microsoft.com/office/2006/metadata/properties" xmlns:xsi="http://www.w3.org/2001/XMLSchema-instance" xmlns:pc="http://schemas.microsoft.com/office/infopath/2007/PartnerControls">
   <documentManagement>
     <_ip_UnifiedCompliancePolicyUIAction xmlns="http://schemas.microsoft.com/sharepoint/v3" xsi:nil="true"/>
@@ -25545,15 +25550,6 @@
     <MediaServiceKeyPoints xmlns="71af3243-3dd4-4a8d-8c0d-dd76da1f02a5" xsi:nil="true"/>
   </documentManagement>
 </p:properties>
-</file>
-
-<file path=customXml/item3.xml><?xml version="1.0" encoding="utf-8"?>
-<?mso-contentType ?>
-<FormTemplates xmlns="http://schemas.microsoft.com/sharepoint/v3/contenttype/forms">
-  <Display>DocumentLibraryForm</Display>
-  <Edit>DocumentLibraryForm</Edit>
-  <New>DocumentLibraryForm</New>
-</FormTemplates>
 </file>
 
 <file path=customXml/itemProps1.xml><?xml version="1.0" encoding="utf-8"?>
@@ -25578,6 +25574,14 @@
 </file>
 
 <file path=customXml/itemProps2.xml><?xml version="1.0" encoding="utf-8"?>
+<ds:datastoreItem xmlns:ds="http://schemas.openxmlformats.org/officeDocument/2006/customXml" ds:itemID="{6966C46A-DC57-4209-80CD-9FE6C93151FF}">
+  <ds:schemaRefs>
+    <ds:schemaRef ds:uri="http://schemas.microsoft.com/sharepoint/v3/contenttype/forms"/>
+  </ds:schemaRefs>
+</ds:datastoreItem>
+</file>
+
+<file path=customXml/itemProps3.xml><?xml version="1.0" encoding="utf-8"?>
 <ds:datastoreItem xmlns:ds="http://schemas.openxmlformats.org/officeDocument/2006/customXml" ds:itemID="{BEFFFA3F-0FB5-4ED3-8906-A15B16577F44}">
   <ds:schemaRefs>
     <ds:schemaRef ds:uri="http://schemas.microsoft.com/office/2006/metadata/properties"/>
@@ -25589,14 +25593,6 @@
 </ds:datastoreItem>
 </file>
 
-<file path=customXml/itemProps3.xml><?xml version="1.0" encoding="utf-8"?>
-<ds:datastoreItem xmlns:ds="http://schemas.openxmlformats.org/officeDocument/2006/customXml" ds:itemID="{6966C46A-DC57-4209-80CD-9FE6C93151FF}">
-  <ds:schemaRefs>
-    <ds:schemaRef ds:uri="http://schemas.microsoft.com/sharepoint/v3/contenttype/forms"/>
-  </ds:schemaRefs>
-</ds:datastoreItem>
-</file>
-
 <file path=docMetadata/LabelInfo.xml><?xml version="1.0" encoding="utf-8"?>
 <clbl:labelList xmlns:clbl="http://schemas.microsoft.com/office/2020/mipLabelMetadata"/>
 </file>